--- a/CYBER360-8.2-Methods.pptx
+++ b/CYBER360-8.2-Methods.pptx
@@ -3,15 +3,15 @@
 <p:presentation xmlns:a="http://schemas.openxmlformats.org/drawingml/2006/main" xmlns:r="http://schemas.openxmlformats.org/officeDocument/2006/relationships" xmlns:p="http://schemas.openxmlformats.org/presentationml/2006/main" saveSubsetFonts="1">
   <p:sldMasterIdLst>
     <p:sldMasterId id="2147483661" r:id="rId1"/>
-    <p:sldMasterId id="2147483681" r:id="rId2"/>
+    <p:sldMasterId id="2147483694" r:id="rId2"/>
   </p:sldMasterIdLst>
   <p:sldIdLst>
-    <p:sldId id="256" r:id="rId3"/>
-    <p:sldId id="266" r:id="rId4"/>
-    <p:sldId id="267" r:id="rId5"/>
-    <p:sldId id="285" r:id="rId6"/>
-    <p:sldId id="286" r:id="rId7"/>
-    <p:sldId id="284" r:id="rId8"/>
+    <p:sldId id="287" r:id="rId3"/>
+    <p:sldId id="288" r:id="rId4"/>
+    <p:sldId id="256" r:id="rId5"/>
+    <p:sldId id="289" r:id="rId6"/>
+    <p:sldId id="290" r:id="rId7"/>
+    <p:sldId id="291" r:id="rId8"/>
   </p:sldIdLst>
   <p:sldSz cx="12192000" cy="6858000"/>
   <p:notesSz cx="6858000" cy="9144000"/>
@@ -151,13 +151,562 @@
 <file path=ppt/revisionInfo.xml><?xml version="1.0" encoding="utf-8"?>
 <p1510:revInfo xmlns:a="http://schemas.openxmlformats.org/drawingml/2006/main" xmlns:r="http://schemas.openxmlformats.org/officeDocument/2006/relationships" xmlns:p1510="http://schemas.microsoft.com/office/powerpoint/2015/10/main">
   <p1510:revLst>
-    <p1510:client id="{26C7F00A-80DD-401B-832B-E7EF202E28C2}" v="5" dt="2024-06-14T03:55:11.435"/>
+    <p1510:client id="{7144B7BC-FC82-46A3-BDDA-E35D13FBE7E1}" v="5" dt="2024-12-16T21:30:51.416"/>
+    <p1510:client id="{B925B879-45BD-49BB-97BB-0F2B17A636A7}" v="11" dt="2024-12-16T22:51:24.387"/>
   </p1510:revLst>
 </p1510:revInfo>
 </file>
 
 <file path=ppt/changesInfos/changesInfo1.xml><?xml version="1.0" encoding="utf-8"?>
 <pc:chgInfo xmlns:a="http://schemas.openxmlformats.org/drawingml/2006/main" xmlns:r="http://schemas.openxmlformats.org/officeDocument/2006/relationships" xmlns:ac="http://schemas.microsoft.com/office/drawing/2013/main/command" xmlns:pc="http://schemas.microsoft.com/office/powerpoint/2013/main/command">
+  <pc:docChgLst>
+    <pc:chgData name="Willis, Orion" userId="e283381d-8284-4d3f-ab32-7d71b1e99e1a" providerId="ADAL" clId="{B925B879-45BD-49BB-97BB-0F2B17A636A7}"/>
+    <pc:docChg chg="undo custSel delSld modSld delMainMaster addSection delSection">
+      <pc:chgData name="Willis, Orion" userId="e283381d-8284-4d3f-ab32-7d71b1e99e1a" providerId="ADAL" clId="{B925B879-45BD-49BB-97BB-0F2B17A636A7}" dt="2024-12-17T15:33:18" v="195" actId="1076"/>
+      <pc:docMkLst>
+        <pc:docMk/>
+      </pc:docMkLst>
+      <pc:sldChg chg="del">
+        <pc:chgData name="Willis, Orion" userId="e283381d-8284-4d3f-ab32-7d71b1e99e1a" providerId="ADAL" clId="{B925B879-45BD-49BB-97BB-0F2B17A636A7}" dt="2024-12-16T21:39:17.277" v="0" actId="2696"/>
+        <pc:sldMkLst>
+          <pc:docMk/>
+          <pc:sldMk cId="3644072983" sldId="256"/>
+        </pc:sldMkLst>
+      </pc:sldChg>
+      <pc:sldChg chg="addSp delSp modSp mod">
+        <pc:chgData name="Willis, Orion" userId="e283381d-8284-4d3f-ab32-7d71b1e99e1a" providerId="ADAL" clId="{B925B879-45BD-49BB-97BB-0F2B17A636A7}" dt="2024-12-17T15:28:52.118" v="191" actId="1076"/>
+        <pc:sldMkLst>
+          <pc:docMk/>
+          <pc:sldMk cId="4008619853" sldId="256"/>
+        </pc:sldMkLst>
+        <pc:spChg chg="del">
+          <ac:chgData name="Willis, Orion" userId="e283381d-8284-4d3f-ab32-7d71b1e99e1a" providerId="ADAL" clId="{B925B879-45BD-49BB-97BB-0F2B17A636A7}" dt="2024-12-16T22:43:57.629" v="79" actId="478"/>
+          <ac:spMkLst>
+            <pc:docMk/>
+            <pc:sldMk cId="4008619853" sldId="256"/>
+            <ac:spMk id="2" creationId="{9E5F5903-9361-1310-D6FA-4FE9DE7B7415}"/>
+          </ac:spMkLst>
+        </pc:spChg>
+        <pc:spChg chg="del">
+          <ac:chgData name="Willis, Orion" userId="e283381d-8284-4d3f-ab32-7d71b1e99e1a" providerId="ADAL" clId="{B925B879-45BD-49BB-97BB-0F2B17A636A7}" dt="2024-12-16T22:43:58.458" v="80" actId="478"/>
+          <ac:spMkLst>
+            <pc:docMk/>
+            <pc:sldMk cId="4008619853" sldId="256"/>
+            <ac:spMk id="3" creationId="{1510CFE7-456D-F779-B31C-B431388CF778}"/>
+          </ac:spMkLst>
+        </pc:spChg>
+        <pc:spChg chg="add mod">
+          <ac:chgData name="Willis, Orion" userId="e283381d-8284-4d3f-ab32-7d71b1e99e1a" providerId="ADAL" clId="{B925B879-45BD-49BB-97BB-0F2B17A636A7}" dt="2024-12-16T22:50:41.267" v="164" actId="1076"/>
+          <ac:spMkLst>
+            <pc:docMk/>
+            <pc:sldMk cId="4008619853" sldId="256"/>
+            <ac:spMk id="4" creationId="{64492E64-A68B-8CA7-B3C6-044F7C8E76AB}"/>
+          </ac:spMkLst>
+        </pc:spChg>
+        <pc:spChg chg="add mod">
+          <ac:chgData name="Willis, Orion" userId="e283381d-8284-4d3f-ab32-7d71b1e99e1a" providerId="ADAL" clId="{B925B879-45BD-49BB-97BB-0F2B17A636A7}" dt="2024-12-17T15:28:52.118" v="191" actId="1076"/>
+          <ac:spMkLst>
+            <pc:docMk/>
+            <pc:sldMk cId="4008619853" sldId="256"/>
+            <ac:spMk id="5" creationId="{B64A8207-997F-319E-7F6D-676D3ECA779B}"/>
+          </ac:spMkLst>
+        </pc:spChg>
+      </pc:sldChg>
+      <pc:sldChg chg="addSp delSp modSp del mod">
+        <pc:chgData name="Willis, Orion" userId="e283381d-8284-4d3f-ab32-7d71b1e99e1a" providerId="ADAL" clId="{B925B879-45BD-49BB-97BB-0F2B17A636A7}" dt="2024-12-16T21:40:03.754" v="13" actId="2696"/>
+        <pc:sldMkLst>
+          <pc:docMk/>
+          <pc:sldMk cId="2611413137" sldId="266"/>
+        </pc:sldMkLst>
+        <pc:spChg chg="add del">
+          <ac:chgData name="Willis, Orion" userId="e283381d-8284-4d3f-ab32-7d71b1e99e1a" providerId="ADAL" clId="{B925B879-45BD-49BB-97BB-0F2B17A636A7}" dt="2024-12-16T21:39:52.191" v="7" actId="21"/>
+          <ac:spMkLst>
+            <pc:docMk/>
+            <pc:sldMk cId="2611413137" sldId="266"/>
+            <ac:spMk id="2" creationId="{64492E64-A68B-8CA7-B3C6-044F7C8E76AB}"/>
+          </ac:spMkLst>
+        </pc:spChg>
+        <pc:spChg chg="add del">
+          <ac:chgData name="Willis, Orion" userId="e283381d-8284-4d3f-ab32-7d71b1e99e1a" providerId="ADAL" clId="{B925B879-45BD-49BB-97BB-0F2B17A636A7}" dt="2024-12-16T21:39:52.191" v="7" actId="21"/>
+          <ac:spMkLst>
+            <pc:docMk/>
+            <pc:sldMk cId="2611413137" sldId="266"/>
+            <ac:spMk id="3" creationId="{20E8B8C0-A2A5-7B62-1B40-D3BF6CA80A5C}"/>
+          </ac:spMkLst>
+        </pc:spChg>
+        <pc:spChg chg="add del">
+          <ac:chgData name="Willis, Orion" userId="e283381d-8284-4d3f-ab32-7d71b1e99e1a" providerId="ADAL" clId="{B925B879-45BD-49BB-97BB-0F2B17A636A7}" dt="2024-12-16T21:39:52.191" v="7" actId="21"/>
+          <ac:spMkLst>
+            <pc:docMk/>
+            <pc:sldMk cId="2611413137" sldId="266"/>
+            <ac:spMk id="4" creationId="{B64A8207-997F-319E-7F6D-676D3ECA779B}"/>
+          </ac:spMkLst>
+        </pc:spChg>
+        <pc:spChg chg="add del">
+          <ac:chgData name="Willis, Orion" userId="e283381d-8284-4d3f-ab32-7d71b1e99e1a" providerId="ADAL" clId="{B925B879-45BD-49BB-97BB-0F2B17A636A7}" dt="2024-12-16T21:39:52.191" v="7" actId="21"/>
+          <ac:spMkLst>
+            <pc:docMk/>
+            <pc:sldMk cId="2611413137" sldId="266"/>
+            <ac:spMk id="5" creationId="{EDDCCECA-E971-2EC4-FEF0-DCF50F49CE6A}"/>
+          </ac:spMkLst>
+        </pc:spChg>
+        <pc:spChg chg="add del">
+          <ac:chgData name="Willis, Orion" userId="e283381d-8284-4d3f-ab32-7d71b1e99e1a" providerId="ADAL" clId="{B925B879-45BD-49BB-97BB-0F2B17A636A7}" dt="2024-12-16T21:39:52.191" v="7" actId="21"/>
+          <ac:spMkLst>
+            <pc:docMk/>
+            <pc:sldMk cId="2611413137" sldId="266"/>
+            <ac:spMk id="6" creationId="{BAACEC6C-4A35-E101-5EBD-12F9722B023B}"/>
+          </ac:spMkLst>
+        </pc:spChg>
+        <pc:spChg chg="add del mod">
+          <ac:chgData name="Willis, Orion" userId="e283381d-8284-4d3f-ab32-7d71b1e99e1a" providerId="ADAL" clId="{B925B879-45BD-49BB-97BB-0F2B17A636A7}" dt="2024-12-16T21:39:50.648" v="6" actId="21"/>
+          <ac:spMkLst>
+            <pc:docMk/>
+            <pc:sldMk cId="2611413137" sldId="266"/>
+            <ac:spMk id="8" creationId="{AB9C02F7-8C26-713D-E072-9AEB8054ABD3}"/>
+          </ac:spMkLst>
+        </pc:spChg>
+        <pc:spChg chg="add mod">
+          <ac:chgData name="Willis, Orion" userId="e283381d-8284-4d3f-ab32-7d71b1e99e1a" providerId="ADAL" clId="{B925B879-45BD-49BB-97BB-0F2B17A636A7}" dt="2024-12-16T21:39:52.198" v="8" actId="27636"/>
+          <ac:spMkLst>
+            <pc:docMk/>
+            <pc:sldMk cId="2611413137" sldId="266"/>
+            <ac:spMk id="10" creationId="{2C4A1B94-507A-E773-DC2F-FFD3079F1BAE}"/>
+          </ac:spMkLst>
+        </pc:spChg>
+      </pc:sldChg>
+      <pc:sldChg chg="addSp delSp modSp del mod">
+        <pc:chgData name="Willis, Orion" userId="e283381d-8284-4d3f-ab32-7d71b1e99e1a" providerId="ADAL" clId="{B925B879-45BD-49BB-97BB-0F2B17A636A7}" dt="2024-12-16T22:43:53.702" v="78" actId="2696"/>
+        <pc:sldMkLst>
+          <pc:docMk/>
+          <pc:sldMk cId="4188996306" sldId="267"/>
+        </pc:sldMkLst>
+        <pc:spChg chg="del">
+          <ac:chgData name="Willis, Orion" userId="e283381d-8284-4d3f-ab32-7d71b1e99e1a" providerId="ADAL" clId="{B925B879-45BD-49BB-97BB-0F2B17A636A7}" dt="2024-12-16T22:43:48.993" v="76" actId="21"/>
+          <ac:spMkLst>
+            <pc:docMk/>
+            <pc:sldMk cId="4188996306" sldId="267"/>
+            <ac:spMk id="2" creationId="{64492E64-A68B-8CA7-B3C6-044F7C8E76AB}"/>
+          </ac:spMkLst>
+        </pc:spChg>
+        <pc:spChg chg="del">
+          <ac:chgData name="Willis, Orion" userId="e283381d-8284-4d3f-ab32-7d71b1e99e1a" providerId="ADAL" clId="{B925B879-45BD-49BB-97BB-0F2B17A636A7}" dt="2024-12-16T22:43:48.993" v="76" actId="21"/>
+          <ac:spMkLst>
+            <pc:docMk/>
+            <pc:sldMk cId="4188996306" sldId="267"/>
+            <ac:spMk id="4" creationId="{B64A8207-997F-319E-7F6D-676D3ECA779B}"/>
+          </ac:spMkLst>
+        </pc:spChg>
+        <pc:spChg chg="add mod">
+          <ac:chgData name="Willis, Orion" userId="e283381d-8284-4d3f-ab32-7d71b1e99e1a" providerId="ADAL" clId="{B925B879-45BD-49BB-97BB-0F2B17A636A7}" dt="2024-12-16T22:43:48.998" v="77" actId="27636"/>
+          <ac:spMkLst>
+            <pc:docMk/>
+            <pc:sldMk cId="4188996306" sldId="267"/>
+            <ac:spMk id="5" creationId="{2E421D3C-A9D5-57C9-72EC-CE846C6B913B}"/>
+          </ac:spMkLst>
+        </pc:spChg>
+      </pc:sldChg>
+      <pc:sldChg chg="addSp delSp modSp del mod">
+        <pc:chgData name="Willis, Orion" userId="e283381d-8284-4d3f-ab32-7d71b1e99e1a" providerId="ADAL" clId="{B925B879-45BD-49BB-97BB-0F2B17A636A7}" dt="2024-12-16T22:51:15.817" v="170" actId="2696"/>
+        <pc:sldMkLst>
+          <pc:docMk/>
+          <pc:sldMk cId="322366662" sldId="284"/>
+        </pc:sldMkLst>
+        <pc:spChg chg="del">
+          <ac:chgData name="Willis, Orion" userId="e283381d-8284-4d3f-ab32-7d71b1e99e1a" providerId="ADAL" clId="{B925B879-45BD-49BB-97BB-0F2B17A636A7}" dt="2024-12-16T22:51:13.507" v="168" actId="21"/>
+          <ac:spMkLst>
+            <pc:docMk/>
+            <pc:sldMk cId="322366662" sldId="284"/>
+            <ac:spMk id="2" creationId="{64492E64-A68B-8CA7-B3C6-044F7C8E76AB}"/>
+          </ac:spMkLst>
+        </pc:spChg>
+        <pc:spChg chg="del">
+          <ac:chgData name="Willis, Orion" userId="e283381d-8284-4d3f-ab32-7d71b1e99e1a" providerId="ADAL" clId="{B925B879-45BD-49BB-97BB-0F2B17A636A7}" dt="2024-12-16T22:51:13.507" v="168" actId="21"/>
+          <ac:spMkLst>
+            <pc:docMk/>
+            <pc:sldMk cId="322366662" sldId="284"/>
+            <ac:spMk id="4" creationId="{B64A8207-997F-319E-7F6D-676D3ECA779B}"/>
+          </ac:spMkLst>
+        </pc:spChg>
+        <pc:spChg chg="add mod">
+          <ac:chgData name="Willis, Orion" userId="e283381d-8284-4d3f-ab32-7d71b1e99e1a" providerId="ADAL" clId="{B925B879-45BD-49BB-97BB-0F2B17A636A7}" dt="2024-12-16T22:51:13.519" v="169" actId="27636"/>
+          <ac:spMkLst>
+            <pc:docMk/>
+            <pc:sldMk cId="322366662" sldId="284"/>
+            <ac:spMk id="5" creationId="{569B611D-927D-2094-C02A-E7F76E563997}"/>
+          </ac:spMkLst>
+        </pc:spChg>
+      </pc:sldChg>
+      <pc:sldChg chg="addSp delSp modSp del mod">
+        <pc:chgData name="Willis, Orion" userId="e283381d-8284-4d3f-ab32-7d71b1e99e1a" providerId="ADAL" clId="{B925B879-45BD-49BB-97BB-0F2B17A636A7}" dt="2024-12-16T22:46:14.091" v="104" actId="2696"/>
+        <pc:sldMkLst>
+          <pc:docMk/>
+          <pc:sldMk cId="2432840855" sldId="285"/>
+        </pc:sldMkLst>
+        <pc:spChg chg="del">
+          <ac:chgData name="Willis, Orion" userId="e283381d-8284-4d3f-ab32-7d71b1e99e1a" providerId="ADAL" clId="{B925B879-45BD-49BB-97BB-0F2B17A636A7}" dt="2024-12-16T22:46:05.882" v="100" actId="21"/>
+          <ac:spMkLst>
+            <pc:docMk/>
+            <pc:sldMk cId="2432840855" sldId="285"/>
+            <ac:spMk id="2" creationId="{64492E64-A68B-8CA7-B3C6-044F7C8E76AB}"/>
+          </ac:spMkLst>
+        </pc:spChg>
+        <pc:spChg chg="del">
+          <ac:chgData name="Willis, Orion" userId="e283381d-8284-4d3f-ab32-7d71b1e99e1a" providerId="ADAL" clId="{B925B879-45BD-49BB-97BB-0F2B17A636A7}" dt="2024-12-16T22:46:05.882" v="100" actId="21"/>
+          <ac:spMkLst>
+            <pc:docMk/>
+            <pc:sldMk cId="2432840855" sldId="285"/>
+            <ac:spMk id="4" creationId="{B64A8207-997F-319E-7F6D-676D3ECA779B}"/>
+          </ac:spMkLst>
+        </pc:spChg>
+        <pc:spChg chg="add mod">
+          <ac:chgData name="Willis, Orion" userId="e283381d-8284-4d3f-ab32-7d71b1e99e1a" providerId="ADAL" clId="{B925B879-45BD-49BB-97BB-0F2B17A636A7}" dt="2024-12-16T22:46:05.890" v="101" actId="27636"/>
+          <ac:spMkLst>
+            <pc:docMk/>
+            <pc:sldMk cId="2432840855" sldId="285"/>
+            <ac:spMk id="5" creationId="{F27DB63E-AC31-CDE2-7AD1-03298696658B}"/>
+          </ac:spMkLst>
+        </pc:spChg>
+      </pc:sldChg>
+      <pc:sldChg chg="addSp delSp modSp del mod">
+        <pc:chgData name="Willis, Orion" userId="e283381d-8284-4d3f-ab32-7d71b1e99e1a" providerId="ADAL" clId="{B925B879-45BD-49BB-97BB-0F2B17A636A7}" dt="2024-12-16T22:49:16.304" v="142" actId="2696"/>
+        <pc:sldMkLst>
+          <pc:docMk/>
+          <pc:sldMk cId="2169521787" sldId="286"/>
+        </pc:sldMkLst>
+        <pc:spChg chg="del">
+          <ac:chgData name="Willis, Orion" userId="e283381d-8284-4d3f-ab32-7d71b1e99e1a" providerId="ADAL" clId="{B925B879-45BD-49BB-97BB-0F2B17A636A7}" dt="2024-12-16T22:49:12.235" v="140" actId="21"/>
+          <ac:spMkLst>
+            <pc:docMk/>
+            <pc:sldMk cId="2169521787" sldId="286"/>
+            <ac:spMk id="2" creationId="{64492E64-A68B-8CA7-B3C6-044F7C8E76AB}"/>
+          </ac:spMkLst>
+        </pc:spChg>
+        <pc:spChg chg="del">
+          <ac:chgData name="Willis, Orion" userId="e283381d-8284-4d3f-ab32-7d71b1e99e1a" providerId="ADAL" clId="{B925B879-45BD-49BB-97BB-0F2B17A636A7}" dt="2024-12-16T22:49:12.235" v="140" actId="21"/>
+          <ac:spMkLst>
+            <pc:docMk/>
+            <pc:sldMk cId="2169521787" sldId="286"/>
+            <ac:spMk id="4" creationId="{B64A8207-997F-319E-7F6D-676D3ECA779B}"/>
+          </ac:spMkLst>
+        </pc:spChg>
+        <pc:spChg chg="add mod">
+          <ac:chgData name="Willis, Orion" userId="e283381d-8284-4d3f-ab32-7d71b1e99e1a" providerId="ADAL" clId="{B925B879-45BD-49BB-97BB-0F2B17A636A7}" dt="2024-12-16T22:49:12.245" v="141" actId="27636"/>
+          <ac:spMkLst>
+            <pc:docMk/>
+            <pc:sldMk cId="2169521787" sldId="286"/>
+            <ac:spMk id="5" creationId="{72A6439C-636D-3EF4-D079-63C804100EC2}"/>
+          </ac:spMkLst>
+        </pc:spChg>
+      </pc:sldChg>
+      <pc:sldChg chg="modSp mod">
+        <pc:chgData name="Willis, Orion" userId="e283381d-8284-4d3f-ab32-7d71b1e99e1a" providerId="ADAL" clId="{B925B879-45BD-49BB-97BB-0F2B17A636A7}" dt="2024-12-17T15:33:18" v="195" actId="1076"/>
+        <pc:sldMkLst>
+          <pc:docMk/>
+          <pc:sldMk cId="325146105" sldId="287"/>
+        </pc:sldMkLst>
+        <pc:spChg chg="mod">
+          <ac:chgData name="Willis, Orion" userId="e283381d-8284-4d3f-ab32-7d71b1e99e1a" providerId="ADAL" clId="{B925B879-45BD-49BB-97BB-0F2B17A636A7}" dt="2024-12-17T15:33:18" v="195" actId="1076"/>
+          <ac:spMkLst>
+            <pc:docMk/>
+            <pc:sldMk cId="325146105" sldId="287"/>
+            <ac:spMk id="4" creationId="{9691B09A-452B-F91E-1874-91864377CE06}"/>
+          </ac:spMkLst>
+        </pc:spChg>
+      </pc:sldChg>
+      <pc:sldChg chg="addSp delSp modSp mod">
+        <pc:chgData name="Willis, Orion" userId="e283381d-8284-4d3f-ab32-7d71b1e99e1a" providerId="ADAL" clId="{B925B879-45BD-49BB-97BB-0F2B17A636A7}" dt="2024-12-16T22:48:18.806" v="131" actId="1076"/>
+        <pc:sldMkLst>
+          <pc:docMk/>
+          <pc:sldMk cId="1587407367" sldId="288"/>
+        </pc:sldMkLst>
+        <pc:spChg chg="del">
+          <ac:chgData name="Willis, Orion" userId="e283381d-8284-4d3f-ab32-7d71b1e99e1a" providerId="ADAL" clId="{B925B879-45BD-49BB-97BB-0F2B17A636A7}" dt="2024-12-16T21:39:55.337" v="9" actId="478"/>
+          <ac:spMkLst>
+            <pc:docMk/>
+            <pc:sldMk cId="1587407367" sldId="288"/>
+            <ac:spMk id="2" creationId="{9DDC329C-9DF0-F818-334C-363141714C7C}"/>
+          </ac:spMkLst>
+        </pc:spChg>
+        <pc:spChg chg="del">
+          <ac:chgData name="Willis, Orion" userId="e283381d-8284-4d3f-ab32-7d71b1e99e1a" providerId="ADAL" clId="{B925B879-45BD-49BB-97BB-0F2B17A636A7}" dt="2024-12-16T21:39:56.885" v="10" actId="478"/>
+          <ac:spMkLst>
+            <pc:docMk/>
+            <pc:sldMk cId="1587407367" sldId="288"/>
+            <ac:spMk id="3" creationId="{F1A42D30-6969-0006-53F3-63F37897CF51}"/>
+          </ac:spMkLst>
+        </pc:spChg>
+        <pc:spChg chg="add mod">
+          <ac:chgData name="Willis, Orion" userId="e283381d-8284-4d3f-ab32-7d71b1e99e1a" providerId="ADAL" clId="{B925B879-45BD-49BB-97BB-0F2B17A636A7}" dt="2024-12-16T22:48:09.446" v="128" actId="255"/>
+          <ac:spMkLst>
+            <pc:docMk/>
+            <pc:sldMk cId="1587407367" sldId="288"/>
+            <ac:spMk id="4" creationId="{64492E64-A68B-8CA7-B3C6-044F7C8E76AB}"/>
+          </ac:spMkLst>
+        </pc:spChg>
+        <pc:spChg chg="add mod">
+          <ac:chgData name="Willis, Orion" userId="e283381d-8284-4d3f-ab32-7d71b1e99e1a" providerId="ADAL" clId="{B925B879-45BD-49BB-97BB-0F2B17A636A7}" dt="2024-12-16T22:48:14.152" v="129" actId="1076"/>
+          <ac:spMkLst>
+            <pc:docMk/>
+            <pc:sldMk cId="1587407367" sldId="288"/>
+            <ac:spMk id="5" creationId="{B64A8207-997F-319E-7F6D-676D3ECA779B}"/>
+          </ac:spMkLst>
+        </pc:spChg>
+        <pc:spChg chg="add mod">
+          <ac:chgData name="Willis, Orion" userId="e283381d-8284-4d3f-ab32-7d71b1e99e1a" providerId="ADAL" clId="{B925B879-45BD-49BB-97BB-0F2B17A636A7}" dt="2024-12-16T22:48:17.194" v="130" actId="1076"/>
+          <ac:spMkLst>
+            <pc:docMk/>
+            <pc:sldMk cId="1587407367" sldId="288"/>
+            <ac:spMk id="6" creationId="{20E8B8C0-A2A5-7B62-1B40-D3BF6CA80A5C}"/>
+          </ac:spMkLst>
+        </pc:spChg>
+        <pc:spChg chg="add mod">
+          <ac:chgData name="Willis, Orion" userId="e283381d-8284-4d3f-ab32-7d71b1e99e1a" providerId="ADAL" clId="{B925B879-45BD-49BB-97BB-0F2B17A636A7}" dt="2024-12-16T22:48:18.806" v="131" actId="1076"/>
+          <ac:spMkLst>
+            <pc:docMk/>
+            <pc:sldMk cId="1587407367" sldId="288"/>
+            <ac:spMk id="7" creationId="{EDDCCECA-E971-2EC4-FEF0-DCF50F49CE6A}"/>
+          </ac:spMkLst>
+        </pc:spChg>
+        <pc:spChg chg="add mod">
+          <ac:chgData name="Willis, Orion" userId="e283381d-8284-4d3f-ab32-7d71b1e99e1a" providerId="ADAL" clId="{B925B879-45BD-49BB-97BB-0F2B17A636A7}" dt="2024-12-16T22:42:59.456" v="74" actId="1076"/>
+          <ac:spMkLst>
+            <pc:docMk/>
+            <pc:sldMk cId="1587407367" sldId="288"/>
+            <ac:spMk id="8" creationId="{BAACEC6C-4A35-E101-5EBD-12F9722B023B}"/>
+          </ac:spMkLst>
+        </pc:spChg>
+        <pc:spChg chg="mod">
+          <ac:chgData name="Willis, Orion" userId="e283381d-8284-4d3f-ab32-7d71b1e99e1a" providerId="ADAL" clId="{B925B879-45BD-49BB-97BB-0F2B17A636A7}" dt="2024-12-16T22:43:11.768" v="75"/>
+          <ac:spMkLst>
+            <pc:docMk/>
+            <pc:sldMk cId="1587407367" sldId="288"/>
+            <ac:spMk id="9" creationId="{5042D21F-2C94-BB47-5D96-9286363E3A5A}"/>
+          </ac:spMkLst>
+        </pc:spChg>
+      </pc:sldChg>
+      <pc:sldChg chg="addSp delSp modSp mod">
+        <pc:chgData name="Willis, Orion" userId="e283381d-8284-4d3f-ab32-7d71b1e99e1a" providerId="ADAL" clId="{B925B879-45BD-49BB-97BB-0F2B17A636A7}" dt="2024-12-16T22:50:35.834" v="163" actId="1076"/>
+        <pc:sldMkLst>
+          <pc:docMk/>
+          <pc:sldMk cId="625771499" sldId="289"/>
+        </pc:sldMkLst>
+        <pc:spChg chg="del">
+          <ac:chgData name="Willis, Orion" userId="e283381d-8284-4d3f-ab32-7d71b1e99e1a" providerId="ADAL" clId="{B925B879-45BD-49BB-97BB-0F2B17A636A7}" dt="2024-12-16T22:46:16.764" v="105" actId="478"/>
+          <ac:spMkLst>
+            <pc:docMk/>
+            <pc:sldMk cId="625771499" sldId="289"/>
+            <ac:spMk id="2" creationId="{9E5F5903-9361-1310-D6FA-4FE9DE7B7415}"/>
+          </ac:spMkLst>
+        </pc:spChg>
+        <pc:spChg chg="del">
+          <ac:chgData name="Willis, Orion" userId="e283381d-8284-4d3f-ab32-7d71b1e99e1a" providerId="ADAL" clId="{B925B879-45BD-49BB-97BB-0F2B17A636A7}" dt="2024-12-16T22:46:17.806" v="106" actId="478"/>
+          <ac:spMkLst>
+            <pc:docMk/>
+            <pc:sldMk cId="625771499" sldId="289"/>
+            <ac:spMk id="3" creationId="{1510CFE7-456D-F779-B31C-B431388CF778}"/>
+          </ac:spMkLst>
+        </pc:spChg>
+        <pc:spChg chg="add mod">
+          <ac:chgData name="Willis, Orion" userId="e283381d-8284-4d3f-ab32-7d71b1e99e1a" providerId="ADAL" clId="{B925B879-45BD-49BB-97BB-0F2B17A636A7}" dt="2024-12-16T22:50:35.834" v="163" actId="1076"/>
+          <ac:spMkLst>
+            <pc:docMk/>
+            <pc:sldMk cId="625771499" sldId="289"/>
+            <ac:spMk id="4" creationId="{64492E64-A68B-8CA7-B3C6-044F7C8E76AB}"/>
+          </ac:spMkLst>
+        </pc:spChg>
+        <pc:spChg chg="add mod">
+          <ac:chgData name="Willis, Orion" userId="e283381d-8284-4d3f-ab32-7d71b1e99e1a" providerId="ADAL" clId="{B925B879-45BD-49BB-97BB-0F2B17A636A7}" dt="2024-12-16T22:47:51.480" v="127" actId="1076"/>
+          <ac:spMkLst>
+            <pc:docMk/>
+            <pc:sldMk cId="625771499" sldId="289"/>
+            <ac:spMk id="5" creationId="{B64A8207-997F-319E-7F6D-676D3ECA779B}"/>
+          </ac:spMkLst>
+        </pc:spChg>
+      </pc:sldChg>
+      <pc:sldChg chg="addSp delSp modSp mod">
+        <pc:chgData name="Willis, Orion" userId="e283381d-8284-4d3f-ab32-7d71b1e99e1a" providerId="ADAL" clId="{B925B879-45BD-49BB-97BB-0F2B17A636A7}" dt="2024-12-16T22:52:47.510" v="187" actId="20577"/>
+        <pc:sldMkLst>
+          <pc:docMk/>
+          <pc:sldMk cId="3123575312" sldId="290"/>
+        </pc:sldMkLst>
+        <pc:spChg chg="del">
+          <ac:chgData name="Willis, Orion" userId="e283381d-8284-4d3f-ab32-7d71b1e99e1a" providerId="ADAL" clId="{B925B879-45BD-49BB-97BB-0F2B17A636A7}" dt="2024-12-16T22:48:59.067" v="138" actId="478"/>
+          <ac:spMkLst>
+            <pc:docMk/>
+            <pc:sldMk cId="3123575312" sldId="290"/>
+            <ac:spMk id="2" creationId="{9E5F5903-9361-1310-D6FA-4FE9DE7B7415}"/>
+          </ac:spMkLst>
+        </pc:spChg>
+        <pc:spChg chg="del">
+          <ac:chgData name="Willis, Orion" userId="e283381d-8284-4d3f-ab32-7d71b1e99e1a" providerId="ADAL" clId="{B925B879-45BD-49BB-97BB-0F2B17A636A7}" dt="2024-12-16T22:49:00.652" v="139" actId="478"/>
+          <ac:spMkLst>
+            <pc:docMk/>
+            <pc:sldMk cId="3123575312" sldId="290"/>
+            <ac:spMk id="3" creationId="{1510CFE7-456D-F779-B31C-B431388CF778}"/>
+          </ac:spMkLst>
+        </pc:spChg>
+        <pc:spChg chg="add mod">
+          <ac:chgData name="Willis, Orion" userId="e283381d-8284-4d3f-ab32-7d71b1e99e1a" providerId="ADAL" clId="{B925B879-45BD-49BB-97BB-0F2B17A636A7}" dt="2024-12-16T22:50:51.176" v="167" actId="1076"/>
+          <ac:spMkLst>
+            <pc:docMk/>
+            <pc:sldMk cId="3123575312" sldId="290"/>
+            <ac:spMk id="4" creationId="{64492E64-A68B-8CA7-B3C6-044F7C8E76AB}"/>
+          </ac:spMkLst>
+        </pc:spChg>
+        <pc:spChg chg="add mod">
+          <ac:chgData name="Willis, Orion" userId="e283381d-8284-4d3f-ab32-7d71b1e99e1a" providerId="ADAL" clId="{B925B879-45BD-49BB-97BB-0F2B17A636A7}" dt="2024-12-16T22:52:47.510" v="187" actId="20577"/>
+          <ac:spMkLst>
+            <pc:docMk/>
+            <pc:sldMk cId="3123575312" sldId="290"/>
+            <ac:spMk id="5" creationId="{B64A8207-997F-319E-7F6D-676D3ECA779B}"/>
+          </ac:spMkLst>
+        </pc:spChg>
+      </pc:sldChg>
+      <pc:sldChg chg="addSp delSp modSp mod">
+        <pc:chgData name="Willis, Orion" userId="e283381d-8284-4d3f-ab32-7d71b1e99e1a" providerId="ADAL" clId="{B925B879-45BD-49BB-97BB-0F2B17A636A7}" dt="2024-12-16T22:52:17.512" v="183" actId="1076"/>
+        <pc:sldMkLst>
+          <pc:docMk/>
+          <pc:sldMk cId="2777842719" sldId="291"/>
+        </pc:sldMkLst>
+        <pc:spChg chg="del">
+          <ac:chgData name="Willis, Orion" userId="e283381d-8284-4d3f-ab32-7d71b1e99e1a" providerId="ADAL" clId="{B925B879-45BD-49BB-97BB-0F2B17A636A7}" dt="2024-12-16T22:51:18.141" v="171" actId="478"/>
+          <ac:spMkLst>
+            <pc:docMk/>
+            <pc:sldMk cId="2777842719" sldId="291"/>
+            <ac:spMk id="2" creationId="{9E5F5903-9361-1310-D6FA-4FE9DE7B7415}"/>
+          </ac:spMkLst>
+        </pc:spChg>
+        <pc:spChg chg="del">
+          <ac:chgData name="Willis, Orion" userId="e283381d-8284-4d3f-ab32-7d71b1e99e1a" providerId="ADAL" clId="{B925B879-45BD-49BB-97BB-0F2B17A636A7}" dt="2024-12-16T22:51:20.071" v="172" actId="478"/>
+          <ac:spMkLst>
+            <pc:docMk/>
+            <pc:sldMk cId="2777842719" sldId="291"/>
+            <ac:spMk id="3" creationId="{1510CFE7-456D-F779-B31C-B431388CF778}"/>
+          </ac:spMkLst>
+        </pc:spChg>
+        <pc:spChg chg="add mod">
+          <ac:chgData name="Willis, Orion" userId="e283381d-8284-4d3f-ab32-7d71b1e99e1a" providerId="ADAL" clId="{B925B879-45BD-49BB-97BB-0F2B17A636A7}" dt="2024-12-16T22:51:39.518" v="179" actId="1076"/>
+          <ac:spMkLst>
+            <pc:docMk/>
+            <pc:sldMk cId="2777842719" sldId="291"/>
+            <ac:spMk id="4" creationId="{64492E64-A68B-8CA7-B3C6-044F7C8E76AB}"/>
+          </ac:spMkLst>
+        </pc:spChg>
+        <pc:spChg chg="add mod">
+          <ac:chgData name="Willis, Orion" userId="e283381d-8284-4d3f-ab32-7d71b1e99e1a" providerId="ADAL" clId="{B925B879-45BD-49BB-97BB-0F2B17A636A7}" dt="2024-12-16T22:52:17.512" v="183" actId="1076"/>
+          <ac:spMkLst>
+            <pc:docMk/>
+            <pc:sldMk cId="2777842719" sldId="291"/>
+            <ac:spMk id="5" creationId="{B64A8207-997F-319E-7F6D-676D3ECA779B}"/>
+          </ac:spMkLst>
+        </pc:spChg>
+      </pc:sldChg>
+      <pc:sldMasterChg chg="del delSldLayout">
+        <pc:chgData name="Willis, Orion" userId="e283381d-8284-4d3f-ab32-7d71b1e99e1a" providerId="ADAL" clId="{B925B879-45BD-49BB-97BB-0F2B17A636A7}" dt="2024-12-16T22:51:15.817" v="170" actId="2696"/>
+        <pc:sldMasterMkLst>
+          <pc:docMk/>
+          <pc:sldMasterMk cId="3136267371" sldId="2147483681"/>
+        </pc:sldMasterMkLst>
+        <pc:sldLayoutChg chg="del">
+          <pc:chgData name="Willis, Orion" userId="e283381d-8284-4d3f-ab32-7d71b1e99e1a" providerId="ADAL" clId="{B925B879-45BD-49BB-97BB-0F2B17A636A7}" dt="2024-12-16T22:51:15.817" v="170" actId="2696"/>
+          <pc:sldLayoutMkLst>
+            <pc:docMk/>
+            <pc:sldMasterMk cId="3136267371" sldId="2147483681"/>
+            <pc:sldLayoutMk cId="267940307" sldId="2147483682"/>
+          </pc:sldLayoutMkLst>
+        </pc:sldLayoutChg>
+        <pc:sldLayoutChg chg="del">
+          <pc:chgData name="Willis, Orion" userId="e283381d-8284-4d3f-ab32-7d71b1e99e1a" providerId="ADAL" clId="{B925B879-45BD-49BB-97BB-0F2B17A636A7}" dt="2024-12-16T22:51:15.817" v="170" actId="2696"/>
+          <pc:sldLayoutMkLst>
+            <pc:docMk/>
+            <pc:sldMasterMk cId="3136267371" sldId="2147483681"/>
+            <pc:sldLayoutMk cId="1773732037" sldId="2147483683"/>
+          </pc:sldLayoutMkLst>
+        </pc:sldLayoutChg>
+        <pc:sldLayoutChg chg="del">
+          <pc:chgData name="Willis, Orion" userId="e283381d-8284-4d3f-ab32-7d71b1e99e1a" providerId="ADAL" clId="{B925B879-45BD-49BB-97BB-0F2B17A636A7}" dt="2024-12-16T22:51:15.817" v="170" actId="2696"/>
+          <pc:sldLayoutMkLst>
+            <pc:docMk/>
+            <pc:sldMasterMk cId="3136267371" sldId="2147483681"/>
+            <pc:sldLayoutMk cId="3968263454" sldId="2147483684"/>
+          </pc:sldLayoutMkLst>
+        </pc:sldLayoutChg>
+        <pc:sldLayoutChg chg="del">
+          <pc:chgData name="Willis, Orion" userId="e283381d-8284-4d3f-ab32-7d71b1e99e1a" providerId="ADAL" clId="{B925B879-45BD-49BB-97BB-0F2B17A636A7}" dt="2024-12-16T22:51:15.817" v="170" actId="2696"/>
+          <pc:sldLayoutMkLst>
+            <pc:docMk/>
+            <pc:sldMasterMk cId="3136267371" sldId="2147483681"/>
+            <pc:sldLayoutMk cId="3119249891" sldId="2147483685"/>
+          </pc:sldLayoutMkLst>
+        </pc:sldLayoutChg>
+        <pc:sldLayoutChg chg="del">
+          <pc:chgData name="Willis, Orion" userId="e283381d-8284-4d3f-ab32-7d71b1e99e1a" providerId="ADAL" clId="{B925B879-45BD-49BB-97BB-0F2B17A636A7}" dt="2024-12-16T22:51:15.817" v="170" actId="2696"/>
+          <pc:sldLayoutMkLst>
+            <pc:docMk/>
+            <pc:sldMasterMk cId="3136267371" sldId="2147483681"/>
+            <pc:sldLayoutMk cId="3054922134" sldId="2147483686"/>
+          </pc:sldLayoutMkLst>
+        </pc:sldLayoutChg>
+        <pc:sldLayoutChg chg="del">
+          <pc:chgData name="Willis, Orion" userId="e283381d-8284-4d3f-ab32-7d71b1e99e1a" providerId="ADAL" clId="{B925B879-45BD-49BB-97BB-0F2B17A636A7}" dt="2024-12-16T22:51:15.817" v="170" actId="2696"/>
+          <pc:sldLayoutMkLst>
+            <pc:docMk/>
+            <pc:sldMasterMk cId="3136267371" sldId="2147483681"/>
+            <pc:sldLayoutMk cId="2938381997" sldId="2147483687"/>
+          </pc:sldLayoutMkLst>
+        </pc:sldLayoutChg>
+        <pc:sldLayoutChg chg="del">
+          <pc:chgData name="Willis, Orion" userId="e283381d-8284-4d3f-ab32-7d71b1e99e1a" providerId="ADAL" clId="{B925B879-45BD-49BB-97BB-0F2B17A636A7}" dt="2024-12-16T22:51:15.817" v="170" actId="2696"/>
+          <pc:sldLayoutMkLst>
+            <pc:docMk/>
+            <pc:sldMasterMk cId="3136267371" sldId="2147483681"/>
+            <pc:sldLayoutMk cId="2840775159" sldId="2147483688"/>
+          </pc:sldLayoutMkLst>
+        </pc:sldLayoutChg>
+        <pc:sldLayoutChg chg="del">
+          <pc:chgData name="Willis, Orion" userId="e283381d-8284-4d3f-ab32-7d71b1e99e1a" providerId="ADAL" clId="{B925B879-45BD-49BB-97BB-0F2B17A636A7}" dt="2024-12-16T22:51:15.817" v="170" actId="2696"/>
+          <pc:sldLayoutMkLst>
+            <pc:docMk/>
+            <pc:sldMasterMk cId="3136267371" sldId="2147483681"/>
+            <pc:sldLayoutMk cId="489734700" sldId="2147483689"/>
+          </pc:sldLayoutMkLst>
+        </pc:sldLayoutChg>
+        <pc:sldLayoutChg chg="del">
+          <pc:chgData name="Willis, Orion" userId="e283381d-8284-4d3f-ab32-7d71b1e99e1a" providerId="ADAL" clId="{B925B879-45BD-49BB-97BB-0F2B17A636A7}" dt="2024-12-16T22:51:15.817" v="170" actId="2696"/>
+          <pc:sldLayoutMkLst>
+            <pc:docMk/>
+            <pc:sldMasterMk cId="3136267371" sldId="2147483681"/>
+            <pc:sldLayoutMk cId="1801490617" sldId="2147483690"/>
+          </pc:sldLayoutMkLst>
+        </pc:sldLayoutChg>
+        <pc:sldLayoutChg chg="del">
+          <pc:chgData name="Willis, Orion" userId="e283381d-8284-4d3f-ab32-7d71b1e99e1a" providerId="ADAL" clId="{B925B879-45BD-49BB-97BB-0F2B17A636A7}" dt="2024-12-16T22:51:15.817" v="170" actId="2696"/>
+          <pc:sldLayoutMkLst>
+            <pc:docMk/>
+            <pc:sldMasterMk cId="3136267371" sldId="2147483681"/>
+            <pc:sldLayoutMk cId="246953702" sldId="2147483691"/>
+          </pc:sldLayoutMkLst>
+        </pc:sldLayoutChg>
+        <pc:sldLayoutChg chg="del">
+          <pc:chgData name="Willis, Orion" userId="e283381d-8284-4d3f-ab32-7d71b1e99e1a" providerId="ADAL" clId="{B925B879-45BD-49BB-97BB-0F2B17A636A7}" dt="2024-12-16T22:51:15.817" v="170" actId="2696"/>
+          <pc:sldLayoutMkLst>
+            <pc:docMk/>
+            <pc:sldMasterMk cId="3136267371" sldId="2147483681"/>
+            <pc:sldLayoutMk cId="2492140018" sldId="2147483692"/>
+          </pc:sldLayoutMkLst>
+        </pc:sldLayoutChg>
+        <pc:sldLayoutChg chg="del">
+          <pc:chgData name="Willis, Orion" userId="e283381d-8284-4d3f-ab32-7d71b1e99e1a" providerId="ADAL" clId="{B925B879-45BD-49BB-97BB-0F2B17A636A7}" dt="2024-12-16T22:51:15.817" v="170" actId="2696"/>
+          <pc:sldLayoutMkLst>
+            <pc:docMk/>
+            <pc:sldMasterMk cId="3136267371" sldId="2147483681"/>
+            <pc:sldLayoutMk cId="2326417790" sldId="2147483693"/>
+          </pc:sldLayoutMkLst>
+        </pc:sldLayoutChg>
+      </pc:sldMasterChg>
+    </pc:docChg>
+  </pc:docChgLst>
   <pc:docChgLst>
     <pc:chgData name="Gibbons, Carl" userId="d2b037bc-8fb4-4222-845c-61440543a456" providerId="ADAL" clId="{513A426B-8C0C-4739-8154-95FA52836484}"/>
     <pc:docChg chg="custSel modSld">
@@ -252,6 +801,30 @@
             <pc:docMk/>
             <pc:sldMk cId="1742169507" sldId="276"/>
             <ac:spMk id="3" creationId="{ADD8957C-88E6-A920-4979-2BDA9406B518}"/>
+          </ac:spMkLst>
+        </pc:spChg>
+      </pc:sldChg>
+    </pc:docChg>
+  </pc:docChgLst>
+  <pc:docChgLst>
+    <pc:chgData name="Gibbons, Carl" userId="d2b037bc-8fb4-4222-845c-61440543a456" providerId="ADAL" clId="{ACF90228-EFF2-4732-BE47-2165A82AAC55}"/>
+    <pc:docChg chg="modSld">
+      <pc:chgData name="Gibbons, Carl" userId="d2b037bc-8fb4-4222-845c-61440543a456" providerId="ADAL" clId="{ACF90228-EFF2-4732-BE47-2165A82AAC55}" dt="2024-01-09T21:29:00.955" v="0"/>
+      <pc:docMkLst>
+        <pc:docMk/>
+      </pc:docMkLst>
+      <pc:sldChg chg="modSp mod">
+        <pc:chgData name="Gibbons, Carl" userId="d2b037bc-8fb4-4222-845c-61440543a456" providerId="ADAL" clId="{ACF90228-EFF2-4732-BE47-2165A82AAC55}" dt="2024-01-09T21:29:00.955" v="0"/>
+        <pc:sldMkLst>
+          <pc:docMk/>
+          <pc:sldMk cId="1055206713" sldId="269"/>
+        </pc:sldMkLst>
+        <pc:spChg chg="mod">
+          <ac:chgData name="Gibbons, Carl" userId="d2b037bc-8fb4-4222-845c-61440543a456" providerId="ADAL" clId="{ACF90228-EFF2-4732-BE47-2165A82AAC55}" dt="2024-01-09T21:29:00.955" v="0"/>
+          <ac:spMkLst>
+            <pc:docMk/>
+            <pc:sldMk cId="1055206713" sldId="269"/>
+            <ac:spMk id="4" creationId="{B64A8207-997F-319E-7F6D-676D3ECA779B}"/>
           </ac:spMkLst>
         </pc:spChg>
       </pc:sldChg>
@@ -470,6 +1043,160 @@
     </pc:docChg>
   </pc:docChgLst>
   <pc:docChgLst>
+    <pc:chgData name="Gibbons, Carl" userId="d2b037bc-8fb4-4222-845c-61440543a456" providerId="ADAL" clId="{DD1CE632-2E50-4DF6-A094-0B92632EBA8E}"/>
+    <pc:docChg chg="modSld">
+      <pc:chgData name="Gibbons, Carl" userId="d2b037bc-8fb4-4222-845c-61440543a456" providerId="ADAL" clId="{DD1CE632-2E50-4DF6-A094-0B92632EBA8E}" dt="2023-12-06T17:42:28.848" v="23" actId="20577"/>
+      <pc:docMkLst>
+        <pc:docMk/>
+      </pc:docMkLst>
+      <pc:sldChg chg="modSp mod">
+        <pc:chgData name="Gibbons, Carl" userId="d2b037bc-8fb4-4222-845c-61440543a456" providerId="ADAL" clId="{DD1CE632-2E50-4DF6-A094-0B92632EBA8E}" dt="2023-11-21T08:38:02.899" v="11" actId="20577"/>
+        <pc:sldMkLst>
+          <pc:docMk/>
+          <pc:sldMk cId="3594981681" sldId="272"/>
+        </pc:sldMkLst>
+        <pc:spChg chg="mod">
+          <ac:chgData name="Gibbons, Carl" userId="d2b037bc-8fb4-4222-845c-61440543a456" providerId="ADAL" clId="{DD1CE632-2E50-4DF6-A094-0B92632EBA8E}" dt="2023-11-21T08:38:02.899" v="11" actId="20577"/>
+          <ac:spMkLst>
+            <pc:docMk/>
+            <pc:sldMk cId="3594981681" sldId="272"/>
+            <ac:spMk id="4" creationId="{B64A8207-997F-319E-7F6D-676D3ECA779B}"/>
+          </ac:spMkLst>
+        </pc:spChg>
+      </pc:sldChg>
+      <pc:sldChg chg="modSp mod">
+        <pc:chgData name="Gibbons, Carl" userId="d2b037bc-8fb4-4222-845c-61440543a456" providerId="ADAL" clId="{DD1CE632-2E50-4DF6-A094-0B92632EBA8E}" dt="2023-12-06T17:42:28.848" v="23" actId="20577"/>
+        <pc:sldMkLst>
+          <pc:docMk/>
+          <pc:sldMk cId="1865769485" sldId="273"/>
+        </pc:sldMkLst>
+        <pc:spChg chg="mod">
+          <ac:chgData name="Gibbons, Carl" userId="d2b037bc-8fb4-4222-845c-61440543a456" providerId="ADAL" clId="{DD1CE632-2E50-4DF6-A094-0B92632EBA8E}" dt="2023-12-06T17:42:28.848" v="23" actId="20577"/>
+          <ac:spMkLst>
+            <pc:docMk/>
+            <pc:sldMk cId="1865769485" sldId="273"/>
+            <ac:spMk id="4" creationId="{B64A8207-997F-319E-7F6D-676D3ECA779B}"/>
+          </ac:spMkLst>
+        </pc:spChg>
+      </pc:sldChg>
+      <pc:sldChg chg="modSp mod">
+        <pc:chgData name="Gibbons, Carl" userId="d2b037bc-8fb4-4222-845c-61440543a456" providerId="ADAL" clId="{DD1CE632-2E50-4DF6-A094-0B92632EBA8E}" dt="2023-12-06T17:39:43.190" v="12" actId="20577"/>
+        <pc:sldMkLst>
+          <pc:docMk/>
+          <pc:sldMk cId="3809967197" sldId="275"/>
+        </pc:sldMkLst>
+        <pc:spChg chg="mod">
+          <ac:chgData name="Gibbons, Carl" userId="d2b037bc-8fb4-4222-845c-61440543a456" providerId="ADAL" clId="{DD1CE632-2E50-4DF6-A094-0B92632EBA8E}" dt="2023-12-06T17:39:43.190" v="12" actId="20577"/>
+          <ac:spMkLst>
+            <pc:docMk/>
+            <pc:sldMk cId="3809967197" sldId="275"/>
+            <ac:spMk id="3" creationId="{ADD8957C-88E6-A920-4979-2BDA9406B518}"/>
+          </ac:spMkLst>
+        </pc:spChg>
+      </pc:sldChg>
+      <pc:sldChg chg="modSp mod">
+        <pc:chgData name="Gibbons, Carl" userId="d2b037bc-8fb4-4222-845c-61440543a456" providerId="ADAL" clId="{DD1CE632-2E50-4DF6-A094-0B92632EBA8E}" dt="2023-12-06T17:40:27.333" v="15" actId="20577"/>
+        <pc:sldMkLst>
+          <pc:docMk/>
+          <pc:sldMk cId="1742169507" sldId="276"/>
+        </pc:sldMkLst>
+        <pc:spChg chg="mod">
+          <ac:chgData name="Gibbons, Carl" userId="d2b037bc-8fb4-4222-845c-61440543a456" providerId="ADAL" clId="{DD1CE632-2E50-4DF6-A094-0B92632EBA8E}" dt="2023-12-06T17:40:27.333" v="15" actId="20577"/>
+          <ac:spMkLst>
+            <pc:docMk/>
+            <pc:sldMk cId="1742169507" sldId="276"/>
+            <ac:spMk id="3" creationId="{ADD8957C-88E6-A920-4979-2BDA9406B518}"/>
+          </ac:spMkLst>
+        </pc:spChg>
+      </pc:sldChg>
+    </pc:docChg>
+  </pc:docChgLst>
+  <pc:docChgLst>
+    <pc:chgData name="Palmer, Jennifer" userId="04c8c1b4-349a-4c5d-8a68-5732467f309e" providerId="ADAL" clId="{7144B7BC-FC82-46A3-BDDA-E35D13FBE7E1}"/>
+    <pc:docChg chg="custSel addSld delSld modSld">
+      <pc:chgData name="Palmer, Jennifer" userId="04c8c1b4-349a-4c5d-8a68-5732467f309e" providerId="ADAL" clId="{7144B7BC-FC82-46A3-BDDA-E35D13FBE7E1}" dt="2024-12-16T21:32:01.942" v="12" actId="1076"/>
+      <pc:docMkLst>
+        <pc:docMk/>
+      </pc:docMkLst>
+      <pc:sldChg chg="modSp mod">
+        <pc:chgData name="Palmer, Jennifer" userId="04c8c1b4-349a-4c5d-8a68-5732467f309e" providerId="ADAL" clId="{7144B7BC-FC82-46A3-BDDA-E35D13FBE7E1}" dt="2024-12-16T21:32:01.942" v="12" actId="1076"/>
+        <pc:sldMkLst>
+          <pc:docMk/>
+          <pc:sldMk cId="2169521787" sldId="286"/>
+        </pc:sldMkLst>
+        <pc:spChg chg="mod">
+          <ac:chgData name="Palmer, Jennifer" userId="04c8c1b4-349a-4c5d-8a68-5732467f309e" providerId="ADAL" clId="{7144B7BC-FC82-46A3-BDDA-E35D13FBE7E1}" dt="2024-12-16T21:32:01.942" v="12" actId="1076"/>
+          <ac:spMkLst>
+            <pc:docMk/>
+            <pc:sldMk cId="2169521787" sldId="286"/>
+            <ac:spMk id="2" creationId="{64492E64-A68B-8CA7-B3C6-044F7C8E76AB}"/>
+          </ac:spMkLst>
+        </pc:spChg>
+        <pc:spChg chg="mod">
+          <ac:chgData name="Palmer, Jennifer" userId="04c8c1b4-349a-4c5d-8a68-5732467f309e" providerId="ADAL" clId="{7144B7BC-FC82-46A3-BDDA-E35D13FBE7E1}" dt="2024-12-16T21:31:58.168" v="11" actId="1076"/>
+          <ac:spMkLst>
+            <pc:docMk/>
+            <pc:sldMk cId="2169521787" sldId="286"/>
+            <ac:spMk id="4" creationId="{B64A8207-997F-319E-7F6D-676D3ECA779B}"/>
+          </ac:spMkLst>
+        </pc:spChg>
+      </pc:sldChg>
+      <pc:sldChg chg="addSp delSp modSp del mod">
+        <pc:chgData name="Palmer, Jennifer" userId="04c8c1b4-349a-4c5d-8a68-5732467f309e" providerId="ADAL" clId="{7144B7BC-FC82-46A3-BDDA-E35D13FBE7E1}" dt="2024-12-16T21:31:22.720" v="7" actId="1076"/>
+        <pc:sldMkLst>
+          <pc:docMk/>
+          <pc:sldMk cId="325146105" sldId="287"/>
+        </pc:sldMkLst>
+        <pc:spChg chg="del">
+          <ac:chgData name="Palmer, Jennifer" userId="04c8c1b4-349a-4c5d-8a68-5732467f309e" providerId="ADAL" clId="{7144B7BC-FC82-46A3-BDDA-E35D13FBE7E1}" dt="2024-12-16T21:30:59.881" v="3" actId="478"/>
+          <ac:spMkLst>
+            <pc:docMk/>
+            <pc:sldMk cId="325146105" sldId="287"/>
+            <ac:spMk id="2" creationId="{9E5F5903-9361-1310-D6FA-4FE9DE7B7415}"/>
+          </ac:spMkLst>
+        </pc:spChg>
+        <pc:spChg chg="del">
+          <ac:chgData name="Palmer, Jennifer" userId="04c8c1b4-349a-4c5d-8a68-5732467f309e" providerId="ADAL" clId="{7144B7BC-FC82-46A3-BDDA-E35D13FBE7E1}" dt="2024-12-16T21:31:09.557" v="4" actId="478"/>
+          <ac:spMkLst>
+            <pc:docMk/>
+            <pc:sldMk cId="325146105" sldId="287"/>
+            <ac:spMk id="3" creationId="{1510CFE7-456D-F779-B31C-B431388CF778}"/>
+          </ac:spMkLst>
+        </pc:spChg>
+        <pc:spChg chg="add mod">
+          <ac:chgData name="Palmer, Jennifer" userId="04c8c1b4-349a-4c5d-8a68-5732467f309e" providerId="ADAL" clId="{7144B7BC-FC82-46A3-BDDA-E35D13FBE7E1}" dt="2024-12-16T21:31:22.720" v="7" actId="1076"/>
+          <ac:spMkLst>
+            <pc:docMk/>
+            <pc:sldMk cId="325146105" sldId="287"/>
+            <ac:spMk id="4" creationId="{9691B09A-452B-F91E-1874-91864377CE06}"/>
+          </ac:spMkLst>
+        </pc:spChg>
+      </pc:sldChg>
+      <pc:sldChg chg="add">
+        <pc:chgData name="Palmer, Jennifer" userId="04c8c1b4-349a-4c5d-8a68-5732467f309e" providerId="ADAL" clId="{7144B7BC-FC82-46A3-BDDA-E35D13FBE7E1}" dt="2024-12-16T21:30:37.616" v="1" actId="2890"/>
+        <pc:sldMkLst>
+          <pc:docMk/>
+          <pc:sldMk cId="1587407367" sldId="288"/>
+        </pc:sldMkLst>
+      </pc:sldChg>
+      <pc:sldMasterChg chg="delSldLayout">
+        <pc:chgData name="Palmer, Jennifer" userId="04c8c1b4-349a-4c5d-8a68-5732467f309e" providerId="ADAL" clId="{7144B7BC-FC82-46A3-BDDA-E35D13FBE7E1}" dt="2024-12-16T21:30:08.597" v="0" actId="47"/>
+        <pc:sldMasterMkLst>
+          <pc:docMk/>
+          <pc:sldMasterMk cId="3136267371" sldId="2147483681"/>
+        </pc:sldMasterMkLst>
+        <pc:sldLayoutChg chg="del">
+          <pc:chgData name="Palmer, Jennifer" userId="04c8c1b4-349a-4c5d-8a68-5732467f309e" providerId="ADAL" clId="{7144B7BC-FC82-46A3-BDDA-E35D13FBE7E1}" dt="2024-12-16T21:30:08.597" v="0" actId="47"/>
+          <pc:sldLayoutMkLst>
+            <pc:docMk/>
+            <pc:sldMasterMk cId="3136267371" sldId="2147483681"/>
+            <pc:sldLayoutMk cId="1291488337" sldId="2147483694"/>
+          </pc:sldLayoutMkLst>
+        </pc:sldLayoutChg>
+      </pc:sldMasterChg>
+    </pc:docChg>
+  </pc:docChgLst>
+  <pc:docChgLst>
     <pc:chgData name="Gibbons, Carl" userId="d2b037bc-8fb4-4222-845c-61440543a456" providerId="ADAL" clId="{50BDE464-6684-48FF-AD2A-493B60EFD46B}"/>
     <pc:docChg chg="modSld">
       <pc:chgData name="Gibbons, Carl" userId="d2b037bc-8fb4-4222-845c-61440543a456" providerId="ADAL" clId="{50BDE464-6684-48FF-AD2A-493B60EFD46B}" dt="2023-12-21T18:37:59.974" v="91" actId="20577"/>
@@ -518,30 +1245,6 @@
             <pc:docMk/>
             <pc:sldMk cId="1742169507" sldId="276"/>
             <ac:spMk id="3" creationId="{ADD8957C-88E6-A920-4979-2BDA9406B518}"/>
-          </ac:spMkLst>
-        </pc:spChg>
-      </pc:sldChg>
-    </pc:docChg>
-  </pc:docChgLst>
-  <pc:docChgLst>
-    <pc:chgData name="Gibbons, Carl" userId="d2b037bc-8fb4-4222-845c-61440543a456" providerId="ADAL" clId="{ACF90228-EFF2-4732-BE47-2165A82AAC55}"/>
-    <pc:docChg chg="modSld">
-      <pc:chgData name="Gibbons, Carl" userId="d2b037bc-8fb4-4222-845c-61440543a456" providerId="ADAL" clId="{ACF90228-EFF2-4732-BE47-2165A82AAC55}" dt="2024-01-09T21:29:00.955" v="0"/>
-      <pc:docMkLst>
-        <pc:docMk/>
-      </pc:docMkLst>
-      <pc:sldChg chg="modSp mod">
-        <pc:chgData name="Gibbons, Carl" userId="d2b037bc-8fb4-4222-845c-61440543a456" providerId="ADAL" clId="{ACF90228-EFF2-4732-BE47-2165A82AAC55}" dt="2024-01-09T21:29:00.955" v="0"/>
-        <pc:sldMkLst>
-          <pc:docMk/>
-          <pc:sldMk cId="1055206713" sldId="269"/>
-        </pc:sldMkLst>
-        <pc:spChg chg="mod">
-          <ac:chgData name="Gibbons, Carl" userId="d2b037bc-8fb4-4222-845c-61440543a456" providerId="ADAL" clId="{ACF90228-EFF2-4732-BE47-2165A82AAC55}" dt="2024-01-09T21:29:00.955" v="0"/>
-          <ac:spMkLst>
-            <pc:docMk/>
-            <pc:sldMk cId="1055206713" sldId="269"/>
-            <ac:spMk id="4" creationId="{B64A8207-997F-319E-7F6D-676D3ECA779B}"/>
           </ac:spMkLst>
         </pc:spChg>
       </pc:sldChg>
@@ -889,75 +1592,6 @@
       </pc:sldChg>
     </pc:docChg>
   </pc:docChgLst>
-  <pc:docChgLst>
-    <pc:chgData name="Gibbons, Carl" userId="d2b037bc-8fb4-4222-845c-61440543a456" providerId="ADAL" clId="{DD1CE632-2E50-4DF6-A094-0B92632EBA8E}"/>
-    <pc:docChg chg="modSld">
-      <pc:chgData name="Gibbons, Carl" userId="d2b037bc-8fb4-4222-845c-61440543a456" providerId="ADAL" clId="{DD1CE632-2E50-4DF6-A094-0B92632EBA8E}" dt="2023-12-06T17:42:28.848" v="23" actId="20577"/>
-      <pc:docMkLst>
-        <pc:docMk/>
-      </pc:docMkLst>
-      <pc:sldChg chg="modSp mod">
-        <pc:chgData name="Gibbons, Carl" userId="d2b037bc-8fb4-4222-845c-61440543a456" providerId="ADAL" clId="{DD1CE632-2E50-4DF6-A094-0B92632EBA8E}" dt="2023-11-21T08:38:02.899" v="11" actId="20577"/>
-        <pc:sldMkLst>
-          <pc:docMk/>
-          <pc:sldMk cId="3594981681" sldId="272"/>
-        </pc:sldMkLst>
-        <pc:spChg chg="mod">
-          <ac:chgData name="Gibbons, Carl" userId="d2b037bc-8fb4-4222-845c-61440543a456" providerId="ADAL" clId="{DD1CE632-2E50-4DF6-A094-0B92632EBA8E}" dt="2023-11-21T08:38:02.899" v="11" actId="20577"/>
-          <ac:spMkLst>
-            <pc:docMk/>
-            <pc:sldMk cId="3594981681" sldId="272"/>
-            <ac:spMk id="4" creationId="{B64A8207-997F-319E-7F6D-676D3ECA779B}"/>
-          </ac:spMkLst>
-        </pc:spChg>
-      </pc:sldChg>
-      <pc:sldChg chg="modSp mod">
-        <pc:chgData name="Gibbons, Carl" userId="d2b037bc-8fb4-4222-845c-61440543a456" providerId="ADAL" clId="{DD1CE632-2E50-4DF6-A094-0B92632EBA8E}" dt="2023-12-06T17:42:28.848" v="23" actId="20577"/>
-        <pc:sldMkLst>
-          <pc:docMk/>
-          <pc:sldMk cId="1865769485" sldId="273"/>
-        </pc:sldMkLst>
-        <pc:spChg chg="mod">
-          <ac:chgData name="Gibbons, Carl" userId="d2b037bc-8fb4-4222-845c-61440543a456" providerId="ADAL" clId="{DD1CE632-2E50-4DF6-A094-0B92632EBA8E}" dt="2023-12-06T17:42:28.848" v="23" actId="20577"/>
-          <ac:spMkLst>
-            <pc:docMk/>
-            <pc:sldMk cId="1865769485" sldId="273"/>
-            <ac:spMk id="4" creationId="{B64A8207-997F-319E-7F6D-676D3ECA779B}"/>
-          </ac:spMkLst>
-        </pc:spChg>
-      </pc:sldChg>
-      <pc:sldChg chg="modSp mod">
-        <pc:chgData name="Gibbons, Carl" userId="d2b037bc-8fb4-4222-845c-61440543a456" providerId="ADAL" clId="{DD1CE632-2E50-4DF6-A094-0B92632EBA8E}" dt="2023-12-06T17:39:43.190" v="12" actId="20577"/>
-        <pc:sldMkLst>
-          <pc:docMk/>
-          <pc:sldMk cId="3809967197" sldId="275"/>
-        </pc:sldMkLst>
-        <pc:spChg chg="mod">
-          <ac:chgData name="Gibbons, Carl" userId="d2b037bc-8fb4-4222-845c-61440543a456" providerId="ADAL" clId="{DD1CE632-2E50-4DF6-A094-0B92632EBA8E}" dt="2023-12-06T17:39:43.190" v="12" actId="20577"/>
-          <ac:spMkLst>
-            <pc:docMk/>
-            <pc:sldMk cId="3809967197" sldId="275"/>
-            <ac:spMk id="3" creationId="{ADD8957C-88E6-A920-4979-2BDA9406B518}"/>
-          </ac:spMkLst>
-        </pc:spChg>
-      </pc:sldChg>
-      <pc:sldChg chg="modSp mod">
-        <pc:chgData name="Gibbons, Carl" userId="d2b037bc-8fb4-4222-845c-61440543a456" providerId="ADAL" clId="{DD1CE632-2E50-4DF6-A094-0B92632EBA8E}" dt="2023-12-06T17:40:27.333" v="15" actId="20577"/>
-        <pc:sldMkLst>
-          <pc:docMk/>
-          <pc:sldMk cId="1742169507" sldId="276"/>
-        </pc:sldMkLst>
-        <pc:spChg chg="mod">
-          <ac:chgData name="Gibbons, Carl" userId="d2b037bc-8fb4-4222-845c-61440543a456" providerId="ADAL" clId="{DD1CE632-2E50-4DF6-A094-0B92632EBA8E}" dt="2023-12-06T17:40:27.333" v="15" actId="20577"/>
-          <ac:spMkLst>
-            <pc:docMk/>
-            <pc:sldMk cId="1742169507" sldId="276"/>
-            <ac:spMk id="3" creationId="{ADD8957C-88E6-A920-4979-2BDA9406B518}"/>
-          </ac:spMkLst>
-        </pc:spChg>
-      </pc:sldChg>
-    </pc:docChg>
-  </pc:docChgLst>
 </pc:chgInfo>
 </file>
 
@@ -1016,7 +1650,7 @@
           <p:cNvPr id="2" name="Title 1">
             <a:extLst>
               <a:ext uri="{FF2B5EF4-FFF2-40B4-BE49-F238E27FC236}">
-                <a16:creationId xmlns:a16="http://schemas.microsoft.com/office/drawing/2014/main" id="{D7417273-9D16-5639-8844-46262C7A214A}"/>
+                <a16:creationId xmlns:a16="http://schemas.microsoft.com/office/drawing/2014/main" id="{BFB01EF5-6F0D-8686-CDD5-7DB43C9F613E}"/>
               </a:ext>
             </a:extLst>
           </p:cNvPr>
@@ -1027,7 +1661,15 @@
             <p:ph type="title"/>
           </p:nvPr>
         </p:nvSpPr>
-        <p:spPr/>
+        <p:spPr>
+          <a:xfrm>
+            <a:off x="602787" y="1498382"/>
+            <a:ext cx="10515600" cy="1325563"/>
+          </a:xfrm>
+          <a:prstGeom prst="rect">
+            <a:avLst/>
+          </a:prstGeom>
+        </p:spPr>
         <p:txBody>
           <a:bodyPr/>
           <a:lstStyle/>
@@ -1044,7 +1686,7 @@
           <p:cNvPr id="3" name="Content Placeholder 2">
             <a:extLst>
               <a:ext uri="{FF2B5EF4-FFF2-40B4-BE49-F238E27FC236}">
-                <a16:creationId xmlns:a16="http://schemas.microsoft.com/office/drawing/2014/main" id="{B0CB97D0-5920-4A0C-455B-784B34D523CD}"/>
+                <a16:creationId xmlns:a16="http://schemas.microsoft.com/office/drawing/2014/main" id="{2ED595E2-3C65-7E01-6223-574BF8FB8119}"/>
               </a:ext>
             </a:extLst>
           </p:cNvPr>
@@ -1060,6 +1702,9 @@
             <a:off x="838200" y="1825625"/>
             <a:ext cx="5181600" cy="4351338"/>
           </a:xfrm>
+          <a:prstGeom prst="rect">
+            <a:avLst/>
+          </a:prstGeom>
         </p:spPr>
         <p:txBody>
           <a:bodyPr/>
@@ -1106,7 +1751,7 @@
           <p:cNvPr id="4" name="Content Placeholder 3">
             <a:extLst>
               <a:ext uri="{FF2B5EF4-FFF2-40B4-BE49-F238E27FC236}">
-                <a16:creationId xmlns:a16="http://schemas.microsoft.com/office/drawing/2014/main" id="{49C5FDBC-D200-7F14-85E8-2B208477DAF9}"/>
+                <a16:creationId xmlns:a16="http://schemas.microsoft.com/office/drawing/2014/main" id="{DFDA5243-FD59-824D-9801-C6A7FC40AD32}"/>
               </a:ext>
             </a:extLst>
           </p:cNvPr>
@@ -1122,6 +1767,9 @@
             <a:off x="6172200" y="1825625"/>
             <a:ext cx="5181600" cy="4351338"/>
           </a:xfrm>
+          <a:prstGeom prst="rect">
+            <a:avLst/>
+          </a:prstGeom>
         </p:spPr>
         <p:txBody>
           <a:bodyPr/>
@@ -1168,7 +1816,7 @@
           <p:cNvPr id="5" name="Date Placeholder 4">
             <a:extLst>
               <a:ext uri="{FF2B5EF4-FFF2-40B4-BE49-F238E27FC236}">
-                <a16:creationId xmlns:a16="http://schemas.microsoft.com/office/drawing/2014/main" id="{9C0A7D34-EDD4-2B7C-7597-31E5AE2E8BD6}"/>
+                <a16:creationId xmlns:a16="http://schemas.microsoft.com/office/drawing/2014/main" id="{BB0B0631-5586-E8EE-C280-1DC0A64D54C9}"/>
               </a:ext>
             </a:extLst>
           </p:cNvPr>
@@ -1179,14 +1827,22 @@
             <p:ph type="dt" sz="half" idx="10"/>
           </p:nvPr>
         </p:nvSpPr>
-        <p:spPr/>
+        <p:spPr>
+          <a:xfrm>
+            <a:off x="838200" y="6445249"/>
+            <a:ext cx="2743200" cy="365125"/>
+          </a:xfrm>
+          <a:prstGeom prst="rect">
+            <a:avLst/>
+          </a:prstGeom>
+        </p:spPr>
         <p:txBody>
           <a:bodyPr/>
           <a:lstStyle/>
           <a:p>
-            <a:fld id="{0D69348B-4620-44E9-BF3F-EACBA9EEF323}" type="datetimeFigureOut">
+            <a:fld id="{71087A05-F855-4434-8DDE-39A8542098A6}" type="datetimeFigureOut">
               <a:rPr lang="en-US" smtClean="0"/>
-              <a:t>6/15/2024</a:t>
+              <a:t>12/17/2024</a:t>
             </a:fld>
             <a:endParaRPr lang="en-US"/>
           </a:p>
@@ -1197,7 +1853,7 @@
           <p:cNvPr id="6" name="Footer Placeholder 5">
             <a:extLst>
               <a:ext uri="{FF2B5EF4-FFF2-40B4-BE49-F238E27FC236}">
-                <a16:creationId xmlns:a16="http://schemas.microsoft.com/office/drawing/2014/main" id="{001C50E6-D64B-52FC-1719-552ED73B243D}"/>
+                <a16:creationId xmlns:a16="http://schemas.microsoft.com/office/drawing/2014/main" id="{4C7022BC-4356-2E12-5FFC-95893C9539C6}"/>
               </a:ext>
             </a:extLst>
           </p:cNvPr>
@@ -1208,7 +1864,15 @@
             <p:ph type="ftr" sz="quarter" idx="11"/>
           </p:nvPr>
         </p:nvSpPr>
-        <p:spPr/>
+        <p:spPr>
+          <a:xfrm>
+            <a:off x="4038600" y="6356350"/>
+            <a:ext cx="4114800" cy="365125"/>
+          </a:xfrm>
+          <a:prstGeom prst="rect">
+            <a:avLst/>
+          </a:prstGeom>
+        </p:spPr>
         <p:txBody>
           <a:bodyPr/>
           <a:lstStyle/>
@@ -1222,7 +1886,7 @@
           <p:cNvPr id="7" name="Slide Number Placeholder 6">
             <a:extLst>
               <a:ext uri="{FF2B5EF4-FFF2-40B4-BE49-F238E27FC236}">
-                <a16:creationId xmlns:a16="http://schemas.microsoft.com/office/drawing/2014/main" id="{159CBFED-25BE-7153-12B4-D0E8588920D3}"/>
+                <a16:creationId xmlns:a16="http://schemas.microsoft.com/office/drawing/2014/main" id="{2F6F0616-5185-D339-BFDE-0E16B9960312}"/>
               </a:ext>
             </a:extLst>
           </p:cNvPr>
@@ -1233,12 +1897,20 @@
             <p:ph type="sldNum" sz="quarter" idx="12"/>
           </p:nvPr>
         </p:nvSpPr>
-        <p:spPr/>
+        <p:spPr>
+          <a:xfrm>
+            <a:off x="8610600" y="6356350"/>
+            <a:ext cx="2743200" cy="365125"/>
+          </a:xfrm>
+          <a:prstGeom prst="rect">
+            <a:avLst/>
+          </a:prstGeom>
+        </p:spPr>
         <p:txBody>
           <a:bodyPr/>
           <a:lstStyle/>
           <a:p>
-            <a:fld id="{986C47A0-D0C4-4E8A-BEE9-37B09C3712B2}" type="slidenum">
+            <a:fld id="{6C0014F0-3D1D-4459-A530-32E6C19AE461}" type="slidenum">
               <a:rPr lang="en-US" smtClean="0"/>
               <a:t>‹#›</a:t>
             </a:fld>
@@ -1249,7 +1921,7 @@
     </p:spTree>
     <p:extLst>
       <p:ext uri="{BB962C8B-B14F-4D97-AF65-F5344CB8AC3E}">
-        <p14:creationId xmlns:p14="http://schemas.microsoft.com/office/powerpoint/2010/main" val="3119249891"/>
+        <p14:creationId xmlns:p14="http://schemas.microsoft.com/office/powerpoint/2010/main" val="1333311621"/>
       </p:ext>
     </p:extLst>
   </p:cSld>
@@ -1281,7 +1953,7 @@
           <p:cNvPr id="2" name="Title 1">
             <a:extLst>
               <a:ext uri="{FF2B5EF4-FFF2-40B4-BE49-F238E27FC236}">
-                <a16:creationId xmlns:a16="http://schemas.microsoft.com/office/drawing/2014/main" id="{4EC51817-320C-EB58-D57C-AAA586C0053E}"/>
+                <a16:creationId xmlns:a16="http://schemas.microsoft.com/office/drawing/2014/main" id="{0AADFFED-E59B-6D4E-6B64-0F5B746DEB96}"/>
               </a:ext>
             </a:extLst>
           </p:cNvPr>
@@ -1297,6 +1969,9 @@
             <a:off x="839788" y="365125"/>
             <a:ext cx="10515600" cy="1325563"/>
           </a:xfrm>
+          <a:prstGeom prst="rect">
+            <a:avLst/>
+          </a:prstGeom>
         </p:spPr>
         <p:txBody>
           <a:bodyPr/>
@@ -1314,7 +1989,7 @@
           <p:cNvPr id="3" name="Text Placeholder 2">
             <a:extLst>
               <a:ext uri="{FF2B5EF4-FFF2-40B4-BE49-F238E27FC236}">
-                <a16:creationId xmlns:a16="http://schemas.microsoft.com/office/drawing/2014/main" id="{21FF1CDE-5ED1-45BC-1BBF-82DBA76868F4}"/>
+                <a16:creationId xmlns:a16="http://schemas.microsoft.com/office/drawing/2014/main" id="{1D25BBE6-1C38-6614-EF63-AF608E55C235}"/>
               </a:ext>
             </a:extLst>
           </p:cNvPr>
@@ -1330,6 +2005,9 @@
             <a:off x="839788" y="1681163"/>
             <a:ext cx="5157787" cy="823912"/>
           </a:xfrm>
+          <a:prstGeom prst="rect">
+            <a:avLst/>
+          </a:prstGeom>
         </p:spPr>
         <p:txBody>
           <a:bodyPr anchor="b"/>
@@ -1385,7 +2063,7 @@
           <p:cNvPr id="4" name="Content Placeholder 3">
             <a:extLst>
               <a:ext uri="{FF2B5EF4-FFF2-40B4-BE49-F238E27FC236}">
-                <a16:creationId xmlns:a16="http://schemas.microsoft.com/office/drawing/2014/main" id="{CB45744E-8CC8-1B85-F492-6648EB8A9996}"/>
+                <a16:creationId xmlns:a16="http://schemas.microsoft.com/office/drawing/2014/main" id="{D639AC2E-A378-9E93-69F7-FF92F43FC3A8}"/>
               </a:ext>
             </a:extLst>
           </p:cNvPr>
@@ -1401,6 +2079,9 @@
             <a:off x="839788" y="2505075"/>
             <a:ext cx="5157787" cy="3684588"/>
           </a:xfrm>
+          <a:prstGeom prst="rect">
+            <a:avLst/>
+          </a:prstGeom>
         </p:spPr>
         <p:txBody>
           <a:bodyPr/>
@@ -1447,7 +2128,7 @@
           <p:cNvPr id="5" name="Text Placeholder 4">
             <a:extLst>
               <a:ext uri="{FF2B5EF4-FFF2-40B4-BE49-F238E27FC236}">
-                <a16:creationId xmlns:a16="http://schemas.microsoft.com/office/drawing/2014/main" id="{E073266C-0D92-527A-30E1-7ECDD28C0F91}"/>
+                <a16:creationId xmlns:a16="http://schemas.microsoft.com/office/drawing/2014/main" id="{E57BF240-C80B-E670-B12B-8BCBA850E04F}"/>
               </a:ext>
             </a:extLst>
           </p:cNvPr>
@@ -1463,6 +2144,9 @@
             <a:off x="6172200" y="1681163"/>
             <a:ext cx="5183188" cy="823912"/>
           </a:xfrm>
+          <a:prstGeom prst="rect">
+            <a:avLst/>
+          </a:prstGeom>
         </p:spPr>
         <p:txBody>
           <a:bodyPr anchor="b"/>
@@ -1518,7 +2202,7 @@
           <p:cNvPr id="6" name="Content Placeholder 5">
             <a:extLst>
               <a:ext uri="{FF2B5EF4-FFF2-40B4-BE49-F238E27FC236}">
-                <a16:creationId xmlns:a16="http://schemas.microsoft.com/office/drawing/2014/main" id="{1E10B574-E76B-4DE3-3CFA-1190E252BA61}"/>
+                <a16:creationId xmlns:a16="http://schemas.microsoft.com/office/drawing/2014/main" id="{6AB0FB7E-A75F-AB8B-3217-710BBB592FB3}"/>
               </a:ext>
             </a:extLst>
           </p:cNvPr>
@@ -1534,6 +2218,9 @@
             <a:off x="6172200" y="2505075"/>
             <a:ext cx="5183188" cy="3684588"/>
           </a:xfrm>
+          <a:prstGeom prst="rect">
+            <a:avLst/>
+          </a:prstGeom>
         </p:spPr>
         <p:txBody>
           <a:bodyPr/>
@@ -1580,7 +2267,7 @@
           <p:cNvPr id="7" name="Date Placeholder 6">
             <a:extLst>
               <a:ext uri="{FF2B5EF4-FFF2-40B4-BE49-F238E27FC236}">
-                <a16:creationId xmlns:a16="http://schemas.microsoft.com/office/drawing/2014/main" id="{B22F13C7-15CB-D0AD-592A-4574F62CF3CA}"/>
+                <a16:creationId xmlns:a16="http://schemas.microsoft.com/office/drawing/2014/main" id="{BBAC691C-E8A1-E4A4-391E-3EA19AE5DF7A}"/>
               </a:ext>
             </a:extLst>
           </p:cNvPr>
@@ -1591,14 +2278,22 @@
             <p:ph type="dt" sz="half" idx="10"/>
           </p:nvPr>
         </p:nvSpPr>
-        <p:spPr/>
+        <p:spPr>
+          <a:xfrm>
+            <a:off x="838200" y="6445249"/>
+            <a:ext cx="2743200" cy="365125"/>
+          </a:xfrm>
+          <a:prstGeom prst="rect">
+            <a:avLst/>
+          </a:prstGeom>
+        </p:spPr>
         <p:txBody>
           <a:bodyPr/>
           <a:lstStyle/>
           <a:p>
-            <a:fld id="{0D69348B-4620-44E9-BF3F-EACBA9EEF323}" type="datetimeFigureOut">
+            <a:fld id="{71087A05-F855-4434-8DDE-39A8542098A6}" type="datetimeFigureOut">
               <a:rPr lang="en-US" smtClean="0"/>
-              <a:t>6/15/2024</a:t>
+              <a:t>12/17/2024</a:t>
             </a:fld>
             <a:endParaRPr lang="en-US"/>
           </a:p>
@@ -1609,7 +2304,7 @@
           <p:cNvPr id="8" name="Footer Placeholder 7">
             <a:extLst>
               <a:ext uri="{FF2B5EF4-FFF2-40B4-BE49-F238E27FC236}">
-                <a16:creationId xmlns:a16="http://schemas.microsoft.com/office/drawing/2014/main" id="{2F5F3798-7B61-5530-4CE3-C6CC264D0CAB}"/>
+                <a16:creationId xmlns:a16="http://schemas.microsoft.com/office/drawing/2014/main" id="{A5742DC8-1560-8BC0-2128-ACBD57240165}"/>
               </a:ext>
             </a:extLst>
           </p:cNvPr>
@@ -1620,7 +2315,15 @@
             <p:ph type="ftr" sz="quarter" idx="11"/>
           </p:nvPr>
         </p:nvSpPr>
-        <p:spPr/>
+        <p:spPr>
+          <a:xfrm>
+            <a:off x="4038600" y="6356350"/>
+            <a:ext cx="4114800" cy="365125"/>
+          </a:xfrm>
+          <a:prstGeom prst="rect">
+            <a:avLst/>
+          </a:prstGeom>
+        </p:spPr>
         <p:txBody>
           <a:bodyPr/>
           <a:lstStyle/>
@@ -1634,7 +2337,7 @@
           <p:cNvPr id="9" name="Slide Number Placeholder 8">
             <a:extLst>
               <a:ext uri="{FF2B5EF4-FFF2-40B4-BE49-F238E27FC236}">
-                <a16:creationId xmlns:a16="http://schemas.microsoft.com/office/drawing/2014/main" id="{DEA57831-0ADE-7493-7182-6249F4413808}"/>
+                <a16:creationId xmlns:a16="http://schemas.microsoft.com/office/drawing/2014/main" id="{589CBA34-0EA5-98FC-EEAA-0C1A44BA1CB5}"/>
               </a:ext>
             </a:extLst>
           </p:cNvPr>
@@ -1645,12 +2348,20 @@
             <p:ph type="sldNum" sz="quarter" idx="12"/>
           </p:nvPr>
         </p:nvSpPr>
-        <p:spPr/>
+        <p:spPr>
+          <a:xfrm>
+            <a:off x="8610600" y="6356350"/>
+            <a:ext cx="2743200" cy="365125"/>
+          </a:xfrm>
+          <a:prstGeom prst="rect">
+            <a:avLst/>
+          </a:prstGeom>
+        </p:spPr>
         <p:txBody>
           <a:bodyPr/>
           <a:lstStyle/>
           <a:p>
-            <a:fld id="{986C47A0-D0C4-4E8A-BEE9-37B09C3712B2}" type="slidenum">
+            <a:fld id="{6C0014F0-3D1D-4459-A530-32E6C19AE461}" type="slidenum">
               <a:rPr lang="en-US" smtClean="0"/>
               <a:t>‹#›</a:t>
             </a:fld>
@@ -1661,7 +2372,7 @@
     </p:spTree>
     <p:extLst>
       <p:ext uri="{BB962C8B-B14F-4D97-AF65-F5344CB8AC3E}">
-        <p14:creationId xmlns:p14="http://schemas.microsoft.com/office/powerpoint/2010/main" val="3054922134"/>
+        <p14:creationId xmlns:p14="http://schemas.microsoft.com/office/powerpoint/2010/main" val="47590722"/>
       </p:ext>
     </p:extLst>
   </p:cSld>
@@ -1693,7 +2404,7 @@
           <p:cNvPr id="2" name="Title 1">
             <a:extLst>
               <a:ext uri="{FF2B5EF4-FFF2-40B4-BE49-F238E27FC236}">
-                <a16:creationId xmlns:a16="http://schemas.microsoft.com/office/drawing/2014/main" id="{C51D6B86-2F64-08CA-8DAC-2D6D1CA3880D}"/>
+                <a16:creationId xmlns:a16="http://schemas.microsoft.com/office/drawing/2014/main" id="{DB1F5818-3C7C-015C-2483-1875C395B0BF}"/>
               </a:ext>
             </a:extLst>
           </p:cNvPr>
@@ -1704,7 +2415,15 @@
             <p:ph type="title"/>
           </p:nvPr>
         </p:nvSpPr>
-        <p:spPr/>
+        <p:spPr>
+          <a:xfrm>
+            <a:off x="602787" y="1498382"/>
+            <a:ext cx="10515600" cy="1325563"/>
+          </a:xfrm>
+          <a:prstGeom prst="rect">
+            <a:avLst/>
+          </a:prstGeom>
+        </p:spPr>
         <p:txBody>
           <a:bodyPr/>
           <a:lstStyle/>
@@ -1721,7 +2440,7 @@
           <p:cNvPr id="3" name="Date Placeholder 2">
             <a:extLst>
               <a:ext uri="{FF2B5EF4-FFF2-40B4-BE49-F238E27FC236}">
-                <a16:creationId xmlns:a16="http://schemas.microsoft.com/office/drawing/2014/main" id="{03C4A398-4A9D-A2A3-6474-1E420261434B}"/>
+                <a16:creationId xmlns:a16="http://schemas.microsoft.com/office/drawing/2014/main" id="{F223477C-97F9-76B1-065E-300F62DDCF99}"/>
               </a:ext>
             </a:extLst>
           </p:cNvPr>
@@ -1732,14 +2451,22 @@
             <p:ph type="dt" sz="half" idx="10"/>
           </p:nvPr>
         </p:nvSpPr>
-        <p:spPr/>
+        <p:spPr>
+          <a:xfrm>
+            <a:off x="838200" y="6445249"/>
+            <a:ext cx="2743200" cy="365125"/>
+          </a:xfrm>
+          <a:prstGeom prst="rect">
+            <a:avLst/>
+          </a:prstGeom>
+        </p:spPr>
         <p:txBody>
           <a:bodyPr/>
           <a:lstStyle/>
           <a:p>
-            <a:fld id="{0D69348B-4620-44E9-BF3F-EACBA9EEF323}" type="datetimeFigureOut">
+            <a:fld id="{71087A05-F855-4434-8DDE-39A8542098A6}" type="datetimeFigureOut">
               <a:rPr lang="en-US" smtClean="0"/>
-              <a:t>6/15/2024</a:t>
+              <a:t>12/17/2024</a:t>
             </a:fld>
             <a:endParaRPr lang="en-US"/>
           </a:p>
@@ -1750,7 +2477,7 @@
           <p:cNvPr id="4" name="Footer Placeholder 3">
             <a:extLst>
               <a:ext uri="{FF2B5EF4-FFF2-40B4-BE49-F238E27FC236}">
-                <a16:creationId xmlns:a16="http://schemas.microsoft.com/office/drawing/2014/main" id="{1B329954-395E-06FF-D638-EC31477B4B60}"/>
+                <a16:creationId xmlns:a16="http://schemas.microsoft.com/office/drawing/2014/main" id="{725CCAE4-3361-9867-C2CA-9F8A178ED41C}"/>
               </a:ext>
             </a:extLst>
           </p:cNvPr>
@@ -1761,7 +2488,15 @@
             <p:ph type="ftr" sz="quarter" idx="11"/>
           </p:nvPr>
         </p:nvSpPr>
-        <p:spPr/>
+        <p:spPr>
+          <a:xfrm>
+            <a:off x="4038600" y="6356350"/>
+            <a:ext cx="4114800" cy="365125"/>
+          </a:xfrm>
+          <a:prstGeom prst="rect">
+            <a:avLst/>
+          </a:prstGeom>
+        </p:spPr>
         <p:txBody>
           <a:bodyPr/>
           <a:lstStyle/>
@@ -1775,7 +2510,7 @@
           <p:cNvPr id="5" name="Slide Number Placeholder 4">
             <a:extLst>
               <a:ext uri="{FF2B5EF4-FFF2-40B4-BE49-F238E27FC236}">
-                <a16:creationId xmlns:a16="http://schemas.microsoft.com/office/drawing/2014/main" id="{26A16BE0-3CF4-0FFF-42E9-C2ABCD5E1AB3}"/>
+                <a16:creationId xmlns:a16="http://schemas.microsoft.com/office/drawing/2014/main" id="{E42ECABF-B7A6-37FC-1091-0A6AE97D6725}"/>
               </a:ext>
             </a:extLst>
           </p:cNvPr>
@@ -1786,12 +2521,20 @@
             <p:ph type="sldNum" sz="quarter" idx="12"/>
           </p:nvPr>
         </p:nvSpPr>
-        <p:spPr/>
+        <p:spPr>
+          <a:xfrm>
+            <a:off x="8610600" y="6356350"/>
+            <a:ext cx="2743200" cy="365125"/>
+          </a:xfrm>
+          <a:prstGeom prst="rect">
+            <a:avLst/>
+          </a:prstGeom>
+        </p:spPr>
         <p:txBody>
           <a:bodyPr/>
           <a:lstStyle/>
           <a:p>
-            <a:fld id="{986C47A0-D0C4-4E8A-BEE9-37B09C3712B2}" type="slidenum">
+            <a:fld id="{6C0014F0-3D1D-4459-A530-32E6C19AE461}" type="slidenum">
               <a:rPr lang="en-US" smtClean="0"/>
               <a:t>‹#›</a:t>
             </a:fld>
@@ -1802,7 +2545,7 @@
     </p:spTree>
     <p:extLst>
       <p:ext uri="{BB962C8B-B14F-4D97-AF65-F5344CB8AC3E}">
-        <p14:creationId xmlns:p14="http://schemas.microsoft.com/office/powerpoint/2010/main" val="2938381997"/>
+        <p14:creationId xmlns:p14="http://schemas.microsoft.com/office/powerpoint/2010/main" val="1140854956"/>
       </p:ext>
     </p:extLst>
   </p:cSld>
@@ -1834,7 +2577,7 @@
           <p:cNvPr id="2" name="Date Placeholder 1">
             <a:extLst>
               <a:ext uri="{FF2B5EF4-FFF2-40B4-BE49-F238E27FC236}">
-                <a16:creationId xmlns:a16="http://schemas.microsoft.com/office/drawing/2014/main" id="{AA5B9B0A-FA71-5C03-A207-2398589F58E9}"/>
+                <a16:creationId xmlns:a16="http://schemas.microsoft.com/office/drawing/2014/main" id="{E2C2A218-2D68-399E-5303-823F32D18A0A}"/>
               </a:ext>
             </a:extLst>
           </p:cNvPr>
@@ -1845,14 +2588,22 @@
             <p:ph type="dt" sz="half" idx="10"/>
           </p:nvPr>
         </p:nvSpPr>
-        <p:spPr/>
+        <p:spPr>
+          <a:xfrm>
+            <a:off x="838200" y="6445249"/>
+            <a:ext cx="2743200" cy="365125"/>
+          </a:xfrm>
+          <a:prstGeom prst="rect">
+            <a:avLst/>
+          </a:prstGeom>
+        </p:spPr>
         <p:txBody>
           <a:bodyPr/>
           <a:lstStyle/>
           <a:p>
-            <a:fld id="{0D69348B-4620-44E9-BF3F-EACBA9EEF323}" type="datetimeFigureOut">
+            <a:fld id="{71087A05-F855-4434-8DDE-39A8542098A6}" type="datetimeFigureOut">
               <a:rPr lang="en-US" smtClean="0"/>
-              <a:t>6/15/2024</a:t>
+              <a:t>12/17/2024</a:t>
             </a:fld>
             <a:endParaRPr lang="en-US"/>
           </a:p>
@@ -1863,7 +2614,7 @@
           <p:cNvPr id="3" name="Footer Placeholder 2">
             <a:extLst>
               <a:ext uri="{FF2B5EF4-FFF2-40B4-BE49-F238E27FC236}">
-                <a16:creationId xmlns:a16="http://schemas.microsoft.com/office/drawing/2014/main" id="{5EEC7B99-A534-1835-A5BF-8993DDBD237D}"/>
+                <a16:creationId xmlns:a16="http://schemas.microsoft.com/office/drawing/2014/main" id="{41BB3505-96AE-D8F2-469A-F36E9DD155D5}"/>
               </a:ext>
             </a:extLst>
           </p:cNvPr>
@@ -1874,7 +2625,15 @@
             <p:ph type="ftr" sz="quarter" idx="11"/>
           </p:nvPr>
         </p:nvSpPr>
-        <p:spPr/>
+        <p:spPr>
+          <a:xfrm>
+            <a:off x="4038600" y="6356350"/>
+            <a:ext cx="4114800" cy="365125"/>
+          </a:xfrm>
+          <a:prstGeom prst="rect">
+            <a:avLst/>
+          </a:prstGeom>
+        </p:spPr>
         <p:txBody>
           <a:bodyPr/>
           <a:lstStyle/>
@@ -1888,7 +2647,7 @@
           <p:cNvPr id="4" name="Slide Number Placeholder 3">
             <a:extLst>
               <a:ext uri="{FF2B5EF4-FFF2-40B4-BE49-F238E27FC236}">
-                <a16:creationId xmlns:a16="http://schemas.microsoft.com/office/drawing/2014/main" id="{6E001977-30BB-D5A2-E565-94C0467FE0FD}"/>
+                <a16:creationId xmlns:a16="http://schemas.microsoft.com/office/drawing/2014/main" id="{47BA2558-EB65-5F2B-4DEB-5E332CDDC572}"/>
               </a:ext>
             </a:extLst>
           </p:cNvPr>
@@ -1899,12 +2658,20 @@
             <p:ph type="sldNum" sz="quarter" idx="12"/>
           </p:nvPr>
         </p:nvSpPr>
-        <p:spPr/>
+        <p:spPr>
+          <a:xfrm>
+            <a:off x="8610600" y="6356350"/>
+            <a:ext cx="2743200" cy="365125"/>
+          </a:xfrm>
+          <a:prstGeom prst="rect">
+            <a:avLst/>
+          </a:prstGeom>
+        </p:spPr>
         <p:txBody>
           <a:bodyPr/>
           <a:lstStyle/>
           <a:p>
-            <a:fld id="{986C47A0-D0C4-4E8A-BEE9-37B09C3712B2}" type="slidenum">
+            <a:fld id="{6C0014F0-3D1D-4459-A530-32E6C19AE461}" type="slidenum">
               <a:rPr lang="en-US" smtClean="0"/>
               <a:t>‹#›</a:t>
             </a:fld>
@@ -1915,7 +2682,7 @@
     </p:spTree>
     <p:extLst>
       <p:ext uri="{BB962C8B-B14F-4D97-AF65-F5344CB8AC3E}">
-        <p14:creationId xmlns:p14="http://schemas.microsoft.com/office/powerpoint/2010/main" val="2840775159"/>
+        <p14:creationId xmlns:p14="http://schemas.microsoft.com/office/powerpoint/2010/main" val="2310155017"/>
       </p:ext>
     </p:extLst>
   </p:cSld>
@@ -1947,7 +2714,7 @@
           <p:cNvPr id="2" name="Title 1">
             <a:extLst>
               <a:ext uri="{FF2B5EF4-FFF2-40B4-BE49-F238E27FC236}">
-                <a16:creationId xmlns:a16="http://schemas.microsoft.com/office/drawing/2014/main" id="{AC38A989-6857-707E-A17F-8A83A6144698}"/>
+                <a16:creationId xmlns:a16="http://schemas.microsoft.com/office/drawing/2014/main" id="{E731290A-4FEE-1487-F6FC-152481239225}"/>
               </a:ext>
             </a:extLst>
           </p:cNvPr>
@@ -1963,6 +2730,9 @@
             <a:off x="839788" y="457200"/>
             <a:ext cx="3932237" cy="1600200"/>
           </a:xfrm>
+          <a:prstGeom prst="rect">
+            <a:avLst/>
+          </a:prstGeom>
         </p:spPr>
         <p:txBody>
           <a:bodyPr anchor="b"/>
@@ -1984,7 +2754,7 @@
           <p:cNvPr id="3" name="Content Placeholder 2">
             <a:extLst>
               <a:ext uri="{FF2B5EF4-FFF2-40B4-BE49-F238E27FC236}">
-                <a16:creationId xmlns:a16="http://schemas.microsoft.com/office/drawing/2014/main" id="{D3A3E0C8-FA9B-6F55-E988-D7B8ADBC9C21}"/>
+                <a16:creationId xmlns:a16="http://schemas.microsoft.com/office/drawing/2014/main" id="{3FD49862-968E-6027-1E22-A84213937FC4}"/>
               </a:ext>
             </a:extLst>
           </p:cNvPr>
@@ -2000,6 +2770,9 @@
             <a:off x="5183188" y="987425"/>
             <a:ext cx="6172200" cy="4873625"/>
           </a:xfrm>
+          <a:prstGeom prst="rect">
+            <a:avLst/>
+          </a:prstGeom>
         </p:spPr>
         <p:txBody>
           <a:bodyPr/>
@@ -2074,7 +2847,7 @@
           <p:cNvPr id="4" name="Text Placeholder 3">
             <a:extLst>
               <a:ext uri="{FF2B5EF4-FFF2-40B4-BE49-F238E27FC236}">
-                <a16:creationId xmlns:a16="http://schemas.microsoft.com/office/drawing/2014/main" id="{FC649A31-16E4-3C58-CFAF-870BE9A231C8}"/>
+                <a16:creationId xmlns:a16="http://schemas.microsoft.com/office/drawing/2014/main" id="{DDD75452-B3CD-E4D7-2EEB-4D8E7A55BA47}"/>
               </a:ext>
             </a:extLst>
           </p:cNvPr>
@@ -2090,6 +2863,9 @@
             <a:off x="839788" y="2057400"/>
             <a:ext cx="3932237" cy="3811588"/>
           </a:xfrm>
+          <a:prstGeom prst="rect">
+            <a:avLst/>
+          </a:prstGeom>
         </p:spPr>
         <p:txBody>
           <a:bodyPr/>
@@ -2145,7 +2921,7 @@
           <p:cNvPr id="5" name="Date Placeholder 4">
             <a:extLst>
               <a:ext uri="{FF2B5EF4-FFF2-40B4-BE49-F238E27FC236}">
-                <a16:creationId xmlns:a16="http://schemas.microsoft.com/office/drawing/2014/main" id="{5999608F-F9E6-C047-FAFD-5BD962E36788}"/>
+                <a16:creationId xmlns:a16="http://schemas.microsoft.com/office/drawing/2014/main" id="{E910F3D6-85F4-16D5-02EC-B52A50D1363C}"/>
               </a:ext>
             </a:extLst>
           </p:cNvPr>
@@ -2156,14 +2932,22 @@
             <p:ph type="dt" sz="half" idx="10"/>
           </p:nvPr>
         </p:nvSpPr>
-        <p:spPr/>
+        <p:spPr>
+          <a:xfrm>
+            <a:off x="838200" y="6445249"/>
+            <a:ext cx="2743200" cy="365125"/>
+          </a:xfrm>
+          <a:prstGeom prst="rect">
+            <a:avLst/>
+          </a:prstGeom>
+        </p:spPr>
         <p:txBody>
           <a:bodyPr/>
           <a:lstStyle/>
           <a:p>
-            <a:fld id="{0D69348B-4620-44E9-BF3F-EACBA9EEF323}" type="datetimeFigureOut">
+            <a:fld id="{71087A05-F855-4434-8DDE-39A8542098A6}" type="datetimeFigureOut">
               <a:rPr lang="en-US" smtClean="0"/>
-              <a:t>6/15/2024</a:t>
+              <a:t>12/17/2024</a:t>
             </a:fld>
             <a:endParaRPr lang="en-US"/>
           </a:p>
@@ -2174,7 +2958,7 @@
           <p:cNvPr id="6" name="Footer Placeholder 5">
             <a:extLst>
               <a:ext uri="{FF2B5EF4-FFF2-40B4-BE49-F238E27FC236}">
-                <a16:creationId xmlns:a16="http://schemas.microsoft.com/office/drawing/2014/main" id="{E1D5DC43-2068-E43E-0C96-6105FF141340}"/>
+                <a16:creationId xmlns:a16="http://schemas.microsoft.com/office/drawing/2014/main" id="{FA7DC6C8-71E8-B7D5-9A82-0FA963F35B00}"/>
               </a:ext>
             </a:extLst>
           </p:cNvPr>
@@ -2185,7 +2969,15 @@
             <p:ph type="ftr" sz="quarter" idx="11"/>
           </p:nvPr>
         </p:nvSpPr>
-        <p:spPr/>
+        <p:spPr>
+          <a:xfrm>
+            <a:off x="4038600" y="6356350"/>
+            <a:ext cx="4114800" cy="365125"/>
+          </a:xfrm>
+          <a:prstGeom prst="rect">
+            <a:avLst/>
+          </a:prstGeom>
+        </p:spPr>
         <p:txBody>
           <a:bodyPr/>
           <a:lstStyle/>
@@ -2199,7 +2991,7 @@
           <p:cNvPr id="7" name="Slide Number Placeholder 6">
             <a:extLst>
               <a:ext uri="{FF2B5EF4-FFF2-40B4-BE49-F238E27FC236}">
-                <a16:creationId xmlns:a16="http://schemas.microsoft.com/office/drawing/2014/main" id="{07714F4E-989B-09B5-9809-BA4CDB940F1A}"/>
+                <a16:creationId xmlns:a16="http://schemas.microsoft.com/office/drawing/2014/main" id="{33AEBF5B-81ED-5FC8-76EE-E85F459B2D2B}"/>
               </a:ext>
             </a:extLst>
           </p:cNvPr>
@@ -2210,12 +3002,20 @@
             <p:ph type="sldNum" sz="quarter" idx="12"/>
           </p:nvPr>
         </p:nvSpPr>
-        <p:spPr/>
+        <p:spPr>
+          <a:xfrm>
+            <a:off x="8610600" y="6356350"/>
+            <a:ext cx="2743200" cy="365125"/>
+          </a:xfrm>
+          <a:prstGeom prst="rect">
+            <a:avLst/>
+          </a:prstGeom>
+        </p:spPr>
         <p:txBody>
           <a:bodyPr/>
           <a:lstStyle/>
           <a:p>
-            <a:fld id="{986C47A0-D0C4-4E8A-BEE9-37B09C3712B2}" type="slidenum">
+            <a:fld id="{6C0014F0-3D1D-4459-A530-32E6C19AE461}" type="slidenum">
               <a:rPr lang="en-US" smtClean="0"/>
               <a:t>‹#›</a:t>
             </a:fld>
@@ -2226,7 +3026,7 @@
     </p:spTree>
     <p:extLst>
       <p:ext uri="{BB962C8B-B14F-4D97-AF65-F5344CB8AC3E}">
-        <p14:creationId xmlns:p14="http://schemas.microsoft.com/office/powerpoint/2010/main" val="489734700"/>
+        <p14:creationId xmlns:p14="http://schemas.microsoft.com/office/powerpoint/2010/main" val="2562212391"/>
       </p:ext>
     </p:extLst>
   </p:cSld>
@@ -2258,7 +3058,7 @@
           <p:cNvPr id="2" name="Title 1">
             <a:extLst>
               <a:ext uri="{FF2B5EF4-FFF2-40B4-BE49-F238E27FC236}">
-                <a16:creationId xmlns:a16="http://schemas.microsoft.com/office/drawing/2014/main" id="{3355A176-7BDB-BCDB-D1C0-7943D50F9B44}"/>
+                <a16:creationId xmlns:a16="http://schemas.microsoft.com/office/drawing/2014/main" id="{640090C6-958A-8F1E-AAA5-6F70ABB1D9F3}"/>
               </a:ext>
             </a:extLst>
           </p:cNvPr>
@@ -2274,6 +3074,9 @@
             <a:off x="839788" y="457200"/>
             <a:ext cx="3932237" cy="1600200"/>
           </a:xfrm>
+          <a:prstGeom prst="rect">
+            <a:avLst/>
+          </a:prstGeom>
         </p:spPr>
         <p:txBody>
           <a:bodyPr anchor="b"/>
@@ -2295,7 +3098,7 @@
           <p:cNvPr id="3" name="Picture Placeholder 2">
             <a:extLst>
               <a:ext uri="{FF2B5EF4-FFF2-40B4-BE49-F238E27FC236}">
-                <a16:creationId xmlns:a16="http://schemas.microsoft.com/office/drawing/2014/main" id="{B68408D7-61D1-185C-72B8-001F411FC6F7}"/>
+                <a16:creationId xmlns:a16="http://schemas.microsoft.com/office/drawing/2014/main" id="{3302DF14-CA9B-4C85-16D1-AE914D7EB7E7}"/>
               </a:ext>
             </a:extLst>
           </p:cNvPr>
@@ -2311,6 +3114,9 @@
             <a:off x="5183188" y="987425"/>
             <a:ext cx="6172200" cy="4873625"/>
           </a:xfrm>
+          <a:prstGeom prst="rect">
+            <a:avLst/>
+          </a:prstGeom>
         </p:spPr>
         <p:txBody>
           <a:bodyPr/>
@@ -2353,7 +3159,10 @@
             </a:lvl9pPr>
           </a:lstStyle>
           <a:p>
-            <a:endParaRPr lang="en-US"/>
+            <a:r>
+              <a:rPr lang="en-US"/>
+              <a:t>Click icon to add picture</a:t>
+            </a:r>
           </a:p>
         </p:txBody>
       </p:sp>
@@ -2362,7 +3171,7 @@
           <p:cNvPr id="4" name="Text Placeholder 3">
             <a:extLst>
               <a:ext uri="{FF2B5EF4-FFF2-40B4-BE49-F238E27FC236}">
-                <a16:creationId xmlns:a16="http://schemas.microsoft.com/office/drawing/2014/main" id="{390B86E7-BC7A-324F-5231-BB8844695F10}"/>
+                <a16:creationId xmlns:a16="http://schemas.microsoft.com/office/drawing/2014/main" id="{449386B6-C485-3496-A8CD-9C25B60A4255}"/>
               </a:ext>
             </a:extLst>
           </p:cNvPr>
@@ -2378,6 +3187,9 @@
             <a:off x="839788" y="2057400"/>
             <a:ext cx="3932237" cy="3811588"/>
           </a:xfrm>
+          <a:prstGeom prst="rect">
+            <a:avLst/>
+          </a:prstGeom>
         </p:spPr>
         <p:txBody>
           <a:bodyPr/>
@@ -2433,7 +3245,7 @@
           <p:cNvPr id="5" name="Date Placeholder 4">
             <a:extLst>
               <a:ext uri="{FF2B5EF4-FFF2-40B4-BE49-F238E27FC236}">
-                <a16:creationId xmlns:a16="http://schemas.microsoft.com/office/drawing/2014/main" id="{CA9F4411-F5FF-7DD9-8280-4EAE80811D9F}"/>
+                <a16:creationId xmlns:a16="http://schemas.microsoft.com/office/drawing/2014/main" id="{DBD5F565-8080-7E82-246E-1EDDAAC2C236}"/>
               </a:ext>
             </a:extLst>
           </p:cNvPr>
@@ -2444,14 +3256,22 @@
             <p:ph type="dt" sz="half" idx="10"/>
           </p:nvPr>
         </p:nvSpPr>
-        <p:spPr/>
+        <p:spPr>
+          <a:xfrm>
+            <a:off x="838200" y="6445249"/>
+            <a:ext cx="2743200" cy="365125"/>
+          </a:xfrm>
+          <a:prstGeom prst="rect">
+            <a:avLst/>
+          </a:prstGeom>
+        </p:spPr>
         <p:txBody>
           <a:bodyPr/>
           <a:lstStyle/>
           <a:p>
-            <a:fld id="{0D69348B-4620-44E9-BF3F-EACBA9EEF323}" type="datetimeFigureOut">
+            <a:fld id="{71087A05-F855-4434-8DDE-39A8542098A6}" type="datetimeFigureOut">
               <a:rPr lang="en-US" smtClean="0"/>
-              <a:t>6/15/2024</a:t>
+              <a:t>12/17/2024</a:t>
             </a:fld>
             <a:endParaRPr lang="en-US"/>
           </a:p>
@@ -2462,7 +3282,7 @@
           <p:cNvPr id="6" name="Footer Placeholder 5">
             <a:extLst>
               <a:ext uri="{FF2B5EF4-FFF2-40B4-BE49-F238E27FC236}">
-                <a16:creationId xmlns:a16="http://schemas.microsoft.com/office/drawing/2014/main" id="{BD00158C-2DC0-C40D-E476-8D815E2210E6}"/>
+                <a16:creationId xmlns:a16="http://schemas.microsoft.com/office/drawing/2014/main" id="{C9E12A3F-827C-0539-3AFC-062DDE283567}"/>
               </a:ext>
             </a:extLst>
           </p:cNvPr>
@@ -2473,7 +3293,15 @@
             <p:ph type="ftr" sz="quarter" idx="11"/>
           </p:nvPr>
         </p:nvSpPr>
-        <p:spPr/>
+        <p:spPr>
+          <a:xfrm>
+            <a:off x="4038600" y="6356350"/>
+            <a:ext cx="4114800" cy="365125"/>
+          </a:xfrm>
+          <a:prstGeom prst="rect">
+            <a:avLst/>
+          </a:prstGeom>
+        </p:spPr>
         <p:txBody>
           <a:bodyPr/>
           <a:lstStyle/>
@@ -2487,7 +3315,7 @@
           <p:cNvPr id="7" name="Slide Number Placeholder 6">
             <a:extLst>
               <a:ext uri="{FF2B5EF4-FFF2-40B4-BE49-F238E27FC236}">
-                <a16:creationId xmlns:a16="http://schemas.microsoft.com/office/drawing/2014/main" id="{E47CEA17-958B-3F11-0DD0-F3DB57410690}"/>
+                <a16:creationId xmlns:a16="http://schemas.microsoft.com/office/drawing/2014/main" id="{516B4C84-F522-0893-1790-EF8E720A114E}"/>
               </a:ext>
             </a:extLst>
           </p:cNvPr>
@@ -2498,12 +3326,20 @@
             <p:ph type="sldNum" sz="quarter" idx="12"/>
           </p:nvPr>
         </p:nvSpPr>
-        <p:spPr/>
+        <p:spPr>
+          <a:xfrm>
+            <a:off x="8610600" y="6356350"/>
+            <a:ext cx="2743200" cy="365125"/>
+          </a:xfrm>
+          <a:prstGeom prst="rect">
+            <a:avLst/>
+          </a:prstGeom>
+        </p:spPr>
         <p:txBody>
           <a:bodyPr/>
           <a:lstStyle/>
           <a:p>
-            <a:fld id="{986C47A0-D0C4-4E8A-BEE9-37B09C3712B2}" type="slidenum">
+            <a:fld id="{6C0014F0-3D1D-4459-A530-32E6C19AE461}" type="slidenum">
               <a:rPr lang="en-US" smtClean="0"/>
               <a:t>‹#›</a:t>
             </a:fld>
@@ -2514,7 +3350,7 @@
     </p:spTree>
     <p:extLst>
       <p:ext uri="{BB962C8B-B14F-4D97-AF65-F5344CB8AC3E}">
-        <p14:creationId xmlns:p14="http://schemas.microsoft.com/office/powerpoint/2010/main" val="1801490617"/>
+        <p14:creationId xmlns:p14="http://schemas.microsoft.com/office/powerpoint/2010/main" val="2609577006"/>
       </p:ext>
     </p:extLst>
   </p:cSld>
@@ -2546,7 +3382,7 @@
           <p:cNvPr id="2" name="Title 1">
             <a:extLst>
               <a:ext uri="{FF2B5EF4-FFF2-40B4-BE49-F238E27FC236}">
-                <a16:creationId xmlns:a16="http://schemas.microsoft.com/office/drawing/2014/main" id="{D6AD2E5E-D555-7E2B-7E3F-7520CC1D227E}"/>
+                <a16:creationId xmlns:a16="http://schemas.microsoft.com/office/drawing/2014/main" id="{A2992E9E-93C1-7E84-A4D5-EA127AB4BDC1}"/>
               </a:ext>
             </a:extLst>
           </p:cNvPr>
@@ -2557,7 +3393,15 @@
             <p:ph type="title"/>
           </p:nvPr>
         </p:nvSpPr>
-        <p:spPr/>
+        <p:spPr>
+          <a:xfrm>
+            <a:off x="602787" y="1498382"/>
+            <a:ext cx="10515600" cy="1325563"/>
+          </a:xfrm>
+          <a:prstGeom prst="rect">
+            <a:avLst/>
+          </a:prstGeom>
+        </p:spPr>
         <p:txBody>
           <a:bodyPr/>
           <a:lstStyle/>
@@ -2574,7 +3418,7 @@
           <p:cNvPr id="3" name="Vertical Text Placeholder 2">
             <a:extLst>
               <a:ext uri="{FF2B5EF4-FFF2-40B4-BE49-F238E27FC236}">
-                <a16:creationId xmlns:a16="http://schemas.microsoft.com/office/drawing/2014/main" id="{21BCA2AE-5C6A-0627-55FB-1213E6BA2F01}"/>
+                <a16:creationId xmlns:a16="http://schemas.microsoft.com/office/drawing/2014/main" id="{FBFF1E9B-EE9D-9A7E-EE97-87C838D9BB2F}"/>
               </a:ext>
             </a:extLst>
           </p:cNvPr>
@@ -2585,7 +3429,15 @@
             <p:ph type="body" orient="vert" idx="1"/>
           </p:nvPr>
         </p:nvSpPr>
-        <p:spPr/>
+        <p:spPr>
+          <a:xfrm>
+            <a:off x="838200" y="1825625"/>
+            <a:ext cx="10515600" cy="4351338"/>
+          </a:xfrm>
+          <a:prstGeom prst="rect">
+            <a:avLst/>
+          </a:prstGeom>
+        </p:spPr>
         <p:txBody>
           <a:bodyPr vert="eaVert"/>
           <a:lstStyle/>
@@ -2631,7 +3483,7 @@
           <p:cNvPr id="4" name="Date Placeholder 3">
             <a:extLst>
               <a:ext uri="{FF2B5EF4-FFF2-40B4-BE49-F238E27FC236}">
-                <a16:creationId xmlns:a16="http://schemas.microsoft.com/office/drawing/2014/main" id="{5107EDAF-37A2-AD0D-A11E-C6E412B7CD68}"/>
+                <a16:creationId xmlns:a16="http://schemas.microsoft.com/office/drawing/2014/main" id="{450DA212-C93A-3075-FD32-156F351E64D4}"/>
               </a:ext>
             </a:extLst>
           </p:cNvPr>
@@ -2642,14 +3494,22 @@
             <p:ph type="dt" sz="half" idx="10"/>
           </p:nvPr>
         </p:nvSpPr>
-        <p:spPr/>
+        <p:spPr>
+          <a:xfrm>
+            <a:off x="838200" y="6445249"/>
+            <a:ext cx="2743200" cy="365125"/>
+          </a:xfrm>
+          <a:prstGeom prst="rect">
+            <a:avLst/>
+          </a:prstGeom>
+        </p:spPr>
         <p:txBody>
           <a:bodyPr/>
           <a:lstStyle/>
           <a:p>
-            <a:fld id="{0D69348B-4620-44E9-BF3F-EACBA9EEF323}" type="datetimeFigureOut">
+            <a:fld id="{71087A05-F855-4434-8DDE-39A8542098A6}" type="datetimeFigureOut">
               <a:rPr lang="en-US" smtClean="0"/>
-              <a:t>6/15/2024</a:t>
+              <a:t>12/17/2024</a:t>
             </a:fld>
             <a:endParaRPr lang="en-US"/>
           </a:p>
@@ -2660,7 +3520,7 @@
           <p:cNvPr id="5" name="Footer Placeholder 4">
             <a:extLst>
               <a:ext uri="{FF2B5EF4-FFF2-40B4-BE49-F238E27FC236}">
-                <a16:creationId xmlns:a16="http://schemas.microsoft.com/office/drawing/2014/main" id="{17AABE0A-6316-1BFF-88AA-1E305E3595C5}"/>
+                <a16:creationId xmlns:a16="http://schemas.microsoft.com/office/drawing/2014/main" id="{D6AA4E94-35D9-7831-A0BB-9A28BFA422BE}"/>
               </a:ext>
             </a:extLst>
           </p:cNvPr>
@@ -2671,7 +3531,15 @@
             <p:ph type="ftr" sz="quarter" idx="11"/>
           </p:nvPr>
         </p:nvSpPr>
-        <p:spPr/>
+        <p:spPr>
+          <a:xfrm>
+            <a:off x="4038600" y="6356350"/>
+            <a:ext cx="4114800" cy="365125"/>
+          </a:xfrm>
+          <a:prstGeom prst="rect">
+            <a:avLst/>
+          </a:prstGeom>
+        </p:spPr>
         <p:txBody>
           <a:bodyPr/>
           <a:lstStyle/>
@@ -2685,7 +3553,7 @@
           <p:cNvPr id="6" name="Slide Number Placeholder 5">
             <a:extLst>
               <a:ext uri="{FF2B5EF4-FFF2-40B4-BE49-F238E27FC236}">
-                <a16:creationId xmlns:a16="http://schemas.microsoft.com/office/drawing/2014/main" id="{FC568FF5-9BB0-1800-E4BA-438F3408E54B}"/>
+                <a16:creationId xmlns:a16="http://schemas.microsoft.com/office/drawing/2014/main" id="{2E0B5BE5-01BB-5041-6101-F169276B2397}"/>
               </a:ext>
             </a:extLst>
           </p:cNvPr>
@@ -2696,12 +3564,20 @@
             <p:ph type="sldNum" sz="quarter" idx="12"/>
           </p:nvPr>
         </p:nvSpPr>
-        <p:spPr/>
+        <p:spPr>
+          <a:xfrm>
+            <a:off x="8610600" y="6356350"/>
+            <a:ext cx="2743200" cy="365125"/>
+          </a:xfrm>
+          <a:prstGeom prst="rect">
+            <a:avLst/>
+          </a:prstGeom>
+        </p:spPr>
         <p:txBody>
           <a:bodyPr/>
           <a:lstStyle/>
           <a:p>
-            <a:fld id="{986C47A0-D0C4-4E8A-BEE9-37B09C3712B2}" type="slidenum">
+            <a:fld id="{6C0014F0-3D1D-4459-A530-32E6C19AE461}" type="slidenum">
               <a:rPr lang="en-US" smtClean="0"/>
               <a:t>‹#›</a:t>
             </a:fld>
@@ -2712,7 +3588,7 @@
     </p:spTree>
     <p:extLst>
       <p:ext uri="{BB962C8B-B14F-4D97-AF65-F5344CB8AC3E}">
-        <p14:creationId xmlns:p14="http://schemas.microsoft.com/office/powerpoint/2010/main" val="246953702"/>
+        <p14:creationId xmlns:p14="http://schemas.microsoft.com/office/powerpoint/2010/main" val="1856192735"/>
       </p:ext>
     </p:extLst>
   </p:cSld>
@@ -2744,7 +3620,7 @@
           <p:cNvPr id="2" name="Vertical Title 1">
             <a:extLst>
               <a:ext uri="{FF2B5EF4-FFF2-40B4-BE49-F238E27FC236}">
-                <a16:creationId xmlns:a16="http://schemas.microsoft.com/office/drawing/2014/main" id="{AAE8DA51-17B9-3E3B-6597-C3149EC564E7}"/>
+                <a16:creationId xmlns:a16="http://schemas.microsoft.com/office/drawing/2014/main" id="{B7D370E5-4104-4DF4-CE6F-43777E948DFD}"/>
               </a:ext>
             </a:extLst>
           </p:cNvPr>
@@ -2760,6 +3636,9 @@
             <a:off x="8724900" y="365125"/>
             <a:ext cx="2628900" cy="5811838"/>
           </a:xfrm>
+          <a:prstGeom prst="rect">
+            <a:avLst/>
+          </a:prstGeom>
         </p:spPr>
         <p:txBody>
           <a:bodyPr vert="eaVert"/>
@@ -2777,7 +3656,7 @@
           <p:cNvPr id="3" name="Vertical Text Placeholder 2">
             <a:extLst>
               <a:ext uri="{FF2B5EF4-FFF2-40B4-BE49-F238E27FC236}">
-                <a16:creationId xmlns:a16="http://schemas.microsoft.com/office/drawing/2014/main" id="{C43333B4-9DAF-48B6-30CB-E3B610BEF084}"/>
+                <a16:creationId xmlns:a16="http://schemas.microsoft.com/office/drawing/2014/main" id="{3CEA6D81-DFD1-D8AC-EC26-DC0557526EE4}"/>
               </a:ext>
             </a:extLst>
           </p:cNvPr>
@@ -2793,6 +3672,9 @@
             <a:off x="838200" y="365125"/>
             <a:ext cx="7734300" cy="5811838"/>
           </a:xfrm>
+          <a:prstGeom prst="rect">
+            <a:avLst/>
+          </a:prstGeom>
         </p:spPr>
         <p:txBody>
           <a:bodyPr vert="eaVert"/>
@@ -2839,7 +3721,7 @@
           <p:cNvPr id="4" name="Date Placeholder 3">
             <a:extLst>
               <a:ext uri="{FF2B5EF4-FFF2-40B4-BE49-F238E27FC236}">
-                <a16:creationId xmlns:a16="http://schemas.microsoft.com/office/drawing/2014/main" id="{6086BDD1-83F5-3D7A-8DD5-DF362A8AD1E7}"/>
+                <a16:creationId xmlns:a16="http://schemas.microsoft.com/office/drawing/2014/main" id="{60E27890-E421-871D-9D4F-F7E5B558B71E}"/>
               </a:ext>
             </a:extLst>
           </p:cNvPr>
@@ -2850,14 +3732,22 @@
             <p:ph type="dt" sz="half" idx="10"/>
           </p:nvPr>
         </p:nvSpPr>
-        <p:spPr/>
+        <p:spPr>
+          <a:xfrm>
+            <a:off x="838200" y="6445249"/>
+            <a:ext cx="2743200" cy="365125"/>
+          </a:xfrm>
+          <a:prstGeom prst="rect">
+            <a:avLst/>
+          </a:prstGeom>
+        </p:spPr>
         <p:txBody>
           <a:bodyPr/>
           <a:lstStyle/>
           <a:p>
-            <a:fld id="{0D69348B-4620-44E9-BF3F-EACBA9EEF323}" type="datetimeFigureOut">
+            <a:fld id="{71087A05-F855-4434-8DDE-39A8542098A6}" type="datetimeFigureOut">
               <a:rPr lang="en-US" smtClean="0"/>
-              <a:t>6/15/2024</a:t>
+              <a:t>12/17/2024</a:t>
             </a:fld>
             <a:endParaRPr lang="en-US"/>
           </a:p>
@@ -2868,7 +3758,7 @@
           <p:cNvPr id="5" name="Footer Placeholder 4">
             <a:extLst>
               <a:ext uri="{FF2B5EF4-FFF2-40B4-BE49-F238E27FC236}">
-                <a16:creationId xmlns:a16="http://schemas.microsoft.com/office/drawing/2014/main" id="{4CD22109-0E78-0957-7BBE-F0B6D89EFBB0}"/>
+                <a16:creationId xmlns:a16="http://schemas.microsoft.com/office/drawing/2014/main" id="{B7A93CF4-905B-F31B-69BD-9BEBF9008D86}"/>
               </a:ext>
             </a:extLst>
           </p:cNvPr>
@@ -2879,7 +3769,15 @@
             <p:ph type="ftr" sz="quarter" idx="11"/>
           </p:nvPr>
         </p:nvSpPr>
-        <p:spPr/>
+        <p:spPr>
+          <a:xfrm>
+            <a:off x="4038600" y="6356350"/>
+            <a:ext cx="4114800" cy="365125"/>
+          </a:xfrm>
+          <a:prstGeom prst="rect">
+            <a:avLst/>
+          </a:prstGeom>
+        </p:spPr>
         <p:txBody>
           <a:bodyPr/>
           <a:lstStyle/>
@@ -2893,7 +3791,7 @@
           <p:cNvPr id="6" name="Slide Number Placeholder 5">
             <a:extLst>
               <a:ext uri="{FF2B5EF4-FFF2-40B4-BE49-F238E27FC236}">
-                <a16:creationId xmlns:a16="http://schemas.microsoft.com/office/drawing/2014/main" id="{292DE250-FF35-6AD5-3A95-9CDBFE6C2373}"/>
+                <a16:creationId xmlns:a16="http://schemas.microsoft.com/office/drawing/2014/main" id="{B9BD2B1C-442A-F5C9-9AEB-F9DE0158660F}"/>
               </a:ext>
             </a:extLst>
           </p:cNvPr>
@@ -2904,104 +3802,31 @@
             <p:ph type="sldNum" sz="quarter" idx="12"/>
           </p:nvPr>
         </p:nvSpPr>
-        <p:spPr/>
-        <p:txBody>
-          <a:bodyPr/>
-          <a:lstStyle/>
-          <a:p>
-            <a:fld id="{986C47A0-D0C4-4E8A-BEE9-37B09C3712B2}" type="slidenum">
-              <a:rPr lang="en-US" smtClean="0"/>
-              <a:t>‹#›</a:t>
-            </a:fld>
-            <a:endParaRPr lang="en-US"/>
-          </a:p>
-        </p:txBody>
-      </p:sp>
-    </p:spTree>
-    <p:extLst>
-      <p:ext uri="{BB962C8B-B14F-4D97-AF65-F5344CB8AC3E}">
-        <p14:creationId xmlns:p14="http://schemas.microsoft.com/office/powerpoint/2010/main" val="2492140018"/>
-      </p:ext>
-    </p:extLst>
-  </p:cSld>
-  <p:clrMapOvr>
-    <a:masterClrMapping/>
-  </p:clrMapOvr>
-</p:sldLayout>
-</file>
-
-<file path=ppt/slideLayouts/slideLayout18.xml><?xml version="1.0" encoding="utf-8"?>
-<p:sldLayout xmlns:a="http://schemas.openxmlformats.org/drawingml/2006/main" xmlns:r="http://schemas.openxmlformats.org/officeDocument/2006/relationships" xmlns:p="http://schemas.openxmlformats.org/presentationml/2006/main">
-  <p:cSld name="Contents slide layout">
-    <p:spTree>
-      <p:nvGrpSpPr>
-        <p:cNvPr id="1" name=""/>
-        <p:cNvGrpSpPr/>
-        <p:nvPr/>
-      </p:nvGrpSpPr>
-      <p:grpSpPr>
-        <a:xfrm>
-          <a:off x="0" y="0"/>
-          <a:ext cx="0" cy="0"/>
-          <a:chOff x="0" y="0"/>
-          <a:chExt cx="0" cy="0"/>
-        </a:xfrm>
-      </p:grpSpPr>
-      <p:sp>
-        <p:nvSpPr>
-          <p:cNvPr id="2" name="Text Placeholder 9">
-            <a:extLst>
-              <a:ext uri="{FF2B5EF4-FFF2-40B4-BE49-F238E27FC236}">
-                <a16:creationId xmlns:a16="http://schemas.microsoft.com/office/drawing/2014/main" id="{23DE32A5-6181-4C51-AD5C-3F1A448478A1}"/>
-              </a:ext>
-            </a:extLst>
-          </p:cNvPr>
-          <p:cNvSpPr>
-            <a:spLocks noGrp="1"/>
-          </p:cNvSpPr>
-          <p:nvPr>
-            <p:ph type="body" sz="quarter" idx="10" hasCustomPrompt="1"/>
-          </p:nvPr>
-        </p:nvSpPr>
         <p:spPr>
           <a:xfrm>
-            <a:off x="323529" y="339509"/>
-            <a:ext cx="11573197" cy="724247"/>
+            <a:off x="8610600" y="6356350"/>
+            <a:ext cx="2743200" cy="365125"/>
           </a:xfrm>
           <a:prstGeom prst="rect">
             <a:avLst/>
           </a:prstGeom>
         </p:spPr>
         <p:txBody>
-          <a:bodyPr anchor="ctr"/>
-          <a:lstStyle>
-            <a:lvl1pPr marL="0" indent="0" algn="ctr">
-              <a:buNone/>
-              <a:defRPr sz="5400" b="0" baseline="0">
-                <a:solidFill>
-                  <a:schemeClr val="tx1">
-                    <a:lumMod val="85000"/>
-                    <a:lumOff val="15000"/>
-                  </a:schemeClr>
-                </a:solidFill>
-                <a:latin typeface="+mj-lt"/>
-                <a:cs typeface="Arial" pitchFamily="34" charset="0"/>
-              </a:defRPr>
-            </a:lvl1pPr>
-          </a:lstStyle>
-          <a:p>
-            <a:pPr lvl="0"/>
-            <a:r>
-              <a:rPr lang="en-US" altLang="ko-KR" dirty="0"/>
-              <a:t>BASIC LAYOUT</a:t>
-            </a:r>
+          <a:bodyPr/>
+          <a:lstStyle/>
+          <a:p>
+            <a:fld id="{6C0014F0-3D1D-4459-A530-32E6C19AE461}" type="slidenum">
+              <a:rPr lang="en-US" smtClean="0"/>
+              <a:t>‹#›</a:t>
+            </a:fld>
+            <a:endParaRPr lang="en-US"/>
           </a:p>
         </p:txBody>
       </p:sp>
     </p:spTree>
     <p:extLst>
       <p:ext uri="{BB962C8B-B14F-4D97-AF65-F5344CB8AC3E}">
-        <p14:creationId xmlns:p14="http://schemas.microsoft.com/office/powerpoint/2010/main" val="2326417790"/>
+        <p14:creationId xmlns:p14="http://schemas.microsoft.com/office/powerpoint/2010/main" val="231267095"/>
       </p:ext>
     </p:extLst>
   </p:cSld>
@@ -3356,7 +4181,7 @@
           <a:p>
             <a:fld id="{0BE24BAF-58C0-4D38-ABA0-4170CC92DC13}" type="datetimeFigureOut">
               <a:rPr lang="en-US" smtClean="0"/>
-              <a:t>6/15/2024</a:t>
+              <a:t>12/17/2024</a:t>
             </a:fld>
             <a:endParaRPr lang="en-US"/>
           </a:p>
@@ -3511,7 +4336,7 @@
 </file>
 
 <file path=ppt/slideLayouts/slideLayout7.xml><?xml version="1.0" encoding="utf-8"?>
-<p:sldLayout xmlns:a="http://schemas.openxmlformats.org/drawingml/2006/main" xmlns:r="http://schemas.openxmlformats.org/officeDocument/2006/relationships" xmlns:p="http://schemas.openxmlformats.org/presentationml/2006/main" type="title" preserve="1">
+<p:sldLayout xmlns:a="http://schemas.openxmlformats.org/drawingml/2006/main" xmlns:r="http://schemas.openxmlformats.org/officeDocument/2006/relationships" xmlns:p="http://schemas.openxmlformats.org/presentationml/2006/main" preserve="1" userDrawn="1">
   <p:cSld name="Title Slide">
     <p:spTree>
       <p:nvGrpSpPr>
@@ -3527,200 +4352,10 @@
           <a:chExt cx="0" cy="0"/>
         </a:xfrm>
       </p:grpSpPr>
-      <p:sp>
-        <p:nvSpPr>
-          <p:cNvPr id="2" name="Title 1">
-            <a:extLst>
-              <a:ext uri="{FF2B5EF4-FFF2-40B4-BE49-F238E27FC236}">
-                <a16:creationId xmlns:a16="http://schemas.microsoft.com/office/drawing/2014/main" id="{DD581941-0C9F-2373-780E-9153E7306EE0}"/>
-              </a:ext>
-            </a:extLst>
-          </p:cNvPr>
-          <p:cNvSpPr>
-            <a:spLocks noGrp="1"/>
-          </p:cNvSpPr>
-          <p:nvPr>
-            <p:ph type="ctrTitle"/>
-          </p:nvPr>
-        </p:nvSpPr>
-        <p:spPr>
-          <a:xfrm>
-            <a:off x="1524000" y="1122363"/>
-            <a:ext cx="9144000" cy="2387600"/>
-          </a:xfrm>
-        </p:spPr>
-        <p:txBody>
-          <a:bodyPr anchor="b"/>
-          <a:lstStyle>
-            <a:lvl1pPr algn="ctr">
-              <a:defRPr sz="6000"/>
-            </a:lvl1pPr>
-          </a:lstStyle>
-          <a:p>
-            <a:r>
-              <a:rPr lang="en-US"/>
-              <a:t>Click to edit Master title style</a:t>
-            </a:r>
-          </a:p>
-        </p:txBody>
-      </p:sp>
-      <p:sp>
-        <p:nvSpPr>
-          <p:cNvPr id="3" name="Subtitle 2">
-            <a:extLst>
-              <a:ext uri="{FF2B5EF4-FFF2-40B4-BE49-F238E27FC236}">
-                <a16:creationId xmlns:a16="http://schemas.microsoft.com/office/drawing/2014/main" id="{FC927A9A-3EED-7C12-0FFF-384113480AA1}"/>
-              </a:ext>
-            </a:extLst>
-          </p:cNvPr>
-          <p:cNvSpPr>
-            <a:spLocks noGrp="1"/>
-          </p:cNvSpPr>
-          <p:nvPr>
-            <p:ph type="subTitle" idx="1"/>
-          </p:nvPr>
-        </p:nvSpPr>
-        <p:spPr>
-          <a:xfrm>
-            <a:off x="1524000" y="3602038"/>
-            <a:ext cx="9144000" cy="1655762"/>
-          </a:xfrm>
-        </p:spPr>
-        <p:txBody>
-          <a:bodyPr/>
-          <a:lstStyle>
-            <a:lvl1pPr marL="0" indent="0" algn="ctr">
-              <a:buNone/>
-              <a:defRPr sz="2400"/>
-            </a:lvl1pPr>
-            <a:lvl2pPr marL="457200" indent="0" algn="ctr">
-              <a:buNone/>
-              <a:defRPr sz="2000"/>
-            </a:lvl2pPr>
-            <a:lvl3pPr marL="914400" indent="0" algn="ctr">
-              <a:buNone/>
-              <a:defRPr sz="1800"/>
-            </a:lvl3pPr>
-            <a:lvl4pPr marL="1371600" indent="0" algn="ctr">
-              <a:buNone/>
-              <a:defRPr sz="1600"/>
-            </a:lvl4pPr>
-            <a:lvl5pPr marL="1828800" indent="0" algn="ctr">
-              <a:buNone/>
-              <a:defRPr sz="1600"/>
-            </a:lvl5pPr>
-            <a:lvl6pPr marL="2286000" indent="0" algn="ctr">
-              <a:buNone/>
-              <a:defRPr sz="1600"/>
-            </a:lvl6pPr>
-            <a:lvl7pPr marL="2743200" indent="0" algn="ctr">
-              <a:buNone/>
-              <a:defRPr sz="1600"/>
-            </a:lvl7pPr>
-            <a:lvl8pPr marL="3200400" indent="0" algn="ctr">
-              <a:buNone/>
-              <a:defRPr sz="1600"/>
-            </a:lvl8pPr>
-            <a:lvl9pPr marL="3657600" indent="0" algn="ctr">
-              <a:buNone/>
-              <a:defRPr sz="1600"/>
-            </a:lvl9pPr>
-          </a:lstStyle>
-          <a:p>
-            <a:r>
-              <a:rPr lang="en-US"/>
-              <a:t>Click to edit Master subtitle style</a:t>
-            </a:r>
-          </a:p>
-        </p:txBody>
-      </p:sp>
-      <p:sp>
-        <p:nvSpPr>
-          <p:cNvPr id="4" name="Date Placeholder 3">
-            <a:extLst>
-              <a:ext uri="{FF2B5EF4-FFF2-40B4-BE49-F238E27FC236}">
-                <a16:creationId xmlns:a16="http://schemas.microsoft.com/office/drawing/2014/main" id="{E43FE0D7-D5FB-3326-9483-F15495075853}"/>
-              </a:ext>
-            </a:extLst>
-          </p:cNvPr>
-          <p:cNvSpPr>
-            <a:spLocks noGrp="1"/>
-          </p:cNvSpPr>
-          <p:nvPr>
-            <p:ph type="dt" sz="half" idx="10"/>
-          </p:nvPr>
-        </p:nvSpPr>
-        <p:spPr/>
-        <p:txBody>
-          <a:bodyPr/>
-          <a:lstStyle/>
-          <a:p>
-            <a:fld id="{0BE24BAF-58C0-4D38-ABA0-4170CC92DC13}" type="datetimeFigureOut">
-              <a:rPr lang="en-US" smtClean="0"/>
-              <a:t>6/15/2024</a:t>
-            </a:fld>
-            <a:endParaRPr lang="en-US"/>
-          </a:p>
-        </p:txBody>
-      </p:sp>
-      <p:sp>
-        <p:nvSpPr>
-          <p:cNvPr id="5" name="Footer Placeholder 4">
-            <a:extLst>
-              <a:ext uri="{FF2B5EF4-FFF2-40B4-BE49-F238E27FC236}">
-                <a16:creationId xmlns:a16="http://schemas.microsoft.com/office/drawing/2014/main" id="{AAEBCD6E-6B69-E7FF-A8EA-F8E294BDA7E7}"/>
-              </a:ext>
-            </a:extLst>
-          </p:cNvPr>
-          <p:cNvSpPr>
-            <a:spLocks noGrp="1"/>
-          </p:cNvSpPr>
-          <p:nvPr>
-            <p:ph type="ftr" sz="quarter" idx="11"/>
-          </p:nvPr>
-        </p:nvSpPr>
-        <p:spPr/>
-        <p:txBody>
-          <a:bodyPr/>
-          <a:lstStyle/>
-          <a:p>
-            <a:endParaRPr lang="en-US"/>
-          </a:p>
-        </p:txBody>
-      </p:sp>
-      <p:sp>
-        <p:nvSpPr>
-          <p:cNvPr id="6" name="Slide Number Placeholder 5">
-            <a:extLst>
-              <a:ext uri="{FF2B5EF4-FFF2-40B4-BE49-F238E27FC236}">
-                <a16:creationId xmlns:a16="http://schemas.microsoft.com/office/drawing/2014/main" id="{FF22DB5A-E75D-49DD-123C-37B6BC85E903}"/>
-              </a:ext>
-            </a:extLst>
-          </p:cNvPr>
-          <p:cNvSpPr>
-            <a:spLocks noGrp="1"/>
-          </p:cNvSpPr>
-          <p:nvPr>
-            <p:ph type="sldNum" sz="quarter" idx="12"/>
-          </p:nvPr>
-        </p:nvSpPr>
-        <p:spPr/>
-        <p:txBody>
-          <a:bodyPr/>
-          <a:lstStyle/>
-          <a:p>
-            <a:fld id="{13D5471E-615E-4FAD-96CF-E230E8BB09F6}" type="slidenum">
-              <a:rPr lang="en-US" smtClean="0"/>
-              <a:t>‹#›</a:t>
-            </a:fld>
-            <a:endParaRPr lang="en-US"/>
-          </a:p>
-        </p:txBody>
-      </p:sp>
     </p:spTree>
     <p:extLst>
       <p:ext uri="{BB962C8B-B14F-4D97-AF65-F5344CB8AC3E}">
-        <p14:creationId xmlns:p14="http://schemas.microsoft.com/office/powerpoint/2010/main" val="267940307"/>
+        <p14:creationId xmlns:p14="http://schemas.microsoft.com/office/powerpoint/2010/main" val="864360636"/>
       </p:ext>
     </p:extLst>
   </p:cSld>
@@ -3752,7 +4387,7 @@
           <p:cNvPr id="2" name="Title 1">
             <a:extLst>
               <a:ext uri="{FF2B5EF4-FFF2-40B4-BE49-F238E27FC236}">
-                <a16:creationId xmlns:a16="http://schemas.microsoft.com/office/drawing/2014/main" id="{9B53F3F8-E052-488D-90D0-D947B99C4AE2}"/>
+                <a16:creationId xmlns:a16="http://schemas.microsoft.com/office/drawing/2014/main" id="{6A54579A-6906-4E6D-591C-C727DF060739}"/>
               </a:ext>
             </a:extLst>
           </p:cNvPr>
@@ -3763,7 +4398,15 @@
             <p:ph type="title"/>
           </p:nvPr>
         </p:nvSpPr>
-        <p:spPr/>
+        <p:spPr>
+          <a:xfrm>
+            <a:off x="602787" y="1498382"/>
+            <a:ext cx="10515600" cy="1325563"/>
+          </a:xfrm>
+          <a:prstGeom prst="rect">
+            <a:avLst/>
+          </a:prstGeom>
+        </p:spPr>
         <p:txBody>
           <a:bodyPr/>
           <a:lstStyle/>
@@ -3780,7 +4423,7 @@
           <p:cNvPr id="3" name="Content Placeholder 2">
             <a:extLst>
               <a:ext uri="{FF2B5EF4-FFF2-40B4-BE49-F238E27FC236}">
-                <a16:creationId xmlns:a16="http://schemas.microsoft.com/office/drawing/2014/main" id="{EDD73720-466D-068E-61C9-BDF9BF686AF3}"/>
+                <a16:creationId xmlns:a16="http://schemas.microsoft.com/office/drawing/2014/main" id="{9C426EAA-227D-5ECA-282E-3A3B3C8AE97C}"/>
               </a:ext>
             </a:extLst>
           </p:cNvPr>
@@ -3791,7 +4434,15 @@
             <p:ph idx="1"/>
           </p:nvPr>
         </p:nvSpPr>
-        <p:spPr/>
+        <p:spPr>
+          <a:xfrm>
+            <a:off x="838200" y="1825625"/>
+            <a:ext cx="10515600" cy="4351338"/>
+          </a:xfrm>
+          <a:prstGeom prst="rect">
+            <a:avLst/>
+          </a:prstGeom>
+        </p:spPr>
         <p:txBody>
           <a:bodyPr/>
           <a:lstStyle/>
@@ -3837,7 +4488,7 @@
           <p:cNvPr id="4" name="Date Placeholder 3">
             <a:extLst>
               <a:ext uri="{FF2B5EF4-FFF2-40B4-BE49-F238E27FC236}">
-                <a16:creationId xmlns:a16="http://schemas.microsoft.com/office/drawing/2014/main" id="{86D8B675-57D5-D89F-01F5-209268AB9E4B}"/>
+                <a16:creationId xmlns:a16="http://schemas.microsoft.com/office/drawing/2014/main" id="{7F651069-7D1F-49B9-3F01-D52A9F3A60B7}"/>
               </a:ext>
             </a:extLst>
           </p:cNvPr>
@@ -3848,14 +4499,22 @@
             <p:ph type="dt" sz="half" idx="10"/>
           </p:nvPr>
         </p:nvSpPr>
-        <p:spPr/>
+        <p:spPr>
+          <a:xfrm>
+            <a:off x="838200" y="6445249"/>
+            <a:ext cx="2743200" cy="365125"/>
+          </a:xfrm>
+          <a:prstGeom prst="rect">
+            <a:avLst/>
+          </a:prstGeom>
+        </p:spPr>
         <p:txBody>
           <a:bodyPr/>
           <a:lstStyle/>
           <a:p>
-            <a:fld id="{0D69348B-4620-44E9-BF3F-EACBA9EEF323}" type="datetimeFigureOut">
+            <a:fld id="{71087A05-F855-4434-8DDE-39A8542098A6}" type="datetimeFigureOut">
               <a:rPr lang="en-US" smtClean="0"/>
-              <a:t>6/15/2024</a:t>
+              <a:t>12/17/2024</a:t>
             </a:fld>
             <a:endParaRPr lang="en-US"/>
           </a:p>
@@ -3866,7 +4525,7 @@
           <p:cNvPr id="5" name="Footer Placeholder 4">
             <a:extLst>
               <a:ext uri="{FF2B5EF4-FFF2-40B4-BE49-F238E27FC236}">
-                <a16:creationId xmlns:a16="http://schemas.microsoft.com/office/drawing/2014/main" id="{7053F998-E2CB-02E4-49BF-97696F865F45}"/>
+                <a16:creationId xmlns:a16="http://schemas.microsoft.com/office/drawing/2014/main" id="{5756067D-C727-84C7-612B-F665F36170EE}"/>
               </a:ext>
             </a:extLst>
           </p:cNvPr>
@@ -3877,7 +4536,15 @@
             <p:ph type="ftr" sz="quarter" idx="11"/>
           </p:nvPr>
         </p:nvSpPr>
-        <p:spPr/>
+        <p:spPr>
+          <a:xfrm>
+            <a:off x="4038600" y="6356350"/>
+            <a:ext cx="4114800" cy="365125"/>
+          </a:xfrm>
+          <a:prstGeom prst="rect">
+            <a:avLst/>
+          </a:prstGeom>
+        </p:spPr>
         <p:txBody>
           <a:bodyPr/>
           <a:lstStyle/>
@@ -3891,7 +4558,7 @@
           <p:cNvPr id="6" name="Slide Number Placeholder 5">
             <a:extLst>
               <a:ext uri="{FF2B5EF4-FFF2-40B4-BE49-F238E27FC236}">
-                <a16:creationId xmlns:a16="http://schemas.microsoft.com/office/drawing/2014/main" id="{FED59867-B8CC-A6E9-DDC7-43729DA70B76}"/>
+                <a16:creationId xmlns:a16="http://schemas.microsoft.com/office/drawing/2014/main" id="{A3C64F88-1C59-3F79-931F-4F91F22F14D3}"/>
               </a:ext>
             </a:extLst>
           </p:cNvPr>
@@ -3902,12 +4569,20 @@
             <p:ph type="sldNum" sz="quarter" idx="12"/>
           </p:nvPr>
         </p:nvSpPr>
-        <p:spPr/>
+        <p:spPr>
+          <a:xfrm>
+            <a:off x="8610600" y="6356350"/>
+            <a:ext cx="2743200" cy="365125"/>
+          </a:xfrm>
+          <a:prstGeom prst="rect">
+            <a:avLst/>
+          </a:prstGeom>
+        </p:spPr>
         <p:txBody>
           <a:bodyPr/>
           <a:lstStyle/>
           <a:p>
-            <a:fld id="{986C47A0-D0C4-4E8A-BEE9-37B09C3712B2}" type="slidenum">
+            <a:fld id="{6C0014F0-3D1D-4459-A530-32E6C19AE461}" type="slidenum">
               <a:rPr lang="en-US" smtClean="0"/>
               <a:t>‹#›</a:t>
             </a:fld>
@@ -3918,7 +4593,7 @@
     </p:spTree>
     <p:extLst>
       <p:ext uri="{BB962C8B-B14F-4D97-AF65-F5344CB8AC3E}">
-        <p14:creationId xmlns:p14="http://schemas.microsoft.com/office/powerpoint/2010/main" val="1773732037"/>
+        <p14:creationId xmlns:p14="http://schemas.microsoft.com/office/powerpoint/2010/main" val="3011347960"/>
       </p:ext>
     </p:extLst>
   </p:cSld>
@@ -3950,7 +4625,7 @@
           <p:cNvPr id="2" name="Title 1">
             <a:extLst>
               <a:ext uri="{FF2B5EF4-FFF2-40B4-BE49-F238E27FC236}">
-                <a16:creationId xmlns:a16="http://schemas.microsoft.com/office/drawing/2014/main" id="{24562E59-A35F-2B41-2BE7-EC4592347134}"/>
+                <a16:creationId xmlns:a16="http://schemas.microsoft.com/office/drawing/2014/main" id="{C2E67B73-4EBE-86E7-DEDC-379A7358D71A}"/>
               </a:ext>
             </a:extLst>
           </p:cNvPr>
@@ -3966,6 +4641,9 @@
             <a:off x="831850" y="1709738"/>
             <a:ext cx="10515600" cy="2852737"/>
           </a:xfrm>
+          <a:prstGeom prst="rect">
+            <a:avLst/>
+          </a:prstGeom>
         </p:spPr>
         <p:txBody>
           <a:bodyPr anchor="b"/>
@@ -3987,7 +4665,7 @@
           <p:cNvPr id="3" name="Text Placeholder 2">
             <a:extLst>
               <a:ext uri="{FF2B5EF4-FFF2-40B4-BE49-F238E27FC236}">
-                <a16:creationId xmlns:a16="http://schemas.microsoft.com/office/drawing/2014/main" id="{6CB88CFD-8D25-CDFD-1F9A-6A5BAFD86DD9}"/>
+                <a16:creationId xmlns:a16="http://schemas.microsoft.com/office/drawing/2014/main" id="{39DC486F-4B2F-BAA7-822D-AF77A301C3EF}"/>
               </a:ext>
             </a:extLst>
           </p:cNvPr>
@@ -4003,6 +4681,9 @@
             <a:off x="831850" y="4589463"/>
             <a:ext cx="10515600" cy="1500187"/>
           </a:xfrm>
+          <a:prstGeom prst="rect">
+            <a:avLst/>
+          </a:prstGeom>
         </p:spPr>
         <p:txBody>
           <a:bodyPr/>
@@ -4012,7 +4693,7 @@
               <a:defRPr sz="2400">
                 <a:solidFill>
                   <a:schemeClr val="tx1">
-                    <a:tint val="75000"/>
+                    <a:tint val="82000"/>
                   </a:schemeClr>
                 </a:solidFill>
               </a:defRPr>
@@ -4022,7 +4703,7 @@
               <a:defRPr sz="2000">
                 <a:solidFill>
                   <a:schemeClr val="tx1">
-                    <a:tint val="75000"/>
+                    <a:tint val="82000"/>
                   </a:schemeClr>
                 </a:solidFill>
               </a:defRPr>
@@ -4032,7 +4713,7 @@
               <a:defRPr sz="1800">
                 <a:solidFill>
                   <a:schemeClr val="tx1">
-                    <a:tint val="75000"/>
+                    <a:tint val="82000"/>
                   </a:schemeClr>
                 </a:solidFill>
               </a:defRPr>
@@ -4042,7 +4723,7 @@
               <a:defRPr sz="1600">
                 <a:solidFill>
                   <a:schemeClr val="tx1">
-                    <a:tint val="75000"/>
+                    <a:tint val="82000"/>
                   </a:schemeClr>
                 </a:solidFill>
               </a:defRPr>
@@ -4052,7 +4733,7 @@
               <a:defRPr sz="1600">
                 <a:solidFill>
                   <a:schemeClr val="tx1">
-                    <a:tint val="75000"/>
+                    <a:tint val="82000"/>
                   </a:schemeClr>
                 </a:solidFill>
               </a:defRPr>
@@ -4062,7 +4743,7 @@
               <a:defRPr sz="1600">
                 <a:solidFill>
                   <a:schemeClr val="tx1">
-                    <a:tint val="75000"/>
+                    <a:tint val="82000"/>
                   </a:schemeClr>
                 </a:solidFill>
               </a:defRPr>
@@ -4072,7 +4753,7 @@
               <a:defRPr sz="1600">
                 <a:solidFill>
                   <a:schemeClr val="tx1">
-                    <a:tint val="75000"/>
+                    <a:tint val="82000"/>
                   </a:schemeClr>
                 </a:solidFill>
               </a:defRPr>
@@ -4082,7 +4763,7 @@
               <a:defRPr sz="1600">
                 <a:solidFill>
                   <a:schemeClr val="tx1">
-                    <a:tint val="75000"/>
+                    <a:tint val="82000"/>
                   </a:schemeClr>
                 </a:solidFill>
               </a:defRPr>
@@ -4092,7 +4773,7 @@
               <a:defRPr sz="1600">
                 <a:solidFill>
                   <a:schemeClr val="tx1">
-                    <a:tint val="75000"/>
+                    <a:tint val="82000"/>
                   </a:schemeClr>
                 </a:solidFill>
               </a:defRPr>
@@ -4112,7 +4793,7 @@
           <p:cNvPr id="4" name="Date Placeholder 3">
             <a:extLst>
               <a:ext uri="{FF2B5EF4-FFF2-40B4-BE49-F238E27FC236}">
-                <a16:creationId xmlns:a16="http://schemas.microsoft.com/office/drawing/2014/main" id="{5DC2235C-EA94-C1E9-D4DB-83056BF4C68F}"/>
+                <a16:creationId xmlns:a16="http://schemas.microsoft.com/office/drawing/2014/main" id="{AC1AB7C3-5E85-3B9F-4177-A1AF2AB486D8}"/>
               </a:ext>
             </a:extLst>
           </p:cNvPr>
@@ -4123,14 +4804,22 @@
             <p:ph type="dt" sz="half" idx="10"/>
           </p:nvPr>
         </p:nvSpPr>
-        <p:spPr/>
+        <p:spPr>
+          <a:xfrm>
+            <a:off x="838200" y="6445249"/>
+            <a:ext cx="2743200" cy="365125"/>
+          </a:xfrm>
+          <a:prstGeom prst="rect">
+            <a:avLst/>
+          </a:prstGeom>
+        </p:spPr>
         <p:txBody>
           <a:bodyPr/>
           <a:lstStyle/>
           <a:p>
-            <a:fld id="{0D69348B-4620-44E9-BF3F-EACBA9EEF323}" type="datetimeFigureOut">
+            <a:fld id="{71087A05-F855-4434-8DDE-39A8542098A6}" type="datetimeFigureOut">
               <a:rPr lang="en-US" smtClean="0"/>
-              <a:t>6/15/2024</a:t>
+              <a:t>12/17/2024</a:t>
             </a:fld>
             <a:endParaRPr lang="en-US"/>
           </a:p>
@@ -4141,7 +4830,7 @@
           <p:cNvPr id="5" name="Footer Placeholder 4">
             <a:extLst>
               <a:ext uri="{FF2B5EF4-FFF2-40B4-BE49-F238E27FC236}">
-                <a16:creationId xmlns:a16="http://schemas.microsoft.com/office/drawing/2014/main" id="{E178E07A-E8A4-2767-2911-D824C588F20D}"/>
+                <a16:creationId xmlns:a16="http://schemas.microsoft.com/office/drawing/2014/main" id="{8950E3CD-02DB-7A08-79DC-74CA926DE70F}"/>
               </a:ext>
             </a:extLst>
           </p:cNvPr>
@@ -4152,7 +4841,15 @@
             <p:ph type="ftr" sz="quarter" idx="11"/>
           </p:nvPr>
         </p:nvSpPr>
-        <p:spPr/>
+        <p:spPr>
+          <a:xfrm>
+            <a:off x="4038600" y="6356350"/>
+            <a:ext cx="4114800" cy="365125"/>
+          </a:xfrm>
+          <a:prstGeom prst="rect">
+            <a:avLst/>
+          </a:prstGeom>
+        </p:spPr>
         <p:txBody>
           <a:bodyPr/>
           <a:lstStyle/>
@@ -4166,7 +4863,7 @@
           <p:cNvPr id="6" name="Slide Number Placeholder 5">
             <a:extLst>
               <a:ext uri="{FF2B5EF4-FFF2-40B4-BE49-F238E27FC236}">
-                <a16:creationId xmlns:a16="http://schemas.microsoft.com/office/drawing/2014/main" id="{6D865987-67F3-82BA-9FFE-7A512551887E}"/>
+                <a16:creationId xmlns:a16="http://schemas.microsoft.com/office/drawing/2014/main" id="{78D6A67F-8469-E8AB-D35D-DEC64EA01BF9}"/>
               </a:ext>
             </a:extLst>
           </p:cNvPr>
@@ -4177,12 +4874,20 @@
             <p:ph type="sldNum" sz="quarter" idx="12"/>
           </p:nvPr>
         </p:nvSpPr>
-        <p:spPr/>
+        <p:spPr>
+          <a:xfrm>
+            <a:off x="8610600" y="6356350"/>
+            <a:ext cx="2743200" cy="365125"/>
+          </a:xfrm>
+          <a:prstGeom prst="rect">
+            <a:avLst/>
+          </a:prstGeom>
+        </p:spPr>
         <p:txBody>
           <a:bodyPr/>
           <a:lstStyle/>
           <a:p>
-            <a:fld id="{986C47A0-D0C4-4E8A-BEE9-37B09C3712B2}" type="slidenum">
+            <a:fld id="{6C0014F0-3D1D-4459-A530-32E6C19AE461}" type="slidenum">
               <a:rPr lang="en-US" smtClean="0"/>
               <a:t>‹#›</a:t>
             </a:fld>
@@ -4193,7 +4898,7 @@
     </p:spTree>
     <p:extLst>
       <p:ext uri="{BB962C8B-B14F-4D97-AF65-F5344CB8AC3E}">
-        <p14:creationId xmlns:p14="http://schemas.microsoft.com/office/powerpoint/2010/main" val="3968263454"/>
+        <p14:creationId xmlns:p14="http://schemas.microsoft.com/office/powerpoint/2010/main" val="42404326"/>
       </p:ext>
     </p:extLst>
   </p:cSld>
@@ -4262,14 +4967,14 @@
           </a:ln>
           <a:extLst>
             <a:ext uri="{909E8E84-426E-40dd-AFC4-6F175D3DCCD1}">
-              <a14:hiddenFill xmlns="" xmlns:a14="http://schemas.microsoft.com/office/drawing/2010/main">
+              <a14:hiddenFill xmlns:a14="http://schemas.microsoft.com/office/drawing/2010/main" xmlns="">
                 <a:solidFill>
                   <a:srgbClr val="FFFFFF"/>
                 </a:solidFill>
               </a14:hiddenFill>
             </a:ext>
             <a:ext uri="{91240B29-F687-4f45-9708-019B960494DF}">
-              <a14:hiddenLine xmlns="" xmlns:a14="http://schemas.microsoft.com/office/drawing/2010/main" w="9525">
+              <a14:hiddenLine xmlns:a14="http://schemas.microsoft.com/office/drawing/2010/main" xmlns="" w="9525">
                 <a:solidFill>
                   <a:srgbClr val="000000"/>
                 </a:solidFill>
@@ -4939,244 +5644,131 @@
           <a:chExt cx="0" cy="0"/>
         </a:xfrm>
       </p:grpSpPr>
-      <p:sp>
-        <p:nvSpPr>
-          <p:cNvPr id="2" name="Title Placeholder 1">
+      <p:pic>
+        <p:nvPicPr>
+          <p:cNvPr id="7" name="Picture 6">
             <a:extLst>
               <a:ext uri="{FF2B5EF4-FFF2-40B4-BE49-F238E27FC236}">
-                <a16:creationId xmlns:a16="http://schemas.microsoft.com/office/drawing/2014/main" id="{DADBBF7B-0A87-603A-6F96-ED995D2876BC}"/>
+                <a16:creationId xmlns:a16="http://schemas.microsoft.com/office/drawing/2014/main" id="{AEB2CF3C-8982-A5D5-05DB-5BF3F09E24AE}"/>
+              </a:ext>
+              <a:ext uri="{C183D7F6-B498-43B3-948B-1728B52AA6E4}">
+                <adec:decorative xmlns:adec="http://schemas.microsoft.com/office/drawing/2017/decorative" val="1"/>
               </a:ext>
             </a:extLst>
           </p:cNvPr>
-          <p:cNvSpPr>
-            <a:spLocks noGrp="1"/>
-          </p:cNvSpPr>
-          <p:nvPr>
-            <p:ph type="title"/>
-          </p:nvPr>
-        </p:nvSpPr>
+          <p:cNvPicPr>
+            <a:picLocks noChangeAspect="1"/>
+          </p:cNvPicPr>
+          <p:nvPr userDrawn="1"/>
+        </p:nvPicPr>
+        <p:blipFill>
+          <a:blip r:embed="rId13">
+            <a:extLst>
+              <a:ext uri="{28A0092B-C50C-407E-A947-70E740481C1C}">
+                <a14:useLocalDpi xmlns:a14="http://schemas.microsoft.com/office/drawing/2010/main" val="0"/>
+              </a:ext>
+            </a:extLst>
+          </a:blip>
+          <a:stretch>
+            <a:fillRect/>
+          </a:stretch>
+        </p:blipFill>
         <p:spPr>
           <a:xfrm>
-            <a:off x="838200" y="365125"/>
-            <a:ext cx="10515600" cy="1325563"/>
+            <a:off x="212436" y="236453"/>
+            <a:ext cx="11767127" cy="787737"/>
           </a:xfrm>
           <a:prstGeom prst="rect">
             <a:avLst/>
           </a:prstGeom>
         </p:spPr>
-        <p:txBody>
-          <a:bodyPr vert="horz" lIns="91440" tIns="45720" rIns="91440" bIns="45720" rtlCol="0" anchor="ctr">
-            <a:normAutofit/>
-          </a:bodyPr>
-          <a:lstStyle/>
-          <a:p>
-            <a:r>
-              <a:rPr lang="en-US"/>
-              <a:t>Click to edit Master title style</a:t>
-            </a:r>
-          </a:p>
-        </p:txBody>
-      </p:sp>
-      <p:sp>
-        <p:nvSpPr>
-          <p:cNvPr id="3" name="Text Placeholder 2">
+      </p:pic>
+      <p:cxnSp>
+        <p:nvCxnSpPr>
+          <p:cNvPr id="9" name="Straight Connector 8">
             <a:extLst>
               <a:ext uri="{FF2B5EF4-FFF2-40B4-BE49-F238E27FC236}">
-                <a16:creationId xmlns:a16="http://schemas.microsoft.com/office/drawing/2014/main" id="{1EBB9990-0CBB-2977-C631-37F97EB6D7A7}"/>
+                <a16:creationId xmlns:a16="http://schemas.microsoft.com/office/drawing/2014/main" id="{DE7FEFD9-5638-352F-A6ED-06F1FDE322D4}"/>
               </a:ext>
             </a:extLst>
           </p:cNvPr>
-          <p:cNvSpPr>
-            <a:spLocks noGrp="1"/>
-          </p:cNvSpPr>
-          <p:nvPr>
-            <p:ph type="body" idx="1"/>
-          </p:nvPr>
+          <p:cNvCxnSpPr>
+            <a:cxnSpLocks/>
+          </p:cNvCxnSpPr>
+          <p:nvPr userDrawn="1"/>
+        </p:nvCxnSpPr>
+        <p:spPr>
+          <a:xfrm>
+            <a:off x="175490" y="1099127"/>
+            <a:ext cx="11841020" cy="0"/>
+          </a:xfrm>
+          <a:prstGeom prst="line">
+            <a:avLst/>
+          </a:prstGeom>
+          <a:ln w="38100">
+            <a:solidFill>
+              <a:srgbClr val="A13C39"/>
+            </a:solidFill>
+          </a:ln>
+        </p:spPr>
+        <p:style>
+          <a:lnRef idx="2">
+            <a:schemeClr val="accent1"/>
+          </a:lnRef>
+          <a:fillRef idx="0">
+            <a:schemeClr val="accent1"/>
+          </a:fillRef>
+          <a:effectRef idx="1">
+            <a:schemeClr val="accent1"/>
+          </a:effectRef>
+          <a:fontRef idx="minor">
+            <a:schemeClr val="tx1"/>
+          </a:fontRef>
+        </p:style>
+      </p:cxnSp>
+      <p:sp>
+        <p:nvSpPr>
+          <p:cNvPr id="11" name="Rectangle 10">
+            <a:extLst>
+              <a:ext uri="{FF2B5EF4-FFF2-40B4-BE49-F238E27FC236}">
+                <a16:creationId xmlns:a16="http://schemas.microsoft.com/office/drawing/2014/main" id="{910C5C32-408D-8072-82C8-297384424B54}"/>
+              </a:ext>
+            </a:extLst>
+          </p:cNvPr>
+          <p:cNvSpPr/>
+          <p:nvPr userDrawn="1"/>
         </p:nvSpPr>
         <p:spPr>
           <a:xfrm>
-            <a:off x="838200" y="1825625"/>
-            <a:ext cx="10515600" cy="4351338"/>
+            <a:off x="175492" y="184727"/>
+            <a:ext cx="11841018" cy="6493164"/>
           </a:xfrm>
           <a:prstGeom prst="rect">
             <a:avLst/>
           </a:prstGeom>
+          <a:noFill/>
         </p:spPr>
+        <p:style>
+          <a:lnRef idx="2">
+            <a:schemeClr val="accent1">
+              <a:shade val="15000"/>
+            </a:schemeClr>
+          </a:lnRef>
+          <a:fillRef idx="1">
+            <a:schemeClr val="accent1"/>
+          </a:fillRef>
+          <a:effectRef idx="0">
+            <a:schemeClr val="accent1"/>
+          </a:effectRef>
+          <a:fontRef idx="minor">
+            <a:schemeClr val="lt1"/>
+          </a:fontRef>
+        </p:style>
         <p:txBody>
-          <a:bodyPr vert="horz" lIns="91440" tIns="45720" rIns="91440" bIns="45720" rtlCol="0">
-            <a:normAutofit/>
-          </a:bodyPr>
+          <a:bodyPr rtlCol="0" anchor="ctr"/>
           <a:lstStyle/>
           <a:p>
-            <a:pPr lvl="0"/>
-            <a:r>
-              <a:rPr lang="en-US"/>
-              <a:t>Click to edit Master text styles</a:t>
-            </a:r>
-          </a:p>
-          <a:p>
-            <a:pPr lvl="1"/>
-            <a:r>
-              <a:rPr lang="en-US"/>
-              <a:t>Second level</a:t>
-            </a:r>
-          </a:p>
-          <a:p>
-            <a:pPr lvl="2"/>
-            <a:r>
-              <a:rPr lang="en-US"/>
-              <a:t>Third level</a:t>
-            </a:r>
-          </a:p>
-          <a:p>
-            <a:pPr lvl="3"/>
-            <a:r>
-              <a:rPr lang="en-US"/>
-              <a:t>Fourth level</a:t>
-            </a:r>
-          </a:p>
-          <a:p>
-            <a:pPr lvl="4"/>
-            <a:r>
-              <a:rPr lang="en-US"/>
-              <a:t>Fifth level</a:t>
-            </a:r>
-          </a:p>
-        </p:txBody>
-      </p:sp>
-      <p:sp>
-        <p:nvSpPr>
-          <p:cNvPr id="4" name="Date Placeholder 3">
-            <a:extLst>
-              <a:ext uri="{FF2B5EF4-FFF2-40B4-BE49-F238E27FC236}">
-                <a16:creationId xmlns:a16="http://schemas.microsoft.com/office/drawing/2014/main" id="{F336638E-F817-1BC9-ECB7-18071DC44D12}"/>
-              </a:ext>
-            </a:extLst>
-          </p:cNvPr>
-          <p:cNvSpPr>
-            <a:spLocks noGrp="1"/>
-          </p:cNvSpPr>
-          <p:nvPr>
-            <p:ph type="dt" sz="half" idx="2"/>
-          </p:nvPr>
-        </p:nvSpPr>
-        <p:spPr>
-          <a:xfrm>
-            <a:off x="838200" y="6356350"/>
-            <a:ext cx="2743200" cy="365125"/>
-          </a:xfrm>
-          <a:prstGeom prst="rect">
-            <a:avLst/>
-          </a:prstGeom>
-        </p:spPr>
-        <p:txBody>
-          <a:bodyPr vert="horz" lIns="91440" tIns="45720" rIns="91440" bIns="45720" rtlCol="0" anchor="ctr"/>
-          <a:lstStyle>
-            <a:lvl1pPr algn="l">
-              <a:defRPr sz="1200">
-                <a:solidFill>
-                  <a:schemeClr val="tx1">
-                    <a:tint val="75000"/>
-                  </a:schemeClr>
-                </a:solidFill>
-              </a:defRPr>
-            </a:lvl1pPr>
-          </a:lstStyle>
-          <a:p>
-            <a:fld id="{0D69348B-4620-44E9-BF3F-EACBA9EEF323}" type="datetimeFigureOut">
-              <a:rPr lang="en-US" smtClean="0"/>
-              <a:t>6/15/2024</a:t>
-            </a:fld>
-            <a:endParaRPr lang="en-US"/>
-          </a:p>
-        </p:txBody>
-      </p:sp>
-      <p:sp>
-        <p:nvSpPr>
-          <p:cNvPr id="5" name="Footer Placeholder 4">
-            <a:extLst>
-              <a:ext uri="{FF2B5EF4-FFF2-40B4-BE49-F238E27FC236}">
-                <a16:creationId xmlns:a16="http://schemas.microsoft.com/office/drawing/2014/main" id="{60C57151-F515-08FA-FD9F-F59EDF1B6581}"/>
-              </a:ext>
-            </a:extLst>
-          </p:cNvPr>
-          <p:cNvSpPr>
-            <a:spLocks noGrp="1"/>
-          </p:cNvSpPr>
-          <p:nvPr>
-            <p:ph type="ftr" sz="quarter" idx="3"/>
-          </p:nvPr>
-        </p:nvSpPr>
-        <p:spPr>
-          <a:xfrm>
-            <a:off x="4038600" y="6356350"/>
-            <a:ext cx="4114800" cy="365125"/>
-          </a:xfrm>
-          <a:prstGeom prst="rect">
-            <a:avLst/>
-          </a:prstGeom>
-        </p:spPr>
-        <p:txBody>
-          <a:bodyPr vert="horz" lIns="91440" tIns="45720" rIns="91440" bIns="45720" rtlCol="0" anchor="ctr"/>
-          <a:lstStyle>
-            <a:lvl1pPr algn="ctr">
-              <a:defRPr sz="1200">
-                <a:solidFill>
-                  <a:schemeClr val="tx1">
-                    <a:tint val="75000"/>
-                  </a:schemeClr>
-                </a:solidFill>
-              </a:defRPr>
-            </a:lvl1pPr>
-          </a:lstStyle>
-          <a:p>
-            <a:endParaRPr lang="en-US"/>
-          </a:p>
-        </p:txBody>
-      </p:sp>
-      <p:sp>
-        <p:nvSpPr>
-          <p:cNvPr id="6" name="Slide Number Placeholder 5">
-            <a:extLst>
-              <a:ext uri="{FF2B5EF4-FFF2-40B4-BE49-F238E27FC236}">
-                <a16:creationId xmlns:a16="http://schemas.microsoft.com/office/drawing/2014/main" id="{F7D361D9-183D-9DF9-C01C-5B530B1CB880}"/>
-              </a:ext>
-            </a:extLst>
-          </p:cNvPr>
-          <p:cNvSpPr>
-            <a:spLocks noGrp="1"/>
-          </p:cNvSpPr>
-          <p:nvPr>
-            <p:ph type="sldNum" sz="quarter" idx="4"/>
-          </p:nvPr>
-        </p:nvSpPr>
-        <p:spPr>
-          <a:xfrm>
-            <a:off x="8610600" y="6356350"/>
-            <a:ext cx="2743200" cy="365125"/>
-          </a:xfrm>
-          <a:prstGeom prst="rect">
-            <a:avLst/>
-          </a:prstGeom>
-        </p:spPr>
-        <p:txBody>
-          <a:bodyPr vert="horz" lIns="91440" tIns="45720" rIns="91440" bIns="45720" rtlCol="0" anchor="ctr"/>
-          <a:lstStyle>
-            <a:lvl1pPr algn="r">
-              <a:defRPr sz="1200">
-                <a:solidFill>
-                  <a:schemeClr val="tx1">
-                    <a:tint val="75000"/>
-                  </a:schemeClr>
-                </a:solidFill>
-              </a:defRPr>
-            </a:lvl1pPr>
-          </a:lstStyle>
-          <a:p>
-            <a:fld id="{986C47A0-D0C4-4E8A-BEE9-37B09C3712B2}" type="slidenum">
-              <a:rPr lang="en-US" smtClean="0"/>
-              <a:t>‹#›</a:t>
-            </a:fld>
+            <a:pPr algn="ctr"/>
             <a:endParaRPr lang="en-US"/>
           </a:p>
         </p:txBody>
@@ -5184,28 +5776,27 @@
     </p:spTree>
     <p:extLst>
       <p:ext uri="{BB962C8B-B14F-4D97-AF65-F5344CB8AC3E}">
-        <p14:creationId xmlns:p14="http://schemas.microsoft.com/office/powerpoint/2010/main" val="3136267371"/>
+        <p14:creationId xmlns:p14="http://schemas.microsoft.com/office/powerpoint/2010/main" val="3048813194"/>
       </p:ext>
     </p:extLst>
   </p:cSld>
   <p:clrMap bg1="lt1" tx1="dk1" bg2="lt2" tx2="dk2" accent1="accent1" accent2="accent2" accent3="accent3" accent4="accent4" accent5="accent5" accent6="accent6" hlink="hlink" folHlink="folHlink"/>
   <p:sldLayoutIdLst>
-    <p:sldLayoutId id="2147483682" r:id="rId1"/>
-    <p:sldLayoutId id="2147483683" r:id="rId2"/>
-    <p:sldLayoutId id="2147483684" r:id="rId3"/>
-    <p:sldLayoutId id="2147483685" r:id="rId4"/>
-    <p:sldLayoutId id="2147483686" r:id="rId5"/>
-    <p:sldLayoutId id="2147483687" r:id="rId6"/>
-    <p:sldLayoutId id="2147483688" r:id="rId7"/>
-    <p:sldLayoutId id="2147483689" r:id="rId8"/>
-    <p:sldLayoutId id="2147483690" r:id="rId9"/>
-    <p:sldLayoutId id="2147483691" r:id="rId10"/>
-    <p:sldLayoutId id="2147483692" r:id="rId11"/>
-    <p:sldLayoutId id="2147483693" r:id="rId12"/>
+    <p:sldLayoutId id="2147483695" r:id="rId1"/>
+    <p:sldLayoutId id="2147483696" r:id="rId2"/>
+    <p:sldLayoutId id="2147483697" r:id="rId3"/>
+    <p:sldLayoutId id="2147483698" r:id="rId4"/>
+    <p:sldLayoutId id="2147483699" r:id="rId5"/>
+    <p:sldLayoutId id="2147483700" r:id="rId6"/>
+    <p:sldLayoutId id="2147483701" r:id="rId7"/>
+    <p:sldLayoutId id="2147483702" r:id="rId8"/>
+    <p:sldLayoutId id="2147483703" r:id="rId9"/>
+    <p:sldLayoutId id="2147483704" r:id="rId10"/>
+    <p:sldLayoutId id="2147483705" r:id="rId11"/>
   </p:sldLayoutIdLst>
   <p:txStyles>
     <p:titleStyle>
-      <a:lvl1pPr algn="l" defTabSz="914400" rtl="0" eaLnBrk="1" latinLnBrk="0" hangingPunct="1">
+      <a:lvl1pPr algn="ctr" defTabSz="914400" rtl="0" eaLnBrk="1" latinLnBrk="0" hangingPunct="1">
         <a:lnSpc>
           <a:spcPct val="90000"/>
         </a:lnSpc>
@@ -5505,56 +6096,57 @@
       </p:grpSpPr>
       <p:sp>
         <p:nvSpPr>
-          <p:cNvPr id="2" name="Title 1">
+          <p:cNvPr id="4" name="Title 1">
             <a:extLst>
               <a:ext uri="{FF2B5EF4-FFF2-40B4-BE49-F238E27FC236}">
-                <a16:creationId xmlns:a16="http://schemas.microsoft.com/office/drawing/2014/main" id="{6FCA7FD7-E3CD-7A2C-5AF7-2EE59026C9D4}"/>
+                <a16:creationId xmlns:a16="http://schemas.microsoft.com/office/drawing/2014/main" id="{9691B09A-452B-F91E-1874-91864377CE06}"/>
               </a:ext>
             </a:extLst>
           </p:cNvPr>
-          <p:cNvSpPr>
-            <a:spLocks noGrp="1"/>
+          <p:cNvSpPr txBox="1">
+            <a:spLocks/>
           </p:cNvSpPr>
-          <p:nvPr>
-            <p:ph type="ctrTitle"/>
-          </p:nvPr>
+          <p:nvPr/>
         </p:nvSpPr>
-        <p:spPr/>
+        <p:spPr>
+          <a:xfrm>
+            <a:off x="1399128" y="3085201"/>
+            <a:ext cx="9393743" cy="687598"/>
+          </a:xfrm>
+          <a:prstGeom prst="rect">
+            <a:avLst/>
+          </a:prstGeom>
+        </p:spPr>
         <p:txBody>
           <a:bodyPr/>
-          <a:lstStyle/>
-          <a:p>
+          <a:lstStyle>
+            <a:lvl1pPr algn="ctr" defTabSz="914400" rtl="0" eaLnBrk="1" latinLnBrk="0" hangingPunct="1">
+              <a:lnSpc>
+                <a:spcPct val="90000"/>
+              </a:lnSpc>
+              <a:spcBef>
+                <a:spcPct val="0"/>
+              </a:spcBef>
+              <a:buNone/>
+              <a:defRPr sz="4400" kern="1200">
+                <a:solidFill>
+                  <a:schemeClr val="tx1"/>
+                </a:solidFill>
+                <a:latin typeface="+mj-lt"/>
+                <a:ea typeface="+mj-ea"/>
+                <a:cs typeface="+mj-cs"/>
+              </a:defRPr>
+            </a:lvl1pPr>
+          </a:lstStyle>
+          <a:p>
+            <a:pPr fontAlgn="auto">
+              <a:spcAft>
+                <a:spcPts val="0"/>
+              </a:spcAft>
+            </a:pPr>
             <a:r>
               <a:rPr lang="en-US" dirty="0"/>
               <a:t>CIT 361/CYBER 360: Advanced Scripting</a:t>
-            </a:r>
-          </a:p>
-        </p:txBody>
-      </p:sp>
-      <p:sp>
-        <p:nvSpPr>
-          <p:cNvPr id="3" name="Subtitle 2">
-            <a:extLst>
-              <a:ext uri="{FF2B5EF4-FFF2-40B4-BE49-F238E27FC236}">
-                <a16:creationId xmlns:a16="http://schemas.microsoft.com/office/drawing/2014/main" id="{8586CD17-5B17-5D66-987C-05DC748B3FF9}"/>
-              </a:ext>
-            </a:extLst>
-          </p:cNvPr>
-          <p:cNvSpPr>
-            <a:spLocks noGrp="1"/>
-          </p:cNvSpPr>
-          <p:nvPr>
-            <p:ph type="subTitle" idx="1"/>
-          </p:nvPr>
-        </p:nvSpPr>
-        <p:spPr/>
-        <p:txBody>
-          <a:bodyPr/>
-          <a:lstStyle/>
-          <a:p>
-            <a:r>
-              <a:rPr lang="en-US" dirty="0"/>
-              <a:t>8.2: Creating Object-Oriented Methods</a:t>
             </a:r>
           </a:p>
         </p:txBody>
@@ -5562,7 +6154,7 @@
     </p:spTree>
     <p:extLst>
       <p:ext uri="{BB962C8B-B14F-4D97-AF65-F5344CB8AC3E}">
-        <p14:creationId xmlns:p14="http://schemas.microsoft.com/office/powerpoint/2010/main" val="3644072983"/>
+        <p14:creationId xmlns:p14="http://schemas.microsoft.com/office/powerpoint/2010/main" val="325146105"/>
       </p:ext>
     </p:extLst>
   </p:cSld>
@@ -5577,7 +6169,13 @@
   <p:cSld>
     <p:spTree>
       <p:nvGrpSpPr>
-        <p:cNvPr id="1" name=""/>
+        <p:cNvPr id="1" name="">
+          <a:extLst>
+            <a:ext uri="{FF2B5EF4-FFF2-40B4-BE49-F238E27FC236}">
+              <a16:creationId xmlns:a16="http://schemas.microsoft.com/office/drawing/2014/main" id="{ED27DAFF-F168-F5A2-A9A7-F973E4F02D91}"/>
+            </a:ext>
+          </a:extLst>
+        </p:cNvPr>
         <p:cNvGrpSpPr/>
         <p:nvPr/>
       </p:nvGrpSpPr>
@@ -5591,29 +6189,204 @@
       </p:grpSpPr>
       <p:sp>
         <p:nvSpPr>
-          <p:cNvPr id="2" name="Text Placeholder 1">
+          <p:cNvPr id="4" name="Text Placeholder 1">
             <a:extLst>
               <a:ext uri="{FF2B5EF4-FFF2-40B4-BE49-F238E27FC236}">
                 <a16:creationId xmlns:a16="http://schemas.microsoft.com/office/drawing/2014/main" id="{64492E64-A68B-8CA7-B3C6-044F7C8E76AB}"/>
               </a:ext>
             </a:extLst>
           </p:cNvPr>
-          <p:cNvSpPr>
-            <a:spLocks noGrp="1"/>
+          <p:cNvSpPr txBox="1">
+            <a:spLocks/>
           </p:cNvSpPr>
-          <p:nvPr>
-            <p:ph type="body" sz="quarter" idx="10"/>
-          </p:nvPr>
+          <p:nvPr/>
         </p:nvSpPr>
-        <p:spPr/>
+        <p:spPr>
+          <a:xfrm>
+            <a:off x="3550831" y="1232010"/>
+            <a:ext cx="5090335" cy="724247"/>
+          </a:xfrm>
+          <a:prstGeom prst="rect">
+            <a:avLst/>
+          </a:prstGeom>
+        </p:spPr>
         <p:txBody>
           <a:bodyPr>
-            <a:normAutofit fontScale="92500" lnSpcReduction="10000"/>
+            <a:noAutofit/>
           </a:bodyPr>
-          <a:lstStyle/>
-          <a:p>
-            <a:r>
-              <a:rPr lang="en-US" dirty="0"/>
+          <a:lstStyle>
+            <a:lvl1pPr marL="228600" indent="-228600" algn="l" defTabSz="914400" rtl="0" eaLnBrk="1" latinLnBrk="0" hangingPunct="1">
+              <a:lnSpc>
+                <a:spcPct val="90000"/>
+              </a:lnSpc>
+              <a:spcBef>
+                <a:spcPts val="1000"/>
+              </a:spcBef>
+              <a:buFont typeface="Arial" panose="020B0604020202020204" pitchFamily="34" charset="0"/>
+              <a:buChar char="•"/>
+              <a:defRPr sz="2800" kern="1200">
+                <a:solidFill>
+                  <a:schemeClr val="tx1"/>
+                </a:solidFill>
+                <a:latin typeface="+mn-lt"/>
+                <a:ea typeface="+mn-ea"/>
+                <a:cs typeface="+mn-cs"/>
+              </a:defRPr>
+            </a:lvl1pPr>
+            <a:lvl2pPr marL="685800" indent="-228600" algn="l" defTabSz="914400" rtl="0" eaLnBrk="1" latinLnBrk="0" hangingPunct="1">
+              <a:lnSpc>
+                <a:spcPct val="90000"/>
+              </a:lnSpc>
+              <a:spcBef>
+                <a:spcPts val="500"/>
+              </a:spcBef>
+              <a:buFont typeface="Arial" panose="020B0604020202020204" pitchFamily="34" charset="0"/>
+              <a:buChar char="•"/>
+              <a:defRPr sz="2400" kern="1200">
+                <a:solidFill>
+                  <a:schemeClr val="tx1"/>
+                </a:solidFill>
+                <a:latin typeface="+mn-lt"/>
+                <a:ea typeface="+mn-ea"/>
+                <a:cs typeface="+mn-cs"/>
+              </a:defRPr>
+            </a:lvl2pPr>
+            <a:lvl3pPr marL="1143000" indent="-228600" algn="l" defTabSz="914400" rtl="0" eaLnBrk="1" latinLnBrk="0" hangingPunct="1">
+              <a:lnSpc>
+                <a:spcPct val="90000"/>
+              </a:lnSpc>
+              <a:spcBef>
+                <a:spcPts val="500"/>
+              </a:spcBef>
+              <a:buFont typeface="Arial" panose="020B0604020202020204" pitchFamily="34" charset="0"/>
+              <a:buChar char="•"/>
+              <a:defRPr sz="2000" kern="1200">
+                <a:solidFill>
+                  <a:schemeClr val="tx1"/>
+                </a:solidFill>
+                <a:latin typeface="+mn-lt"/>
+                <a:ea typeface="+mn-ea"/>
+                <a:cs typeface="+mn-cs"/>
+              </a:defRPr>
+            </a:lvl3pPr>
+            <a:lvl4pPr marL="1600200" indent="-228600" algn="l" defTabSz="914400" rtl="0" eaLnBrk="1" latinLnBrk="0" hangingPunct="1">
+              <a:lnSpc>
+                <a:spcPct val="90000"/>
+              </a:lnSpc>
+              <a:spcBef>
+                <a:spcPts val="500"/>
+              </a:spcBef>
+              <a:buFont typeface="Arial" panose="020B0604020202020204" pitchFamily="34" charset="0"/>
+              <a:buChar char="•"/>
+              <a:defRPr sz="1800" kern="1200">
+                <a:solidFill>
+                  <a:schemeClr val="tx1"/>
+                </a:solidFill>
+                <a:latin typeface="+mn-lt"/>
+                <a:ea typeface="+mn-ea"/>
+                <a:cs typeface="+mn-cs"/>
+              </a:defRPr>
+            </a:lvl4pPr>
+            <a:lvl5pPr marL="2057400" indent="-228600" algn="l" defTabSz="914400" rtl="0" eaLnBrk="1" latinLnBrk="0" hangingPunct="1">
+              <a:lnSpc>
+                <a:spcPct val="90000"/>
+              </a:lnSpc>
+              <a:spcBef>
+                <a:spcPts val="500"/>
+              </a:spcBef>
+              <a:buFont typeface="Arial" panose="020B0604020202020204" pitchFamily="34" charset="0"/>
+              <a:buChar char="•"/>
+              <a:defRPr sz="1800" kern="1200">
+                <a:solidFill>
+                  <a:schemeClr val="tx1"/>
+                </a:solidFill>
+                <a:latin typeface="+mn-lt"/>
+                <a:ea typeface="+mn-ea"/>
+                <a:cs typeface="+mn-cs"/>
+              </a:defRPr>
+            </a:lvl5pPr>
+            <a:lvl6pPr marL="2514600" indent="-228600" algn="l" defTabSz="914400" rtl="0" eaLnBrk="1" latinLnBrk="0" hangingPunct="1">
+              <a:lnSpc>
+                <a:spcPct val="90000"/>
+              </a:lnSpc>
+              <a:spcBef>
+                <a:spcPts val="500"/>
+              </a:spcBef>
+              <a:buFont typeface="Arial" panose="020B0604020202020204" pitchFamily="34" charset="0"/>
+              <a:buChar char="•"/>
+              <a:defRPr sz="1800" kern="1200">
+                <a:solidFill>
+                  <a:schemeClr val="tx1"/>
+                </a:solidFill>
+                <a:latin typeface="+mn-lt"/>
+                <a:ea typeface="+mn-ea"/>
+                <a:cs typeface="+mn-cs"/>
+              </a:defRPr>
+            </a:lvl6pPr>
+            <a:lvl7pPr marL="2971800" indent="-228600" algn="l" defTabSz="914400" rtl="0" eaLnBrk="1" latinLnBrk="0" hangingPunct="1">
+              <a:lnSpc>
+                <a:spcPct val="90000"/>
+              </a:lnSpc>
+              <a:spcBef>
+                <a:spcPts val="500"/>
+              </a:spcBef>
+              <a:buFont typeface="Arial" panose="020B0604020202020204" pitchFamily="34" charset="0"/>
+              <a:buChar char="•"/>
+              <a:defRPr sz="1800" kern="1200">
+                <a:solidFill>
+                  <a:schemeClr val="tx1"/>
+                </a:solidFill>
+                <a:latin typeface="+mn-lt"/>
+                <a:ea typeface="+mn-ea"/>
+                <a:cs typeface="+mn-cs"/>
+              </a:defRPr>
+            </a:lvl7pPr>
+            <a:lvl8pPr marL="3429000" indent="-228600" algn="l" defTabSz="914400" rtl="0" eaLnBrk="1" latinLnBrk="0" hangingPunct="1">
+              <a:lnSpc>
+                <a:spcPct val="90000"/>
+              </a:lnSpc>
+              <a:spcBef>
+                <a:spcPts val="500"/>
+              </a:spcBef>
+              <a:buFont typeface="Arial" panose="020B0604020202020204" pitchFamily="34" charset="0"/>
+              <a:buChar char="•"/>
+              <a:defRPr sz="1800" kern="1200">
+                <a:solidFill>
+                  <a:schemeClr val="tx1"/>
+                </a:solidFill>
+                <a:latin typeface="+mn-lt"/>
+                <a:ea typeface="+mn-ea"/>
+                <a:cs typeface="+mn-cs"/>
+              </a:defRPr>
+            </a:lvl8pPr>
+            <a:lvl9pPr marL="3886200" indent="-228600" algn="l" defTabSz="914400" rtl="0" eaLnBrk="1" latinLnBrk="0" hangingPunct="1">
+              <a:lnSpc>
+                <a:spcPct val="90000"/>
+              </a:lnSpc>
+              <a:spcBef>
+                <a:spcPts val="500"/>
+              </a:spcBef>
+              <a:buFont typeface="Arial" panose="020B0604020202020204" pitchFamily="34" charset="0"/>
+              <a:buChar char="•"/>
+              <a:defRPr sz="1800" kern="1200">
+                <a:solidFill>
+                  <a:schemeClr val="tx1"/>
+                </a:solidFill>
+                <a:latin typeface="+mn-lt"/>
+                <a:ea typeface="+mn-ea"/>
+                <a:cs typeface="+mn-cs"/>
+              </a:defRPr>
+            </a:lvl9pPr>
+          </a:lstStyle>
+          <a:p>
+            <a:pPr marL="0" indent="0" fontAlgn="auto">
+              <a:spcAft>
+                <a:spcPts val="0"/>
+              </a:spcAft>
+              <a:buNone/>
+            </a:pPr>
+            <a:r>
+              <a:rPr lang="en-US" sz="4400" dirty="0"/>
               <a:t>Creating methods</a:t>
             </a:r>
           </a:p>
@@ -5621,7 +6394,7 @@
       </p:sp>
       <p:sp>
         <p:nvSpPr>
-          <p:cNvPr id="4" name="TextBox 3">
+          <p:cNvPr id="5" name="TextBox 4">
             <a:extLst>
               <a:ext uri="{FF2B5EF4-FFF2-40B4-BE49-F238E27FC236}">
                 <a16:creationId xmlns:a16="http://schemas.microsoft.com/office/drawing/2014/main" id="{B64A8207-997F-319E-7F6D-676D3ECA779B}"/>
@@ -5633,8 +6406,8 @@
         </p:nvSpPr>
         <p:spPr>
           <a:xfrm>
-            <a:off x="1277018" y="1046102"/>
-            <a:ext cx="9655207" cy="1323439"/>
+            <a:off x="309717" y="1928439"/>
+            <a:ext cx="11572561" cy="1077218"/>
           </a:xfrm>
           <a:prstGeom prst="rect">
             <a:avLst/>
@@ -5648,61 +6421,51 @@
           <a:lstStyle/>
           <a:p>
             <a:pPr marL="342900" indent="-342900">
+              <a:spcAft>
+                <a:spcPts val="1200"/>
+              </a:spcAft>
               <a:buFont typeface="Arial" panose="020B0604020202020204" pitchFamily="34" charset="0"/>
               <a:buChar char="•"/>
             </a:pPr>
             <a:r>
-              <a:rPr lang="en-US" sz="2000" dirty="0">
+              <a:rPr lang="en-US" sz="1800" dirty="0">
                 <a:latin typeface="+mn-lt"/>
               </a:rPr>
               <a:t>A </a:t>
             </a:r>
             <a:r>
-              <a:rPr lang="en-US" sz="2000" b="1" i="1" dirty="0">
+              <a:rPr lang="en-US" sz="1800" b="1" i="1" dirty="0">
                 <a:latin typeface="+mn-lt"/>
               </a:rPr>
               <a:t>method</a:t>
             </a:r>
             <a:r>
-              <a:rPr lang="en-US" sz="2000" dirty="0">
+              <a:rPr lang="en-US" sz="1800" dirty="0">
                 <a:latin typeface="+mn-lt"/>
               </a:rPr>
               <a:t> is a function that has been encapsulated as a member in an object or class.</a:t>
             </a:r>
-            <a:br>
-              <a:rPr lang="en-US" sz="2000" dirty="0">
+          </a:p>
+          <a:p>
+            <a:pPr marL="342900" indent="-342900">
+              <a:spcAft>
+                <a:spcPts val="0"/>
+              </a:spcAft>
+              <a:buFont typeface="Arial" panose="020B0604020202020204" pitchFamily="34" charset="0"/>
+              <a:buChar char="•"/>
+            </a:pPr>
+            <a:r>
+              <a:rPr lang="en-US" sz="1800" dirty="0">
                 <a:latin typeface="+mn-lt"/>
               </a:rPr>
-            </a:br>
-            <a:br>
-              <a:rPr lang="en-US" sz="2000" dirty="0">
-                <a:latin typeface="+mn-lt"/>
-              </a:rPr>
-            </a:br>
-            <a:r>
-              <a:rPr lang="en-US" sz="2000" dirty="0">
-                <a:latin typeface="+mn-lt"/>
-              </a:rPr>
-              <a:t>Regarding PowerShell, </a:t>
-            </a:r>
-            <a:r>
-              <a:rPr lang="en-US" sz="2000">
-                <a:latin typeface="+mn-lt"/>
-              </a:rPr>
-              <a:t>that’s an </a:t>
-            </a:r>
-            <a:r>
-              <a:rPr lang="en-US" sz="2000" dirty="0">
-                <a:latin typeface="+mn-lt"/>
-              </a:rPr>
-              <a:t>oversimplification. Compared to functions, methods must adhere to a few necessary rules of robust coding discipline:</a:t>
+              <a:t>Regarding PowerShell, that’s an oversimplification. Compared to functions, methods must adhere to a few necessary rules of robust coding discipline:</a:t>
             </a:r>
           </a:p>
         </p:txBody>
       </p:sp>
       <p:sp>
         <p:nvSpPr>
-          <p:cNvPr id="3" name="TextBox 2">
+          <p:cNvPr id="6" name="TextBox 5">
             <a:extLst>
               <a:ext uri="{FF2B5EF4-FFF2-40B4-BE49-F238E27FC236}">
                 <a16:creationId xmlns:a16="http://schemas.microsoft.com/office/drawing/2014/main" id="{20E8B8C0-A2A5-7B62-1B40-D3BF6CA80A5C}"/>
@@ -5714,8 +6477,8 @@
         </p:nvSpPr>
         <p:spPr>
           <a:xfrm>
-            <a:off x="1103439" y="2369541"/>
-            <a:ext cx="4992561" cy="3170099"/>
+            <a:off x="267419" y="3102336"/>
+            <a:ext cx="6001109" cy="2585323"/>
           </a:xfrm>
           <a:prstGeom prst="rect">
             <a:avLst/>
@@ -5738,7 +6501,7 @@
               <a:buChar char="•"/>
             </a:pPr>
             <a:r>
-              <a:rPr lang="en-US" sz="2000" dirty="0">
+              <a:rPr lang="en-US" sz="1800" dirty="0">
                 <a:latin typeface="+mn-lt"/>
               </a:rPr>
               <a:t>A function may return any object, or even not return anything at all.</a:t>
@@ -5750,7 +6513,7 @@
               <a:buChar char="•"/>
             </a:pPr>
             <a:r>
-              <a:rPr lang="en-US" sz="2000" dirty="0">
+              <a:rPr lang="en-US" sz="1800" dirty="0">
                 <a:latin typeface="+mn-lt"/>
               </a:rPr>
               <a:t>A function may use mere expressions to put objects into the output stream.</a:t>
@@ -5762,13 +6525,13 @@
               <a:buChar char="•"/>
             </a:pPr>
             <a:r>
-              <a:rPr lang="en-US" sz="2000" dirty="0">
+              <a:rPr lang="en-US" sz="1800" dirty="0">
                 <a:latin typeface="+mn-lt"/>
               </a:rPr>
               <a:t>A function may reference unassigned variables, and take advantage that they will evaluate as </a:t>
             </a:r>
             <a:r>
-              <a:rPr lang="en-US" sz="2000" b="1" dirty="0">
+              <a:rPr lang="en-US" sz="1800" b="1" dirty="0">
                 <a:latin typeface="Consolas" panose="020B0609020204030204" pitchFamily="49" charset="0"/>
               </a:rPr>
               <a:t>$null</a:t>
@@ -5780,31 +6543,31 @@
               <a:buChar char="•"/>
             </a:pPr>
             <a:r>
-              <a:rPr lang="en-US" sz="2000" dirty="0">
+              <a:rPr lang="en-US" sz="1800" dirty="0">
                 <a:latin typeface="+mn-lt"/>
               </a:rPr>
               <a:t>A function may freely use variables outside of the function, including variables with </a:t>
             </a:r>
             <a:r>
-              <a:rPr lang="en-US" sz="2000" b="1" dirty="0">
+              <a:rPr lang="en-US" sz="1800" b="1" dirty="0">
                 <a:latin typeface="Consolas" panose="020B0609020204030204" pitchFamily="49" charset="0"/>
               </a:rPr>
               <a:t>global:</a:t>
             </a:r>
             <a:r>
-              <a:rPr lang="en-US" sz="2000" dirty="0">
+              <a:rPr lang="en-US" sz="1800" dirty="0">
                 <a:latin typeface="+mn-lt"/>
               </a:rPr>
               <a:t>  or  </a:t>
             </a:r>
             <a:r>
-              <a:rPr lang="en-US" sz="2000" b="1" dirty="0">
+              <a:rPr lang="en-US" sz="1800" b="1" dirty="0">
                 <a:latin typeface="Consolas" panose="020B0609020204030204" pitchFamily="49" charset="0"/>
               </a:rPr>
               <a:t>script:</a:t>
             </a:r>
             <a:r>
-              <a:rPr lang="en-US" sz="2000" dirty="0">
+              <a:rPr lang="en-US" sz="1800" dirty="0">
                 <a:latin typeface="+mn-lt"/>
               </a:rPr>
               <a:t>  scope.</a:t>
@@ -5814,7 +6577,7 @@
       </p:sp>
       <p:sp>
         <p:nvSpPr>
-          <p:cNvPr id="5" name="TextBox 4">
+          <p:cNvPr id="7" name="TextBox 6">
             <a:extLst>
               <a:ext uri="{FF2B5EF4-FFF2-40B4-BE49-F238E27FC236}">
                 <a16:creationId xmlns:a16="http://schemas.microsoft.com/office/drawing/2014/main" id="{EDDCCECA-E971-2EC4-FEF0-DCF50F49CE6A}"/>
@@ -5826,8 +6589,8 @@
         </p:nvSpPr>
         <p:spPr>
           <a:xfrm>
-            <a:off x="6096000" y="2369541"/>
-            <a:ext cx="5027047" cy="4093428"/>
+            <a:off x="6268528" y="3102336"/>
+            <a:ext cx="5656053" cy="3426605"/>
           </a:xfrm>
           <a:prstGeom prst="rect">
             <a:avLst/>
@@ -5850,7 +6613,7 @@
               <a:buChar char="•"/>
             </a:pPr>
             <a:r>
-              <a:rPr lang="en-US" sz="2000" dirty="0">
+              <a:rPr lang="en-US" sz="1800" dirty="0">
                 <a:latin typeface="+mn-lt"/>
               </a:rPr>
               <a:t>A method must have a declared return type, or [void] if it doesn’t return a value.*</a:t>
@@ -5862,19 +6625,19 @@
               <a:buChar char="•"/>
             </a:pPr>
             <a:r>
-              <a:rPr lang="en-US" sz="2000" dirty="0">
+              <a:rPr lang="en-US" sz="1800" dirty="0">
                 <a:latin typeface="+mn-lt"/>
               </a:rPr>
               <a:t>A method must use a  </a:t>
             </a:r>
             <a:r>
-              <a:rPr lang="en-US" sz="2000" b="1" dirty="0">
+              <a:rPr lang="en-US" sz="1800" b="1" dirty="0">
                 <a:latin typeface="Consolas" panose="020B0609020204030204" pitchFamily="49" charset="0"/>
               </a:rPr>
               <a:t>return</a:t>
             </a:r>
             <a:r>
-              <a:rPr lang="en-US" sz="2000" dirty="0">
+              <a:rPr lang="en-US" sz="1800" dirty="0">
                 <a:latin typeface="+mn-lt"/>
               </a:rPr>
               <a:t>  statement to return a value.</a:t>
@@ -5886,7 +6649,7 @@
               <a:buChar char="•"/>
             </a:pPr>
             <a:r>
-              <a:rPr lang="en-US" sz="2000" dirty="0">
+              <a:rPr lang="en-US" sz="1800" dirty="0">
                 <a:latin typeface="+mn-lt"/>
               </a:rPr>
               <a:t>A method may only use variables that have been explicitly assigned a value.</a:t>
@@ -5898,7 +6661,7 @@
               <a:buChar char="•"/>
             </a:pPr>
             <a:r>
-              <a:rPr lang="en-US" sz="2000" dirty="0">
+              <a:rPr lang="en-US" sz="1800" dirty="0">
                 <a:latin typeface="+mn-lt"/>
               </a:rPr>
               <a:t>Any variable not assigned in the method must use a scope modifier (lexical scoping).</a:t>
@@ -5910,43 +6673,43 @@
               <a:buChar char="•"/>
             </a:pPr>
             <a:r>
-              <a:rPr lang="en-US" sz="2000" dirty="0">
+              <a:rPr lang="en-US" sz="1800" dirty="0">
                 <a:latin typeface="+mn-lt"/>
               </a:rPr>
               <a:t>A method must use the placeholder prefix  </a:t>
             </a:r>
             <a:r>
-              <a:rPr lang="en-US" sz="2000" b="1" dirty="0">
+              <a:rPr lang="en-US" sz="1800" b="1" dirty="0">
                 <a:latin typeface="Consolas" panose="020B0609020204030204" pitchFamily="49" charset="0"/>
               </a:rPr>
               <a:t>$this</a:t>
             </a:r>
             <a:r>
-              <a:rPr lang="en-US" sz="2000" dirty="0">
+              <a:rPr lang="en-US" sz="1800" dirty="0">
                 <a:latin typeface="+mn-lt"/>
               </a:rPr>
               <a:t>  to access an instance member of the class, and must use the customary </a:t>
             </a:r>
             <a:r>
-              <a:rPr lang="en-US" sz="2000" b="1" dirty="0">
+              <a:rPr lang="en-US" sz="1800" b="1" dirty="0">
                 <a:latin typeface="Consolas" panose="020B0609020204030204" pitchFamily="49" charset="0"/>
               </a:rPr>
               <a:t>[</a:t>
             </a:r>
             <a:r>
-              <a:rPr lang="en-US" sz="2000" b="1" dirty="0" err="1">
+              <a:rPr lang="en-US" sz="1800" b="1" dirty="0" err="1">
                 <a:latin typeface="Consolas" panose="020B0609020204030204" pitchFamily="49" charset="0"/>
               </a:rPr>
               <a:t>ClassName</a:t>
             </a:r>
             <a:r>
-              <a:rPr lang="en-US" sz="2000" b="1" dirty="0">
+              <a:rPr lang="en-US" sz="1800" b="1" dirty="0">
                 <a:latin typeface="Consolas" panose="020B0609020204030204" pitchFamily="49" charset="0"/>
               </a:rPr>
               <a:t>]::</a:t>
             </a:r>
             <a:r>
-              <a:rPr lang="en-US" sz="2000" dirty="0">
+              <a:rPr lang="en-US" sz="1800" dirty="0">
                 <a:latin typeface="+mn-lt"/>
               </a:rPr>
               <a:t>  syntax to access a static member of the class.</a:t>
@@ -5956,7 +6719,7 @@
       </p:sp>
       <p:sp>
         <p:nvSpPr>
-          <p:cNvPr id="6" name="TextBox 5">
+          <p:cNvPr id="8" name="TextBox 7">
             <a:extLst>
               <a:ext uri="{FF2B5EF4-FFF2-40B4-BE49-F238E27FC236}">
                 <a16:creationId xmlns:a16="http://schemas.microsoft.com/office/drawing/2014/main" id="{BAACEC6C-4A35-E101-5EBD-12F9722B023B}"/>
@@ -5968,8 +6731,8 @@
         </p:nvSpPr>
         <p:spPr>
           <a:xfrm>
-            <a:off x="136285" y="6349214"/>
-            <a:ext cx="4992561" cy="338554"/>
+            <a:off x="267419" y="6006259"/>
+            <a:ext cx="5162223" cy="584775"/>
           </a:xfrm>
           <a:prstGeom prst="rect">
             <a:avLst/>
@@ -6003,7 +6766,7 @@
     </p:spTree>
     <p:extLst>
       <p:ext uri="{BB962C8B-B14F-4D97-AF65-F5344CB8AC3E}">
-        <p14:creationId xmlns:p14="http://schemas.microsoft.com/office/powerpoint/2010/main" val="2611413137"/>
+        <p14:creationId xmlns:p14="http://schemas.microsoft.com/office/powerpoint/2010/main" val="1587407367"/>
       </p:ext>
     </p:extLst>
   </p:cSld>
@@ -6032,29 +6795,204 @@
       </p:grpSpPr>
       <p:sp>
         <p:nvSpPr>
-          <p:cNvPr id="2" name="Text Placeholder 1">
+          <p:cNvPr id="4" name="Text Placeholder 1">
             <a:extLst>
               <a:ext uri="{FF2B5EF4-FFF2-40B4-BE49-F238E27FC236}">
                 <a16:creationId xmlns:a16="http://schemas.microsoft.com/office/drawing/2014/main" id="{64492E64-A68B-8CA7-B3C6-044F7C8E76AB}"/>
               </a:ext>
             </a:extLst>
           </p:cNvPr>
-          <p:cNvSpPr>
-            <a:spLocks noGrp="1"/>
+          <p:cNvSpPr txBox="1">
+            <a:spLocks/>
           </p:cNvSpPr>
-          <p:nvPr>
-            <p:ph type="body" sz="quarter" idx="10"/>
-          </p:nvPr>
+          <p:nvPr/>
         </p:nvSpPr>
-        <p:spPr/>
+        <p:spPr>
+          <a:xfrm>
+            <a:off x="3708659" y="1160245"/>
+            <a:ext cx="4774682" cy="724247"/>
+          </a:xfrm>
+          <a:prstGeom prst="rect">
+            <a:avLst/>
+          </a:prstGeom>
+        </p:spPr>
         <p:txBody>
           <a:bodyPr>
-            <a:normAutofit fontScale="92500" lnSpcReduction="10000"/>
+            <a:noAutofit/>
           </a:bodyPr>
-          <a:lstStyle/>
-          <a:p>
-            <a:r>
-              <a:rPr lang="en-US" dirty="0"/>
+          <a:lstStyle>
+            <a:lvl1pPr marL="228600" indent="-228600" algn="l" defTabSz="914400" rtl="0" eaLnBrk="1" latinLnBrk="0" hangingPunct="1">
+              <a:lnSpc>
+                <a:spcPct val="90000"/>
+              </a:lnSpc>
+              <a:spcBef>
+                <a:spcPts val="1000"/>
+              </a:spcBef>
+              <a:buFont typeface="Arial" panose="020B0604020202020204" pitchFamily="34" charset="0"/>
+              <a:buChar char="•"/>
+              <a:defRPr sz="2800" kern="1200">
+                <a:solidFill>
+                  <a:schemeClr val="tx1"/>
+                </a:solidFill>
+                <a:latin typeface="+mn-lt"/>
+                <a:ea typeface="+mn-ea"/>
+                <a:cs typeface="+mn-cs"/>
+              </a:defRPr>
+            </a:lvl1pPr>
+            <a:lvl2pPr marL="685800" indent="-228600" algn="l" defTabSz="914400" rtl="0" eaLnBrk="1" latinLnBrk="0" hangingPunct="1">
+              <a:lnSpc>
+                <a:spcPct val="90000"/>
+              </a:lnSpc>
+              <a:spcBef>
+                <a:spcPts val="500"/>
+              </a:spcBef>
+              <a:buFont typeface="Arial" panose="020B0604020202020204" pitchFamily="34" charset="0"/>
+              <a:buChar char="•"/>
+              <a:defRPr sz="2400" kern="1200">
+                <a:solidFill>
+                  <a:schemeClr val="tx1"/>
+                </a:solidFill>
+                <a:latin typeface="+mn-lt"/>
+                <a:ea typeface="+mn-ea"/>
+                <a:cs typeface="+mn-cs"/>
+              </a:defRPr>
+            </a:lvl2pPr>
+            <a:lvl3pPr marL="1143000" indent="-228600" algn="l" defTabSz="914400" rtl="0" eaLnBrk="1" latinLnBrk="0" hangingPunct="1">
+              <a:lnSpc>
+                <a:spcPct val="90000"/>
+              </a:lnSpc>
+              <a:spcBef>
+                <a:spcPts val="500"/>
+              </a:spcBef>
+              <a:buFont typeface="Arial" panose="020B0604020202020204" pitchFamily="34" charset="0"/>
+              <a:buChar char="•"/>
+              <a:defRPr sz="2000" kern="1200">
+                <a:solidFill>
+                  <a:schemeClr val="tx1"/>
+                </a:solidFill>
+                <a:latin typeface="+mn-lt"/>
+                <a:ea typeface="+mn-ea"/>
+                <a:cs typeface="+mn-cs"/>
+              </a:defRPr>
+            </a:lvl3pPr>
+            <a:lvl4pPr marL="1600200" indent="-228600" algn="l" defTabSz="914400" rtl="0" eaLnBrk="1" latinLnBrk="0" hangingPunct="1">
+              <a:lnSpc>
+                <a:spcPct val="90000"/>
+              </a:lnSpc>
+              <a:spcBef>
+                <a:spcPts val="500"/>
+              </a:spcBef>
+              <a:buFont typeface="Arial" panose="020B0604020202020204" pitchFamily="34" charset="0"/>
+              <a:buChar char="•"/>
+              <a:defRPr sz="1800" kern="1200">
+                <a:solidFill>
+                  <a:schemeClr val="tx1"/>
+                </a:solidFill>
+                <a:latin typeface="+mn-lt"/>
+                <a:ea typeface="+mn-ea"/>
+                <a:cs typeface="+mn-cs"/>
+              </a:defRPr>
+            </a:lvl4pPr>
+            <a:lvl5pPr marL="2057400" indent="-228600" algn="l" defTabSz="914400" rtl="0" eaLnBrk="1" latinLnBrk="0" hangingPunct="1">
+              <a:lnSpc>
+                <a:spcPct val="90000"/>
+              </a:lnSpc>
+              <a:spcBef>
+                <a:spcPts val="500"/>
+              </a:spcBef>
+              <a:buFont typeface="Arial" panose="020B0604020202020204" pitchFamily="34" charset="0"/>
+              <a:buChar char="•"/>
+              <a:defRPr sz="1800" kern="1200">
+                <a:solidFill>
+                  <a:schemeClr val="tx1"/>
+                </a:solidFill>
+                <a:latin typeface="+mn-lt"/>
+                <a:ea typeface="+mn-ea"/>
+                <a:cs typeface="+mn-cs"/>
+              </a:defRPr>
+            </a:lvl5pPr>
+            <a:lvl6pPr marL="2514600" indent="-228600" algn="l" defTabSz="914400" rtl="0" eaLnBrk="1" latinLnBrk="0" hangingPunct="1">
+              <a:lnSpc>
+                <a:spcPct val="90000"/>
+              </a:lnSpc>
+              <a:spcBef>
+                <a:spcPts val="500"/>
+              </a:spcBef>
+              <a:buFont typeface="Arial" panose="020B0604020202020204" pitchFamily="34" charset="0"/>
+              <a:buChar char="•"/>
+              <a:defRPr sz="1800" kern="1200">
+                <a:solidFill>
+                  <a:schemeClr val="tx1"/>
+                </a:solidFill>
+                <a:latin typeface="+mn-lt"/>
+                <a:ea typeface="+mn-ea"/>
+                <a:cs typeface="+mn-cs"/>
+              </a:defRPr>
+            </a:lvl6pPr>
+            <a:lvl7pPr marL="2971800" indent="-228600" algn="l" defTabSz="914400" rtl="0" eaLnBrk="1" latinLnBrk="0" hangingPunct="1">
+              <a:lnSpc>
+                <a:spcPct val="90000"/>
+              </a:lnSpc>
+              <a:spcBef>
+                <a:spcPts val="500"/>
+              </a:spcBef>
+              <a:buFont typeface="Arial" panose="020B0604020202020204" pitchFamily="34" charset="0"/>
+              <a:buChar char="•"/>
+              <a:defRPr sz="1800" kern="1200">
+                <a:solidFill>
+                  <a:schemeClr val="tx1"/>
+                </a:solidFill>
+                <a:latin typeface="+mn-lt"/>
+                <a:ea typeface="+mn-ea"/>
+                <a:cs typeface="+mn-cs"/>
+              </a:defRPr>
+            </a:lvl7pPr>
+            <a:lvl8pPr marL="3429000" indent="-228600" algn="l" defTabSz="914400" rtl="0" eaLnBrk="1" latinLnBrk="0" hangingPunct="1">
+              <a:lnSpc>
+                <a:spcPct val="90000"/>
+              </a:lnSpc>
+              <a:spcBef>
+                <a:spcPts val="500"/>
+              </a:spcBef>
+              <a:buFont typeface="Arial" panose="020B0604020202020204" pitchFamily="34" charset="0"/>
+              <a:buChar char="•"/>
+              <a:defRPr sz="1800" kern="1200">
+                <a:solidFill>
+                  <a:schemeClr val="tx1"/>
+                </a:solidFill>
+                <a:latin typeface="+mn-lt"/>
+                <a:ea typeface="+mn-ea"/>
+                <a:cs typeface="+mn-cs"/>
+              </a:defRPr>
+            </a:lvl8pPr>
+            <a:lvl9pPr marL="3886200" indent="-228600" algn="l" defTabSz="914400" rtl="0" eaLnBrk="1" latinLnBrk="0" hangingPunct="1">
+              <a:lnSpc>
+                <a:spcPct val="90000"/>
+              </a:lnSpc>
+              <a:spcBef>
+                <a:spcPts val="500"/>
+              </a:spcBef>
+              <a:buFont typeface="Arial" panose="020B0604020202020204" pitchFamily="34" charset="0"/>
+              <a:buChar char="•"/>
+              <a:defRPr sz="1800" kern="1200">
+                <a:solidFill>
+                  <a:schemeClr val="tx1"/>
+                </a:solidFill>
+                <a:latin typeface="+mn-lt"/>
+                <a:ea typeface="+mn-ea"/>
+                <a:cs typeface="+mn-cs"/>
+              </a:defRPr>
+            </a:lvl9pPr>
+          </a:lstStyle>
+          <a:p>
+            <a:pPr marL="0" indent="0" fontAlgn="auto">
+              <a:spcAft>
+                <a:spcPts val="0"/>
+              </a:spcAft>
+              <a:buNone/>
+            </a:pPr>
+            <a:r>
+              <a:rPr lang="en-US" sz="4400" dirty="0"/>
               <a:t>Method example</a:t>
             </a:r>
           </a:p>
@@ -6062,7 +7000,7 @@
       </p:sp>
       <p:sp>
         <p:nvSpPr>
-          <p:cNvPr id="4" name="TextBox 3">
+          <p:cNvPr id="5" name="TextBox 4">
             <a:extLst>
               <a:ext uri="{FF2B5EF4-FFF2-40B4-BE49-F238E27FC236}">
                 <a16:creationId xmlns:a16="http://schemas.microsoft.com/office/drawing/2014/main" id="{B64A8207-997F-319E-7F6D-676D3ECA779B}"/>
@@ -6074,8 +7012,8 @@
         </p:nvSpPr>
         <p:spPr>
           <a:xfrm>
-            <a:off x="1268392" y="1045763"/>
-            <a:ext cx="9655207" cy="4708981"/>
+            <a:off x="1854679" y="1884492"/>
+            <a:ext cx="9056298" cy="4708981"/>
           </a:xfrm>
           <a:prstGeom prst="rect">
             <a:avLst/>
@@ -6220,7 +7158,7 @@
     </p:spTree>
     <p:extLst>
       <p:ext uri="{BB962C8B-B14F-4D97-AF65-F5344CB8AC3E}">
-        <p14:creationId xmlns:p14="http://schemas.microsoft.com/office/powerpoint/2010/main" val="4188996306"/>
+        <p14:creationId xmlns:p14="http://schemas.microsoft.com/office/powerpoint/2010/main" val="4008619853"/>
       </p:ext>
     </p:extLst>
   </p:cSld>
@@ -6249,29 +7187,204 @@
       </p:grpSpPr>
       <p:sp>
         <p:nvSpPr>
-          <p:cNvPr id="2" name="Text Placeholder 1">
+          <p:cNvPr id="4" name="Text Placeholder 1">
             <a:extLst>
               <a:ext uri="{FF2B5EF4-FFF2-40B4-BE49-F238E27FC236}">
                 <a16:creationId xmlns:a16="http://schemas.microsoft.com/office/drawing/2014/main" id="{64492E64-A68B-8CA7-B3C6-044F7C8E76AB}"/>
               </a:ext>
             </a:extLst>
           </p:cNvPr>
-          <p:cNvSpPr>
-            <a:spLocks noGrp="1"/>
+          <p:cNvSpPr txBox="1">
+            <a:spLocks/>
           </p:cNvSpPr>
-          <p:nvPr>
-            <p:ph type="body" sz="quarter" idx="10"/>
-          </p:nvPr>
+          <p:nvPr/>
         </p:nvSpPr>
-        <p:spPr/>
+        <p:spPr>
+          <a:xfrm>
+            <a:off x="3540042" y="1178120"/>
+            <a:ext cx="5111913" cy="788703"/>
+          </a:xfrm>
+          <a:prstGeom prst="rect">
+            <a:avLst/>
+          </a:prstGeom>
+        </p:spPr>
         <p:txBody>
           <a:bodyPr>
-            <a:normAutofit fontScale="92500" lnSpcReduction="10000"/>
+            <a:noAutofit/>
           </a:bodyPr>
-          <a:lstStyle/>
-          <a:p>
-            <a:r>
-              <a:rPr lang="en-US" dirty="0"/>
+          <a:lstStyle>
+            <a:lvl1pPr marL="228600" indent="-228600" algn="l" defTabSz="914400" rtl="0" eaLnBrk="1" latinLnBrk="0" hangingPunct="1">
+              <a:lnSpc>
+                <a:spcPct val="90000"/>
+              </a:lnSpc>
+              <a:spcBef>
+                <a:spcPts val="1000"/>
+              </a:spcBef>
+              <a:buFont typeface="Arial" panose="020B0604020202020204" pitchFamily="34" charset="0"/>
+              <a:buChar char="•"/>
+              <a:defRPr sz="2800" kern="1200">
+                <a:solidFill>
+                  <a:schemeClr val="tx1"/>
+                </a:solidFill>
+                <a:latin typeface="+mn-lt"/>
+                <a:ea typeface="+mn-ea"/>
+                <a:cs typeface="+mn-cs"/>
+              </a:defRPr>
+            </a:lvl1pPr>
+            <a:lvl2pPr marL="685800" indent="-228600" algn="l" defTabSz="914400" rtl="0" eaLnBrk="1" latinLnBrk="0" hangingPunct="1">
+              <a:lnSpc>
+                <a:spcPct val="90000"/>
+              </a:lnSpc>
+              <a:spcBef>
+                <a:spcPts val="500"/>
+              </a:spcBef>
+              <a:buFont typeface="Arial" panose="020B0604020202020204" pitchFamily="34" charset="0"/>
+              <a:buChar char="•"/>
+              <a:defRPr sz="2400" kern="1200">
+                <a:solidFill>
+                  <a:schemeClr val="tx1"/>
+                </a:solidFill>
+                <a:latin typeface="+mn-lt"/>
+                <a:ea typeface="+mn-ea"/>
+                <a:cs typeface="+mn-cs"/>
+              </a:defRPr>
+            </a:lvl2pPr>
+            <a:lvl3pPr marL="1143000" indent="-228600" algn="l" defTabSz="914400" rtl="0" eaLnBrk="1" latinLnBrk="0" hangingPunct="1">
+              <a:lnSpc>
+                <a:spcPct val="90000"/>
+              </a:lnSpc>
+              <a:spcBef>
+                <a:spcPts val="500"/>
+              </a:spcBef>
+              <a:buFont typeface="Arial" panose="020B0604020202020204" pitchFamily="34" charset="0"/>
+              <a:buChar char="•"/>
+              <a:defRPr sz="2000" kern="1200">
+                <a:solidFill>
+                  <a:schemeClr val="tx1"/>
+                </a:solidFill>
+                <a:latin typeface="+mn-lt"/>
+                <a:ea typeface="+mn-ea"/>
+                <a:cs typeface="+mn-cs"/>
+              </a:defRPr>
+            </a:lvl3pPr>
+            <a:lvl4pPr marL="1600200" indent="-228600" algn="l" defTabSz="914400" rtl="0" eaLnBrk="1" latinLnBrk="0" hangingPunct="1">
+              <a:lnSpc>
+                <a:spcPct val="90000"/>
+              </a:lnSpc>
+              <a:spcBef>
+                <a:spcPts val="500"/>
+              </a:spcBef>
+              <a:buFont typeface="Arial" panose="020B0604020202020204" pitchFamily="34" charset="0"/>
+              <a:buChar char="•"/>
+              <a:defRPr sz="1800" kern="1200">
+                <a:solidFill>
+                  <a:schemeClr val="tx1"/>
+                </a:solidFill>
+                <a:latin typeface="+mn-lt"/>
+                <a:ea typeface="+mn-ea"/>
+                <a:cs typeface="+mn-cs"/>
+              </a:defRPr>
+            </a:lvl4pPr>
+            <a:lvl5pPr marL="2057400" indent="-228600" algn="l" defTabSz="914400" rtl="0" eaLnBrk="1" latinLnBrk="0" hangingPunct="1">
+              <a:lnSpc>
+                <a:spcPct val="90000"/>
+              </a:lnSpc>
+              <a:spcBef>
+                <a:spcPts val="500"/>
+              </a:spcBef>
+              <a:buFont typeface="Arial" panose="020B0604020202020204" pitchFamily="34" charset="0"/>
+              <a:buChar char="•"/>
+              <a:defRPr sz="1800" kern="1200">
+                <a:solidFill>
+                  <a:schemeClr val="tx1"/>
+                </a:solidFill>
+                <a:latin typeface="+mn-lt"/>
+                <a:ea typeface="+mn-ea"/>
+                <a:cs typeface="+mn-cs"/>
+              </a:defRPr>
+            </a:lvl5pPr>
+            <a:lvl6pPr marL="2514600" indent="-228600" algn="l" defTabSz="914400" rtl="0" eaLnBrk="1" latinLnBrk="0" hangingPunct="1">
+              <a:lnSpc>
+                <a:spcPct val="90000"/>
+              </a:lnSpc>
+              <a:spcBef>
+                <a:spcPts val="500"/>
+              </a:spcBef>
+              <a:buFont typeface="Arial" panose="020B0604020202020204" pitchFamily="34" charset="0"/>
+              <a:buChar char="•"/>
+              <a:defRPr sz="1800" kern="1200">
+                <a:solidFill>
+                  <a:schemeClr val="tx1"/>
+                </a:solidFill>
+                <a:latin typeface="+mn-lt"/>
+                <a:ea typeface="+mn-ea"/>
+                <a:cs typeface="+mn-cs"/>
+              </a:defRPr>
+            </a:lvl6pPr>
+            <a:lvl7pPr marL="2971800" indent="-228600" algn="l" defTabSz="914400" rtl="0" eaLnBrk="1" latinLnBrk="0" hangingPunct="1">
+              <a:lnSpc>
+                <a:spcPct val="90000"/>
+              </a:lnSpc>
+              <a:spcBef>
+                <a:spcPts val="500"/>
+              </a:spcBef>
+              <a:buFont typeface="Arial" panose="020B0604020202020204" pitchFamily="34" charset="0"/>
+              <a:buChar char="•"/>
+              <a:defRPr sz="1800" kern="1200">
+                <a:solidFill>
+                  <a:schemeClr val="tx1"/>
+                </a:solidFill>
+                <a:latin typeface="+mn-lt"/>
+                <a:ea typeface="+mn-ea"/>
+                <a:cs typeface="+mn-cs"/>
+              </a:defRPr>
+            </a:lvl7pPr>
+            <a:lvl8pPr marL="3429000" indent="-228600" algn="l" defTabSz="914400" rtl="0" eaLnBrk="1" latinLnBrk="0" hangingPunct="1">
+              <a:lnSpc>
+                <a:spcPct val="90000"/>
+              </a:lnSpc>
+              <a:spcBef>
+                <a:spcPts val="500"/>
+              </a:spcBef>
+              <a:buFont typeface="Arial" panose="020B0604020202020204" pitchFamily="34" charset="0"/>
+              <a:buChar char="•"/>
+              <a:defRPr sz="1800" kern="1200">
+                <a:solidFill>
+                  <a:schemeClr val="tx1"/>
+                </a:solidFill>
+                <a:latin typeface="+mn-lt"/>
+                <a:ea typeface="+mn-ea"/>
+                <a:cs typeface="+mn-cs"/>
+              </a:defRPr>
+            </a:lvl8pPr>
+            <a:lvl9pPr marL="3886200" indent="-228600" algn="l" defTabSz="914400" rtl="0" eaLnBrk="1" latinLnBrk="0" hangingPunct="1">
+              <a:lnSpc>
+                <a:spcPct val="90000"/>
+              </a:lnSpc>
+              <a:spcBef>
+                <a:spcPts val="500"/>
+              </a:spcBef>
+              <a:buFont typeface="Arial" panose="020B0604020202020204" pitchFamily="34" charset="0"/>
+              <a:buChar char="•"/>
+              <a:defRPr sz="1800" kern="1200">
+                <a:solidFill>
+                  <a:schemeClr val="tx1"/>
+                </a:solidFill>
+                <a:latin typeface="+mn-lt"/>
+                <a:ea typeface="+mn-ea"/>
+                <a:cs typeface="+mn-cs"/>
+              </a:defRPr>
+            </a:lvl9pPr>
+          </a:lstStyle>
+          <a:p>
+            <a:pPr marL="0" indent="0" fontAlgn="auto">
+              <a:spcAft>
+                <a:spcPts val="0"/>
+              </a:spcAft>
+              <a:buNone/>
+            </a:pPr>
+            <a:r>
+              <a:rPr lang="en-US" sz="4400" dirty="0"/>
               <a:t>Method overloads</a:t>
             </a:r>
           </a:p>
@@ -6279,7 +7392,7 @@
       </p:sp>
       <p:sp>
         <p:nvSpPr>
-          <p:cNvPr id="4" name="TextBox 3">
+          <p:cNvPr id="5" name="TextBox 4">
             <a:extLst>
               <a:ext uri="{FF2B5EF4-FFF2-40B4-BE49-F238E27FC236}">
                 <a16:creationId xmlns:a16="http://schemas.microsoft.com/office/drawing/2014/main" id="{B64A8207-997F-319E-7F6D-676D3ECA779B}"/>
@@ -6291,8 +7404,8 @@
         </p:nvSpPr>
         <p:spPr>
           <a:xfrm>
-            <a:off x="1268392" y="1045763"/>
-            <a:ext cx="9655207" cy="5016758"/>
+            <a:off x="718148" y="1966823"/>
+            <a:ext cx="10755702" cy="4524315"/>
           </a:xfrm>
           <a:prstGeom prst="rect">
             <a:avLst/>
@@ -6306,7 +7419,7 @@
           <a:lstStyle/>
           <a:p>
             <a:r>
-              <a:rPr lang="en-US" sz="2000" b="1" dirty="0">
+              <a:rPr lang="en-US" sz="1800" b="1" dirty="0">
                 <a:latin typeface="Consolas" panose="020B0609020204030204" pitchFamily="49" charset="0"/>
               </a:rPr>
               <a:t>class Circle {</a:t>
@@ -6314,7 +7427,7 @@
           </a:p>
           <a:p>
             <a:r>
-              <a:rPr lang="en-US" sz="2000" b="1" dirty="0">
+              <a:rPr lang="en-US" sz="1800" b="1" dirty="0">
                 <a:latin typeface="Consolas" panose="020B0609020204030204" pitchFamily="49" charset="0"/>
               </a:rPr>
               <a:t>    hidden static [double]$Pi = 3.14159265358979 </a:t>
@@ -6322,7 +7435,7 @@
           </a:p>
           <a:p>
             <a:r>
-              <a:rPr lang="en-US" sz="2000" b="1" dirty="0">
+              <a:rPr lang="en-US" sz="1800" b="1" dirty="0">
                 <a:latin typeface="Consolas" panose="020B0609020204030204" pitchFamily="49" charset="0"/>
               </a:rPr>
               <a:t>    [double]$Radius=0</a:t>
@@ -6330,7 +7443,7 @@
           </a:p>
           <a:p>
             <a:r>
-              <a:rPr lang="en-US" sz="2000" b="1" dirty="0">
+              <a:rPr lang="en-US" sz="1800" b="1" dirty="0">
                 <a:latin typeface="Consolas" panose="020B0609020204030204" pitchFamily="49" charset="0"/>
               </a:rPr>
               <a:t>    static [double] Area([double]$r) {</a:t>
@@ -6338,7 +7451,7 @@
           </a:p>
           <a:p>
             <a:r>
-              <a:rPr lang="en-US" sz="2000" b="1" dirty="0">
+              <a:rPr lang="en-US" sz="1800" b="1" dirty="0">
                 <a:latin typeface="Consolas" panose="020B0609020204030204" pitchFamily="49" charset="0"/>
               </a:rPr>
               <a:t>        return [Circle]::Pi * $r * $r</a:t>
@@ -6346,7 +7459,7 @@
           </a:p>
           <a:p>
             <a:r>
-              <a:rPr lang="en-US" sz="2000" b="1" dirty="0">
+              <a:rPr lang="en-US" sz="1800" b="1" dirty="0">
                 <a:latin typeface="Consolas" panose="020B0609020204030204" pitchFamily="49" charset="0"/>
               </a:rPr>
               <a:t>    }</a:t>
@@ -6354,7 +7467,7 @@
           </a:p>
           <a:p>
             <a:r>
-              <a:rPr lang="en-US" sz="2000" b="1" dirty="0">
+              <a:rPr lang="en-US" sz="1800" b="1" dirty="0">
                 <a:latin typeface="Consolas" panose="020B0609020204030204" pitchFamily="49" charset="0"/>
               </a:rPr>
               <a:t>    [double] Area() {</a:t>
@@ -6362,19 +7475,19 @@
           </a:p>
           <a:p>
             <a:r>
-              <a:rPr lang="en-US" sz="2000" b="1" dirty="0">
+              <a:rPr lang="en-US" sz="1800" b="1" dirty="0">
                 <a:latin typeface="Consolas" panose="020B0609020204030204" pitchFamily="49" charset="0"/>
               </a:rPr>
               <a:t>        return [Circle]::Area($</a:t>
             </a:r>
             <a:r>
-              <a:rPr lang="en-US" sz="2000" b="1" dirty="0" err="1">
+              <a:rPr lang="en-US" sz="1800" b="1" dirty="0" err="1">
                 <a:latin typeface="Consolas" panose="020B0609020204030204" pitchFamily="49" charset="0"/>
               </a:rPr>
               <a:t>this.Radius</a:t>
             </a:r>
             <a:r>
-              <a:rPr lang="en-US" sz="2000" b="1" dirty="0">
+              <a:rPr lang="en-US" sz="1800" b="1" dirty="0">
                 <a:latin typeface="Consolas" panose="020B0609020204030204" pitchFamily="49" charset="0"/>
               </a:rPr>
               <a:t>)</a:t>
@@ -6382,7 +7495,7 @@
           </a:p>
           <a:p>
             <a:r>
-              <a:rPr lang="en-US" sz="2000" b="1" dirty="0">
+              <a:rPr lang="en-US" sz="1800" b="1" dirty="0">
                 <a:latin typeface="Consolas" panose="020B0609020204030204" pitchFamily="49" charset="0"/>
               </a:rPr>
               <a:t>    }</a:t>
@@ -6390,7 +7503,7 @@
           </a:p>
           <a:p>
             <a:r>
-              <a:rPr lang="en-US" sz="2000" b="1" dirty="0">
+              <a:rPr lang="en-US" sz="1800" b="1" dirty="0">
                 <a:latin typeface="Consolas" panose="020B0609020204030204" pitchFamily="49" charset="0"/>
               </a:rPr>
               <a:t>}</a:t>
@@ -6398,7 +7511,7 @@
           </a:p>
           <a:p>
             <a:r>
-              <a:rPr lang="en-US" sz="2000" dirty="0">
+              <a:rPr lang="en-US" sz="1800" dirty="0">
                 <a:latin typeface="+mn-lt"/>
               </a:rPr>
               <a:t> </a:t>
@@ -6410,94 +7523,82 @@
               <a:buChar char="•"/>
             </a:pPr>
             <a:r>
-              <a:rPr lang="en-US" sz="2000" dirty="0">
+              <a:rPr lang="en-US" sz="1800" dirty="0">
                 <a:latin typeface="+mn-lt"/>
               </a:rPr>
-              <a:t>In this example, the Area methods are overloaded</a:t>
-            </a:r>
-            <a:r>
-              <a:rPr lang="en-US" sz="2000">
+              <a:t>In this example, the Area methods are overloaded: Area is both a static method and an instance method. (The instance method’s implementation leverages the static method.)</a:t>
+            </a:r>
+            <a:br>
+              <a:rPr lang="en-US" sz="1800" dirty="0">
                 <a:latin typeface="+mn-lt"/>
               </a:rPr>
-              <a:t>: Area is </a:t>
-            </a:r>
-            <a:r>
-              <a:rPr lang="en-US" sz="2000" dirty="0">
-                <a:latin typeface="+mn-lt"/>
-              </a:rPr>
-              <a:t>both a static method and an instance method. (The instance method’s implementation leverages the static method.)</a:t>
-            </a:r>
-            <a:br>
-              <a:rPr lang="en-US" sz="2000" dirty="0">
-                <a:latin typeface="+mn-lt"/>
-              </a:rPr>
             </a:br>
-            <a:endParaRPr lang="en-US" sz="2000" dirty="0">
+            <a:endParaRPr lang="en-US" sz="1800" dirty="0">
               <a:latin typeface="+mn-lt"/>
             </a:endParaRPr>
           </a:p>
           <a:p>
             <a:r>
-              <a:rPr lang="en-US" sz="2000" b="1" dirty="0">
+              <a:rPr lang="en-US" sz="1800" b="1" dirty="0">
                 <a:latin typeface="Consolas" panose="020B0609020204030204" pitchFamily="49" charset="0"/>
               </a:rPr>
               <a:t>$c = [Circle]::new();  $c | Get-Member</a:t>
             </a:r>
             <a:br>
-              <a:rPr lang="en-US" sz="2000" b="1" dirty="0">
+              <a:rPr lang="en-US" sz="1800" b="1" dirty="0">
                 <a:latin typeface="Consolas" panose="020B0609020204030204" pitchFamily="49" charset="0"/>
               </a:rPr>
             </a:br>
             <a:r>
-              <a:rPr lang="en-US" sz="2000" b="1" dirty="0">
+              <a:rPr lang="en-US" sz="1800" b="1" dirty="0">
                 <a:latin typeface="Consolas" panose="020B0609020204030204" pitchFamily="49" charset="0"/>
               </a:rPr>
               <a:t>$</a:t>
             </a:r>
             <a:r>
-              <a:rPr lang="en-US" sz="2000" b="1" dirty="0" err="1">
+              <a:rPr lang="en-US" sz="1800" b="1" dirty="0" err="1">
                 <a:latin typeface="Consolas" panose="020B0609020204030204" pitchFamily="49" charset="0"/>
               </a:rPr>
               <a:t>c.Radius</a:t>
             </a:r>
             <a:r>
-              <a:rPr lang="en-US" sz="2000" b="1" dirty="0">
+              <a:rPr lang="en-US" sz="1800" b="1" dirty="0">
                 <a:latin typeface="Consolas" panose="020B0609020204030204" pitchFamily="49" charset="0"/>
               </a:rPr>
               <a:t> = 1.5; $</a:t>
             </a:r>
             <a:r>
-              <a:rPr lang="en-US" sz="2000" b="1" dirty="0" err="1">
+              <a:rPr lang="en-US" sz="1800" b="1" dirty="0" err="1">
                 <a:latin typeface="Consolas" panose="020B0609020204030204" pitchFamily="49" charset="0"/>
               </a:rPr>
               <a:t>c.Area</a:t>
             </a:r>
             <a:r>
-              <a:rPr lang="en-US" sz="2000" b="1" dirty="0">
+              <a:rPr lang="en-US" sz="1800" b="1" dirty="0">
                 <a:latin typeface="Consolas" panose="020B0609020204030204" pitchFamily="49" charset="0"/>
               </a:rPr>
               <a:t>()</a:t>
             </a:r>
             <a:r>
-              <a:rPr lang="en-US" sz="2000" dirty="0">
+              <a:rPr lang="en-US" sz="1800" dirty="0">
                 <a:latin typeface="+mn-lt"/>
               </a:rPr>
               <a:t>    </a:t>
             </a:r>
             <a:r>
-              <a:rPr lang="en-US" sz="2000" i="1" dirty="0">
+              <a:rPr lang="en-US" sz="1800" i="1" dirty="0">
                 <a:latin typeface="+mn-lt"/>
               </a:rPr>
               <a:t># returns the same result as</a:t>
             </a:r>
             <a:r>
-              <a:rPr lang="en-US" sz="2000" dirty="0">
+              <a:rPr lang="en-US" sz="1800" dirty="0">
                 <a:latin typeface="+mn-lt"/>
               </a:rPr>
               <a:t> </a:t>
             </a:r>
             <a:r>
-              <a:rPr lang="en-US" sz="2000" b="1" dirty="0">
+              <a:rPr lang="en-US" sz="1800" b="1" dirty="0">
                 <a:latin typeface="Consolas" panose="020B0609020204030204" pitchFamily="49" charset="0"/>
               </a:rPr>
               <a:t>[Circle]::Area(1.5)</a:t>
@@ -6508,7 +7609,7 @@
     </p:spTree>
     <p:extLst>
       <p:ext uri="{BB962C8B-B14F-4D97-AF65-F5344CB8AC3E}">
-        <p14:creationId xmlns:p14="http://schemas.microsoft.com/office/powerpoint/2010/main" val="2432840855"/>
+        <p14:creationId xmlns:p14="http://schemas.microsoft.com/office/powerpoint/2010/main" val="625771499"/>
       </p:ext>
     </p:extLst>
   </p:cSld>
@@ -6537,29 +7638,204 @@
       </p:grpSpPr>
       <p:sp>
         <p:nvSpPr>
-          <p:cNvPr id="2" name="Text Placeholder 1">
+          <p:cNvPr id="4" name="Text Placeholder 1">
             <a:extLst>
               <a:ext uri="{FF2B5EF4-FFF2-40B4-BE49-F238E27FC236}">
                 <a16:creationId xmlns:a16="http://schemas.microsoft.com/office/drawing/2014/main" id="{64492E64-A68B-8CA7-B3C6-044F7C8E76AB}"/>
               </a:ext>
             </a:extLst>
           </p:cNvPr>
-          <p:cNvSpPr>
-            <a:spLocks noGrp="1"/>
+          <p:cNvSpPr txBox="1">
+            <a:spLocks/>
           </p:cNvSpPr>
-          <p:nvPr>
-            <p:ph type="body" sz="quarter" idx="10"/>
-          </p:nvPr>
+          <p:nvPr/>
         </p:nvSpPr>
-        <p:spPr/>
+        <p:spPr>
+          <a:xfrm>
+            <a:off x="4383080" y="1190584"/>
+            <a:ext cx="3425835" cy="724247"/>
+          </a:xfrm>
+          <a:prstGeom prst="rect">
+            <a:avLst/>
+          </a:prstGeom>
+        </p:spPr>
         <p:txBody>
           <a:bodyPr>
-            <a:normAutofit fontScale="92500" lnSpcReduction="10000"/>
+            <a:normAutofit/>
           </a:bodyPr>
-          <a:lstStyle/>
-          <a:p>
-            <a:r>
-              <a:rPr lang="en-US" dirty="0"/>
+          <a:lstStyle>
+            <a:lvl1pPr marL="228600" indent="-228600" algn="l" defTabSz="914400" rtl="0" eaLnBrk="1" latinLnBrk="0" hangingPunct="1">
+              <a:lnSpc>
+                <a:spcPct val="90000"/>
+              </a:lnSpc>
+              <a:spcBef>
+                <a:spcPts val="1000"/>
+              </a:spcBef>
+              <a:buFont typeface="Arial" panose="020B0604020202020204" pitchFamily="34" charset="0"/>
+              <a:buChar char="•"/>
+              <a:defRPr sz="2800" kern="1200">
+                <a:solidFill>
+                  <a:schemeClr val="tx1"/>
+                </a:solidFill>
+                <a:latin typeface="+mn-lt"/>
+                <a:ea typeface="+mn-ea"/>
+                <a:cs typeface="+mn-cs"/>
+              </a:defRPr>
+            </a:lvl1pPr>
+            <a:lvl2pPr marL="685800" indent="-228600" algn="l" defTabSz="914400" rtl="0" eaLnBrk="1" latinLnBrk="0" hangingPunct="1">
+              <a:lnSpc>
+                <a:spcPct val="90000"/>
+              </a:lnSpc>
+              <a:spcBef>
+                <a:spcPts val="500"/>
+              </a:spcBef>
+              <a:buFont typeface="Arial" panose="020B0604020202020204" pitchFamily="34" charset="0"/>
+              <a:buChar char="•"/>
+              <a:defRPr sz="2400" kern="1200">
+                <a:solidFill>
+                  <a:schemeClr val="tx1"/>
+                </a:solidFill>
+                <a:latin typeface="+mn-lt"/>
+                <a:ea typeface="+mn-ea"/>
+                <a:cs typeface="+mn-cs"/>
+              </a:defRPr>
+            </a:lvl2pPr>
+            <a:lvl3pPr marL="1143000" indent="-228600" algn="l" defTabSz="914400" rtl="0" eaLnBrk="1" latinLnBrk="0" hangingPunct="1">
+              <a:lnSpc>
+                <a:spcPct val="90000"/>
+              </a:lnSpc>
+              <a:spcBef>
+                <a:spcPts val="500"/>
+              </a:spcBef>
+              <a:buFont typeface="Arial" panose="020B0604020202020204" pitchFamily="34" charset="0"/>
+              <a:buChar char="•"/>
+              <a:defRPr sz="2000" kern="1200">
+                <a:solidFill>
+                  <a:schemeClr val="tx1"/>
+                </a:solidFill>
+                <a:latin typeface="+mn-lt"/>
+                <a:ea typeface="+mn-ea"/>
+                <a:cs typeface="+mn-cs"/>
+              </a:defRPr>
+            </a:lvl3pPr>
+            <a:lvl4pPr marL="1600200" indent="-228600" algn="l" defTabSz="914400" rtl="0" eaLnBrk="1" latinLnBrk="0" hangingPunct="1">
+              <a:lnSpc>
+                <a:spcPct val="90000"/>
+              </a:lnSpc>
+              <a:spcBef>
+                <a:spcPts val="500"/>
+              </a:spcBef>
+              <a:buFont typeface="Arial" panose="020B0604020202020204" pitchFamily="34" charset="0"/>
+              <a:buChar char="•"/>
+              <a:defRPr sz="1800" kern="1200">
+                <a:solidFill>
+                  <a:schemeClr val="tx1"/>
+                </a:solidFill>
+                <a:latin typeface="+mn-lt"/>
+                <a:ea typeface="+mn-ea"/>
+                <a:cs typeface="+mn-cs"/>
+              </a:defRPr>
+            </a:lvl4pPr>
+            <a:lvl5pPr marL="2057400" indent="-228600" algn="l" defTabSz="914400" rtl="0" eaLnBrk="1" latinLnBrk="0" hangingPunct="1">
+              <a:lnSpc>
+                <a:spcPct val="90000"/>
+              </a:lnSpc>
+              <a:spcBef>
+                <a:spcPts val="500"/>
+              </a:spcBef>
+              <a:buFont typeface="Arial" panose="020B0604020202020204" pitchFamily="34" charset="0"/>
+              <a:buChar char="•"/>
+              <a:defRPr sz="1800" kern="1200">
+                <a:solidFill>
+                  <a:schemeClr val="tx1"/>
+                </a:solidFill>
+                <a:latin typeface="+mn-lt"/>
+                <a:ea typeface="+mn-ea"/>
+                <a:cs typeface="+mn-cs"/>
+              </a:defRPr>
+            </a:lvl5pPr>
+            <a:lvl6pPr marL="2514600" indent="-228600" algn="l" defTabSz="914400" rtl="0" eaLnBrk="1" latinLnBrk="0" hangingPunct="1">
+              <a:lnSpc>
+                <a:spcPct val="90000"/>
+              </a:lnSpc>
+              <a:spcBef>
+                <a:spcPts val="500"/>
+              </a:spcBef>
+              <a:buFont typeface="Arial" panose="020B0604020202020204" pitchFamily="34" charset="0"/>
+              <a:buChar char="•"/>
+              <a:defRPr sz="1800" kern="1200">
+                <a:solidFill>
+                  <a:schemeClr val="tx1"/>
+                </a:solidFill>
+                <a:latin typeface="+mn-lt"/>
+                <a:ea typeface="+mn-ea"/>
+                <a:cs typeface="+mn-cs"/>
+              </a:defRPr>
+            </a:lvl6pPr>
+            <a:lvl7pPr marL="2971800" indent="-228600" algn="l" defTabSz="914400" rtl="0" eaLnBrk="1" latinLnBrk="0" hangingPunct="1">
+              <a:lnSpc>
+                <a:spcPct val="90000"/>
+              </a:lnSpc>
+              <a:spcBef>
+                <a:spcPts val="500"/>
+              </a:spcBef>
+              <a:buFont typeface="Arial" panose="020B0604020202020204" pitchFamily="34" charset="0"/>
+              <a:buChar char="•"/>
+              <a:defRPr sz="1800" kern="1200">
+                <a:solidFill>
+                  <a:schemeClr val="tx1"/>
+                </a:solidFill>
+                <a:latin typeface="+mn-lt"/>
+                <a:ea typeface="+mn-ea"/>
+                <a:cs typeface="+mn-cs"/>
+              </a:defRPr>
+            </a:lvl7pPr>
+            <a:lvl8pPr marL="3429000" indent="-228600" algn="l" defTabSz="914400" rtl="0" eaLnBrk="1" latinLnBrk="0" hangingPunct="1">
+              <a:lnSpc>
+                <a:spcPct val="90000"/>
+              </a:lnSpc>
+              <a:spcBef>
+                <a:spcPts val="500"/>
+              </a:spcBef>
+              <a:buFont typeface="Arial" panose="020B0604020202020204" pitchFamily="34" charset="0"/>
+              <a:buChar char="•"/>
+              <a:defRPr sz="1800" kern="1200">
+                <a:solidFill>
+                  <a:schemeClr val="tx1"/>
+                </a:solidFill>
+                <a:latin typeface="+mn-lt"/>
+                <a:ea typeface="+mn-ea"/>
+                <a:cs typeface="+mn-cs"/>
+              </a:defRPr>
+            </a:lvl8pPr>
+            <a:lvl9pPr marL="3886200" indent="-228600" algn="l" defTabSz="914400" rtl="0" eaLnBrk="1" latinLnBrk="0" hangingPunct="1">
+              <a:lnSpc>
+                <a:spcPct val="90000"/>
+              </a:lnSpc>
+              <a:spcBef>
+                <a:spcPts val="500"/>
+              </a:spcBef>
+              <a:buFont typeface="Arial" panose="020B0604020202020204" pitchFamily="34" charset="0"/>
+              <a:buChar char="•"/>
+              <a:defRPr sz="1800" kern="1200">
+                <a:solidFill>
+                  <a:schemeClr val="tx1"/>
+                </a:solidFill>
+                <a:latin typeface="+mn-lt"/>
+                <a:ea typeface="+mn-ea"/>
+                <a:cs typeface="+mn-cs"/>
+              </a:defRPr>
+            </a:lvl9pPr>
+          </a:lstStyle>
+          <a:p>
+            <a:pPr marL="0" indent="0" fontAlgn="auto">
+              <a:spcAft>
+                <a:spcPts val="0"/>
+              </a:spcAft>
+              <a:buNone/>
+            </a:pPr>
+            <a:r>
+              <a:rPr lang="en-US" sz="4400" dirty="0"/>
               <a:t>Constructors</a:t>
             </a:r>
           </a:p>
@@ -6567,7 +7843,7 @@
       </p:sp>
       <p:sp>
         <p:nvSpPr>
-          <p:cNvPr id="4" name="TextBox 3">
+          <p:cNvPr id="5" name="TextBox 4">
             <a:extLst>
               <a:ext uri="{FF2B5EF4-FFF2-40B4-BE49-F238E27FC236}">
                 <a16:creationId xmlns:a16="http://schemas.microsoft.com/office/drawing/2014/main" id="{B64A8207-997F-319E-7F6D-676D3ECA779B}"/>
@@ -6579,8 +7855,8 @@
         </p:nvSpPr>
         <p:spPr>
           <a:xfrm>
-            <a:off x="1268392" y="1045763"/>
-            <a:ext cx="9655207" cy="5016758"/>
+            <a:off x="388696" y="1914831"/>
+            <a:ext cx="11414604" cy="4524315"/>
           </a:xfrm>
           <a:prstGeom prst="rect">
             <a:avLst/>
@@ -6598,51 +7874,60 @@
               <a:buChar char="•"/>
             </a:pPr>
             <a:r>
-              <a:rPr lang="en-US" sz="2000" dirty="0">
+              <a:rPr lang="en-US" sz="1800" dirty="0">
                 <a:latin typeface="+mn-lt"/>
               </a:rPr>
               <a:t>Whenever a new object is created (such as with </a:t>
             </a:r>
             <a:r>
-              <a:rPr lang="en-US" sz="2000" b="1" dirty="0">
+              <a:rPr lang="en-US" sz="1800" b="1" dirty="0">
                 <a:latin typeface="Consolas" panose="020B0609020204030204" pitchFamily="49" charset="0"/>
               </a:rPr>
               <a:t>[</a:t>
             </a:r>
             <a:r>
-              <a:rPr lang="en-US" sz="2000" b="1" dirty="0" err="1">
+              <a:rPr lang="en-US" sz="1800" b="1" dirty="0" err="1">
                 <a:latin typeface="Consolas" panose="020B0609020204030204" pitchFamily="49" charset="0"/>
               </a:rPr>
               <a:t>ClassName</a:t>
             </a:r>
             <a:r>
-              <a:rPr lang="en-US" sz="2000" b="1" dirty="0">
+              <a:rPr lang="en-US" sz="1800" b="1" dirty="0">
                 <a:latin typeface="Consolas" panose="020B0609020204030204" pitchFamily="49" charset="0"/>
               </a:rPr>
               <a:t>]::new()</a:t>
             </a:r>
             <a:r>
-              <a:rPr lang="en-US" sz="2000" dirty="0">
+              <a:rPr lang="en-US" sz="1800" dirty="0">
                 <a:latin typeface="+mn-lt"/>
               </a:rPr>
               <a:t> ), it may be initialized with a </a:t>
             </a:r>
             <a:r>
-              <a:rPr lang="en-US" sz="2000" i="1" dirty="0">
+              <a:rPr lang="en-US" sz="1800" i="1" dirty="0">
                 <a:latin typeface="+mn-lt"/>
               </a:rPr>
               <a:t>constructor method</a:t>
             </a:r>
             <a:r>
-              <a:rPr lang="en-US" sz="2000" dirty="0">
+              <a:rPr lang="en-US" sz="1800" dirty="0">
                 <a:latin typeface="+mn-lt"/>
               </a:rPr>
               <a:t>, which always shares the name as the class. Here’s an example of overloaded constructors:</a:t>
             </a:r>
           </a:p>
           <a:p>
-            <a:r>
-              <a:rPr lang="en-US" sz="2000" b="1" dirty="0">
+            <a:pPr marL="342900" indent="-342900">
+              <a:buFont typeface="Arial" panose="020B0604020202020204" pitchFamily="34" charset="0"/>
+              <a:buChar char="•"/>
+            </a:pPr>
+            <a:endParaRPr lang="en-US" sz="1800" dirty="0">
+              <a:latin typeface="+mn-lt"/>
+            </a:endParaRPr>
+          </a:p>
+          <a:p>
+            <a:r>
+              <a:rPr lang="en-US" sz="1800" b="1" dirty="0">
                 <a:latin typeface="Consolas" panose="020B0609020204030204" pitchFamily="49" charset="0"/>
               </a:rPr>
               <a:t>class Circle {</a:t>
@@ -6650,7 +7935,7 @@
           </a:p>
           <a:p>
             <a:r>
-              <a:rPr lang="en-US" sz="2000" b="1" dirty="0">
+              <a:rPr lang="en-US" sz="1800" b="1" dirty="0">
                 <a:latin typeface="Consolas" panose="020B0609020204030204" pitchFamily="49" charset="0"/>
               </a:rPr>
               <a:t>    [double]$Radius=0</a:t>
@@ -6658,19 +7943,19 @@
           </a:p>
           <a:p>
             <a:r>
-              <a:rPr lang="en-US" sz="2000" b="1" dirty="0">
+              <a:rPr lang="en-US" sz="1800" b="1" dirty="0">
                 <a:latin typeface="Consolas" panose="020B0609020204030204" pitchFamily="49" charset="0"/>
               </a:rPr>
               <a:t>    Circle(){}</a:t>
             </a:r>
             <a:r>
-              <a:rPr lang="en-US" sz="2000" dirty="0">
+              <a:rPr lang="en-US" sz="1800" dirty="0">
                 <a:latin typeface="+mn-lt"/>
               </a:rPr>
               <a:t>  &lt;</a:t>
             </a:r>
             <a:r>
-              <a:rPr lang="en-US" sz="2000" i="1" dirty="0">
+              <a:rPr lang="en-US" sz="1800" i="1" dirty="0">
                 <a:latin typeface="+mn-lt"/>
               </a:rPr>
               <a:t># if you don’t code a constructor, this default is provided automatically.</a:t>
@@ -6678,54 +7963,54 @@
           </a:p>
           <a:p>
             <a:r>
-              <a:rPr lang="en-US" sz="2000" i="1" dirty="0">
+              <a:rPr lang="en-US" sz="1800" i="1" dirty="0">
                 <a:latin typeface="+mn-lt"/>
               </a:rPr>
               <a:t>                         If you </a:t>
             </a:r>
             <a:r>
-              <a:rPr lang="en-US" sz="2000" b="1" i="1" dirty="0">
+              <a:rPr lang="en-US" sz="1800" b="1" i="1" dirty="0">
                 <a:latin typeface="+mn-lt"/>
               </a:rPr>
               <a:t>do</a:t>
             </a:r>
             <a:r>
-              <a:rPr lang="en-US" sz="2000" i="1" dirty="0">
+              <a:rPr lang="en-US" sz="1800" i="1" dirty="0">
                 <a:latin typeface="+mn-lt"/>
               </a:rPr>
               <a:t> specify a constructor, you must add this default one if you want it. #&gt;</a:t>
             </a:r>
-            <a:endParaRPr lang="en-US" sz="2000" i="1" dirty="0">
+            <a:endParaRPr lang="en-US" sz="1800" i="1" dirty="0">
               <a:latin typeface="Consolas" panose="020B0609020204030204" pitchFamily="49" charset="0"/>
             </a:endParaRPr>
           </a:p>
           <a:p>
             <a:r>
-              <a:rPr lang="en-US" sz="2000" b="1" dirty="0">
+              <a:rPr lang="en-US" sz="1800" b="1" dirty="0">
                 <a:latin typeface="Consolas" panose="020B0609020204030204" pitchFamily="49" charset="0"/>
               </a:rPr>
               <a:t>    Circle($r) { $</a:t>
             </a:r>
             <a:r>
-              <a:rPr lang="en-US" sz="2000" b="1" dirty="0" err="1">
+              <a:rPr lang="en-US" sz="1800" b="1" dirty="0" err="1">
                 <a:latin typeface="Consolas" panose="020B0609020204030204" pitchFamily="49" charset="0"/>
               </a:rPr>
               <a:t>this.Radius</a:t>
             </a:r>
             <a:r>
-              <a:rPr lang="en-US" sz="2000" b="1" dirty="0">
+              <a:rPr lang="en-US" sz="1800" b="1" dirty="0">
                 <a:latin typeface="Consolas" panose="020B0609020204030204" pitchFamily="49" charset="0"/>
               </a:rPr>
               <a:t> = $r }</a:t>
             </a:r>
             <a:r>
-              <a:rPr lang="en-US" sz="2000" i="1" dirty="0">
+              <a:rPr lang="en-US" sz="1800" i="1" dirty="0">
                 <a:latin typeface="+mn-lt"/>
               </a:rPr>
               <a:t>         # a constructor to initialize </a:t>
             </a:r>
             <a:r>
-              <a:rPr lang="en-US" sz="2000" b="1" dirty="0">
+              <a:rPr lang="en-US" sz="1800" b="1" dirty="0">
                 <a:latin typeface="Consolas" panose="020B0609020204030204" pitchFamily="49" charset="0"/>
               </a:rPr>
               <a:t>$Radius</a:t>
@@ -6733,7 +8018,7 @@
           </a:p>
           <a:p>
             <a:r>
-              <a:rPr lang="en-US" sz="2000" b="1" dirty="0">
+              <a:rPr lang="en-US" sz="1800" b="1" dirty="0">
                 <a:latin typeface="Consolas" panose="020B0609020204030204" pitchFamily="49" charset="0"/>
               </a:rPr>
               <a:t>    static [double] Area([double]$r) {</a:t>
@@ -6741,7 +8026,7 @@
           </a:p>
           <a:p>
             <a:r>
-              <a:rPr lang="en-US" sz="2000" b="1" dirty="0">
+              <a:rPr lang="en-US" sz="1800" b="1" dirty="0">
                 <a:latin typeface="Consolas" panose="020B0609020204030204" pitchFamily="49" charset="0"/>
               </a:rPr>
               <a:t>        return [Math]::Pi * $r * $r</a:t>
@@ -6749,7 +8034,7 @@
           </a:p>
           <a:p>
             <a:r>
-              <a:rPr lang="en-US" sz="2000" b="1" dirty="0">
+              <a:rPr lang="en-US" sz="1800" b="1" dirty="0">
                 <a:latin typeface="Consolas" panose="020B0609020204030204" pitchFamily="49" charset="0"/>
               </a:rPr>
               <a:t>    }</a:t>
@@ -6757,7 +8042,7 @@
           </a:p>
           <a:p>
             <a:r>
-              <a:rPr lang="en-US" sz="2000" b="1" dirty="0">
+              <a:rPr lang="en-US" sz="1800" b="1" dirty="0">
                 <a:latin typeface="Consolas" panose="020B0609020204030204" pitchFamily="49" charset="0"/>
               </a:rPr>
               <a:t>    [double] Area() {</a:t>
@@ -6765,19 +8050,19 @@
           </a:p>
           <a:p>
             <a:r>
-              <a:rPr lang="en-US" sz="2000" b="1" dirty="0">
+              <a:rPr lang="en-US" sz="1800" b="1" dirty="0">
                 <a:latin typeface="Consolas" panose="020B0609020204030204" pitchFamily="49" charset="0"/>
               </a:rPr>
               <a:t>        return [Circle]::Area($</a:t>
             </a:r>
             <a:r>
-              <a:rPr lang="en-US" sz="2000" b="1" dirty="0" err="1">
+              <a:rPr lang="en-US" sz="1800" b="1" dirty="0" err="1">
                 <a:latin typeface="Consolas" panose="020B0609020204030204" pitchFamily="49" charset="0"/>
               </a:rPr>
               <a:t>this.Radius</a:t>
             </a:r>
             <a:r>
-              <a:rPr lang="en-US" sz="2000" b="1" dirty="0">
+              <a:rPr lang="en-US" sz="1800" b="1" dirty="0">
                 <a:latin typeface="Consolas" panose="020B0609020204030204" pitchFamily="49" charset="0"/>
               </a:rPr>
               <a:t>)</a:t>
@@ -6785,7 +8070,7 @@
           </a:p>
           <a:p>
             <a:r>
-              <a:rPr lang="en-US" sz="2000" b="1" dirty="0">
+              <a:rPr lang="en-US" sz="1800" b="1" dirty="0">
                 <a:latin typeface="Consolas" panose="020B0609020204030204" pitchFamily="49" charset="0"/>
               </a:rPr>
               <a:t>    }</a:t>
@@ -6793,7 +8078,7 @@
           </a:p>
           <a:p>
             <a:r>
-              <a:rPr lang="en-US" sz="2000" b="1" dirty="0">
+              <a:rPr lang="en-US" sz="1800" b="1" dirty="0">
                 <a:latin typeface="Consolas" panose="020B0609020204030204" pitchFamily="49" charset="0"/>
               </a:rPr>
               <a:t>}</a:t>
@@ -6801,49 +8086,49 @@
           </a:p>
           <a:p>
             <a:r>
-              <a:rPr lang="en-US" sz="2000" dirty="0">
+              <a:rPr lang="en-US" sz="1800" dirty="0">
                 <a:latin typeface="+mn-lt"/>
               </a:rPr>
               <a:t> </a:t>
             </a:r>
             <a:r>
-              <a:rPr lang="en-US" sz="2000" b="1" dirty="0">
+              <a:rPr lang="en-US" sz="1800" b="1" dirty="0">
                 <a:latin typeface="Consolas" panose="020B0609020204030204" pitchFamily="49" charset="0"/>
               </a:rPr>
               <a:t>$c = [Circle]::new(0.4); $</a:t>
             </a:r>
             <a:r>
-              <a:rPr lang="en-US" sz="2000" b="1" dirty="0" err="1">
+              <a:rPr lang="en-US" sz="1800" b="1" dirty="0" err="1">
                 <a:latin typeface="Consolas" panose="020B0609020204030204" pitchFamily="49" charset="0"/>
               </a:rPr>
               <a:t>c.Area</a:t>
             </a:r>
             <a:r>
-              <a:rPr lang="en-US" sz="2000" b="1" dirty="0">
+              <a:rPr lang="en-US" sz="1800" b="1" dirty="0">
                 <a:latin typeface="Consolas" panose="020B0609020204030204" pitchFamily="49" charset="0"/>
               </a:rPr>
               <a:t>()</a:t>
             </a:r>
             <a:r>
-              <a:rPr lang="en-US" sz="2000" dirty="0">
+              <a:rPr lang="en-US" sz="1800" dirty="0">
                 <a:latin typeface="+mn-lt"/>
               </a:rPr>
               <a:t>    </a:t>
             </a:r>
             <a:r>
-              <a:rPr lang="en-US" sz="2000" i="1" dirty="0">
+              <a:rPr lang="en-US" sz="1800" i="1" dirty="0">
                 <a:latin typeface="+mn-lt"/>
               </a:rPr>
               <a:t># same result as</a:t>
             </a:r>
             <a:r>
-              <a:rPr lang="en-US" sz="2000" dirty="0">
+              <a:rPr lang="en-US" sz="1800" dirty="0">
                 <a:latin typeface="+mn-lt"/>
               </a:rPr>
               <a:t> </a:t>
             </a:r>
             <a:r>
-              <a:rPr lang="en-US" sz="2000" b="1" dirty="0">
+              <a:rPr lang="en-US" sz="1800" b="1" dirty="0">
                 <a:latin typeface="Consolas" panose="020B0609020204030204" pitchFamily="49" charset="0"/>
               </a:rPr>
               <a:t>[Circle]::Area(0.4)</a:t>
@@ -6854,7 +8139,7 @@
     </p:spTree>
     <p:extLst>
       <p:ext uri="{BB962C8B-B14F-4D97-AF65-F5344CB8AC3E}">
-        <p14:creationId xmlns:p14="http://schemas.microsoft.com/office/powerpoint/2010/main" val="2169521787"/>
+        <p14:creationId xmlns:p14="http://schemas.microsoft.com/office/powerpoint/2010/main" val="3123575312"/>
       </p:ext>
     </p:extLst>
   </p:cSld>
@@ -6883,43 +8168,212 @@
       </p:grpSpPr>
       <p:sp>
         <p:nvSpPr>
-          <p:cNvPr id="2" name="Text Placeholder 1">
+          <p:cNvPr id="4" name="Text Placeholder 1">
             <a:extLst>
               <a:ext uri="{FF2B5EF4-FFF2-40B4-BE49-F238E27FC236}">
                 <a16:creationId xmlns:a16="http://schemas.microsoft.com/office/drawing/2014/main" id="{64492E64-A68B-8CA7-B3C6-044F7C8E76AB}"/>
               </a:ext>
             </a:extLst>
           </p:cNvPr>
-          <p:cNvSpPr>
-            <a:spLocks noGrp="1"/>
+          <p:cNvSpPr txBox="1">
+            <a:spLocks/>
           </p:cNvSpPr>
-          <p:nvPr>
-            <p:ph type="body" sz="quarter" idx="10"/>
-          </p:nvPr>
+          <p:nvPr/>
         </p:nvSpPr>
         <p:spPr>
           <a:xfrm>
-            <a:off x="323529" y="339510"/>
-            <a:ext cx="11573197" cy="774916"/>
+            <a:off x="4985368" y="1273857"/>
+            <a:ext cx="2221263" cy="774916"/>
           </a:xfrm>
+          <a:prstGeom prst="rect">
+            <a:avLst/>
+          </a:prstGeom>
         </p:spPr>
         <p:txBody>
           <a:bodyPr>
             <a:noAutofit/>
           </a:bodyPr>
-          <a:lstStyle/>
-          <a:p>
-            <a:r>
-              <a:rPr lang="en-US" sz="5000"/>
+          <a:lstStyle>
+            <a:lvl1pPr marL="228600" indent="-228600" algn="l" defTabSz="914400" rtl="0" eaLnBrk="1" latinLnBrk="0" hangingPunct="1">
+              <a:lnSpc>
+                <a:spcPct val="90000"/>
+              </a:lnSpc>
+              <a:spcBef>
+                <a:spcPts val="1000"/>
+              </a:spcBef>
+              <a:buFont typeface="Arial" panose="020B0604020202020204" pitchFamily="34" charset="0"/>
+              <a:buChar char="•"/>
+              <a:defRPr sz="2800" kern="1200">
+                <a:solidFill>
+                  <a:schemeClr val="tx1"/>
+                </a:solidFill>
+                <a:latin typeface="+mn-lt"/>
+                <a:ea typeface="+mn-ea"/>
+                <a:cs typeface="+mn-cs"/>
+              </a:defRPr>
+            </a:lvl1pPr>
+            <a:lvl2pPr marL="685800" indent="-228600" algn="l" defTabSz="914400" rtl="0" eaLnBrk="1" latinLnBrk="0" hangingPunct="1">
+              <a:lnSpc>
+                <a:spcPct val="90000"/>
+              </a:lnSpc>
+              <a:spcBef>
+                <a:spcPts val="500"/>
+              </a:spcBef>
+              <a:buFont typeface="Arial" panose="020B0604020202020204" pitchFamily="34" charset="0"/>
+              <a:buChar char="•"/>
+              <a:defRPr sz="2400" kern="1200">
+                <a:solidFill>
+                  <a:schemeClr val="tx1"/>
+                </a:solidFill>
+                <a:latin typeface="+mn-lt"/>
+                <a:ea typeface="+mn-ea"/>
+                <a:cs typeface="+mn-cs"/>
+              </a:defRPr>
+            </a:lvl2pPr>
+            <a:lvl3pPr marL="1143000" indent="-228600" algn="l" defTabSz="914400" rtl="0" eaLnBrk="1" latinLnBrk="0" hangingPunct="1">
+              <a:lnSpc>
+                <a:spcPct val="90000"/>
+              </a:lnSpc>
+              <a:spcBef>
+                <a:spcPts val="500"/>
+              </a:spcBef>
+              <a:buFont typeface="Arial" panose="020B0604020202020204" pitchFamily="34" charset="0"/>
+              <a:buChar char="•"/>
+              <a:defRPr sz="2000" kern="1200">
+                <a:solidFill>
+                  <a:schemeClr val="tx1"/>
+                </a:solidFill>
+                <a:latin typeface="+mn-lt"/>
+                <a:ea typeface="+mn-ea"/>
+                <a:cs typeface="+mn-cs"/>
+              </a:defRPr>
+            </a:lvl3pPr>
+            <a:lvl4pPr marL="1600200" indent="-228600" algn="l" defTabSz="914400" rtl="0" eaLnBrk="1" latinLnBrk="0" hangingPunct="1">
+              <a:lnSpc>
+                <a:spcPct val="90000"/>
+              </a:lnSpc>
+              <a:spcBef>
+                <a:spcPts val="500"/>
+              </a:spcBef>
+              <a:buFont typeface="Arial" panose="020B0604020202020204" pitchFamily="34" charset="0"/>
+              <a:buChar char="•"/>
+              <a:defRPr sz="1800" kern="1200">
+                <a:solidFill>
+                  <a:schemeClr val="tx1"/>
+                </a:solidFill>
+                <a:latin typeface="+mn-lt"/>
+                <a:ea typeface="+mn-ea"/>
+                <a:cs typeface="+mn-cs"/>
+              </a:defRPr>
+            </a:lvl4pPr>
+            <a:lvl5pPr marL="2057400" indent="-228600" algn="l" defTabSz="914400" rtl="0" eaLnBrk="1" latinLnBrk="0" hangingPunct="1">
+              <a:lnSpc>
+                <a:spcPct val="90000"/>
+              </a:lnSpc>
+              <a:spcBef>
+                <a:spcPts val="500"/>
+              </a:spcBef>
+              <a:buFont typeface="Arial" panose="020B0604020202020204" pitchFamily="34" charset="0"/>
+              <a:buChar char="•"/>
+              <a:defRPr sz="1800" kern="1200">
+                <a:solidFill>
+                  <a:schemeClr val="tx1"/>
+                </a:solidFill>
+                <a:latin typeface="+mn-lt"/>
+                <a:ea typeface="+mn-ea"/>
+                <a:cs typeface="+mn-cs"/>
+              </a:defRPr>
+            </a:lvl5pPr>
+            <a:lvl6pPr marL="2514600" indent="-228600" algn="l" defTabSz="914400" rtl="0" eaLnBrk="1" latinLnBrk="0" hangingPunct="1">
+              <a:lnSpc>
+                <a:spcPct val="90000"/>
+              </a:lnSpc>
+              <a:spcBef>
+                <a:spcPts val="500"/>
+              </a:spcBef>
+              <a:buFont typeface="Arial" panose="020B0604020202020204" pitchFamily="34" charset="0"/>
+              <a:buChar char="•"/>
+              <a:defRPr sz="1800" kern="1200">
+                <a:solidFill>
+                  <a:schemeClr val="tx1"/>
+                </a:solidFill>
+                <a:latin typeface="+mn-lt"/>
+                <a:ea typeface="+mn-ea"/>
+                <a:cs typeface="+mn-cs"/>
+              </a:defRPr>
+            </a:lvl6pPr>
+            <a:lvl7pPr marL="2971800" indent="-228600" algn="l" defTabSz="914400" rtl="0" eaLnBrk="1" latinLnBrk="0" hangingPunct="1">
+              <a:lnSpc>
+                <a:spcPct val="90000"/>
+              </a:lnSpc>
+              <a:spcBef>
+                <a:spcPts val="500"/>
+              </a:spcBef>
+              <a:buFont typeface="Arial" panose="020B0604020202020204" pitchFamily="34" charset="0"/>
+              <a:buChar char="•"/>
+              <a:defRPr sz="1800" kern="1200">
+                <a:solidFill>
+                  <a:schemeClr val="tx1"/>
+                </a:solidFill>
+                <a:latin typeface="+mn-lt"/>
+                <a:ea typeface="+mn-ea"/>
+                <a:cs typeface="+mn-cs"/>
+              </a:defRPr>
+            </a:lvl7pPr>
+            <a:lvl8pPr marL="3429000" indent="-228600" algn="l" defTabSz="914400" rtl="0" eaLnBrk="1" latinLnBrk="0" hangingPunct="1">
+              <a:lnSpc>
+                <a:spcPct val="90000"/>
+              </a:lnSpc>
+              <a:spcBef>
+                <a:spcPts val="500"/>
+              </a:spcBef>
+              <a:buFont typeface="Arial" panose="020B0604020202020204" pitchFamily="34" charset="0"/>
+              <a:buChar char="•"/>
+              <a:defRPr sz="1800" kern="1200">
+                <a:solidFill>
+                  <a:schemeClr val="tx1"/>
+                </a:solidFill>
+                <a:latin typeface="+mn-lt"/>
+                <a:ea typeface="+mn-ea"/>
+                <a:cs typeface="+mn-cs"/>
+              </a:defRPr>
+            </a:lvl8pPr>
+            <a:lvl9pPr marL="3886200" indent="-228600" algn="l" defTabSz="914400" rtl="0" eaLnBrk="1" latinLnBrk="0" hangingPunct="1">
+              <a:lnSpc>
+                <a:spcPct val="90000"/>
+              </a:lnSpc>
+              <a:spcBef>
+                <a:spcPts val="500"/>
+              </a:spcBef>
+              <a:buFont typeface="Arial" panose="020B0604020202020204" pitchFamily="34" charset="0"/>
+              <a:buChar char="•"/>
+              <a:defRPr sz="1800" kern="1200">
+                <a:solidFill>
+                  <a:schemeClr val="tx1"/>
+                </a:solidFill>
+                <a:latin typeface="+mn-lt"/>
+                <a:ea typeface="+mn-ea"/>
+                <a:cs typeface="+mn-cs"/>
+              </a:defRPr>
+            </a:lvl9pPr>
+          </a:lstStyle>
+          <a:p>
+            <a:pPr marL="0" indent="0" fontAlgn="auto">
+              <a:spcAft>
+                <a:spcPts val="0"/>
+              </a:spcAft>
+              <a:buNone/>
+            </a:pPr>
+            <a:r>
+              <a:rPr lang="en-US" sz="4400" dirty="0"/>
               <a:t>Exercise</a:t>
             </a:r>
-            <a:endParaRPr lang="en-US" sz="5000" dirty="0"/>
           </a:p>
         </p:txBody>
       </p:sp>
       <p:sp>
         <p:nvSpPr>
-          <p:cNvPr id="4" name="TextBox 3">
+          <p:cNvPr id="5" name="TextBox 4">
             <a:extLst>
               <a:ext uri="{FF2B5EF4-FFF2-40B4-BE49-F238E27FC236}">
                 <a16:creationId xmlns:a16="http://schemas.microsoft.com/office/drawing/2014/main" id="{B64A8207-997F-319E-7F6D-676D3ECA779B}"/>
@@ -6931,8 +8385,8 @@
         </p:nvSpPr>
         <p:spPr>
           <a:xfrm>
-            <a:off x="1268396" y="1114426"/>
-            <a:ext cx="9655207" cy="923330"/>
+            <a:off x="1416325" y="2048773"/>
+            <a:ext cx="9359348" cy="923330"/>
           </a:xfrm>
           <a:prstGeom prst="rect">
             <a:avLst/>
@@ -6961,7 +8415,7 @@
     </p:spTree>
     <p:extLst>
       <p:ext uri="{BB962C8B-B14F-4D97-AF65-F5344CB8AC3E}">
-        <p14:creationId xmlns:p14="http://schemas.microsoft.com/office/powerpoint/2010/main" val="322366662"/>
+        <p14:creationId xmlns:p14="http://schemas.microsoft.com/office/powerpoint/2010/main" val="2777842719"/>
       </p:ext>
     </p:extLst>
   </p:cSld>
@@ -7820,7 +9274,7 @@
 </file>
 
 <file path=ppt/theme/theme2.xml><?xml version="1.0" encoding="utf-8"?>
-<a:theme xmlns:a="http://schemas.openxmlformats.org/drawingml/2006/main" name="Office Theme">
+<a:theme xmlns:a="http://schemas.openxmlformats.org/drawingml/2006/main" name="1_Office Theme">
   <a:themeElements>
     <a:clrScheme name="Office">
       <a:dk1>
@@ -7830,39 +9284,39 @@
         <a:sysClr val="window" lastClr="FFFFFF"/>
       </a:lt1>
       <a:dk2>
-        <a:srgbClr val="44546A"/>
+        <a:srgbClr val="0E2841"/>
       </a:dk2>
       <a:lt2>
-        <a:srgbClr val="E7E6E6"/>
+        <a:srgbClr val="E8E8E8"/>
       </a:lt2>
       <a:accent1>
-        <a:srgbClr val="4472C4"/>
+        <a:srgbClr val="156082"/>
       </a:accent1>
       <a:accent2>
-        <a:srgbClr val="ED7D31"/>
+        <a:srgbClr val="E97132"/>
       </a:accent2>
       <a:accent3>
-        <a:srgbClr val="A5A5A5"/>
+        <a:srgbClr val="196B24"/>
       </a:accent3>
       <a:accent4>
-        <a:srgbClr val="FFC000"/>
+        <a:srgbClr val="0F9ED5"/>
       </a:accent4>
       <a:accent5>
-        <a:srgbClr val="5B9BD5"/>
+        <a:srgbClr val="A02B93"/>
       </a:accent5>
       <a:accent6>
-        <a:srgbClr val="70AD47"/>
+        <a:srgbClr val="4EA72E"/>
       </a:accent6>
       <a:hlink>
-        <a:srgbClr val="0563C1"/>
+        <a:srgbClr val="467886"/>
       </a:hlink>
       <a:folHlink>
-        <a:srgbClr val="954F72"/>
+        <a:srgbClr val="96607D"/>
       </a:folHlink>
     </a:clrScheme>
     <a:fontScheme name="Office">
       <a:majorFont>
-        <a:latin typeface="Calibri Light" panose="020F0302020204030204"/>
+        <a:latin typeface="Aptos Display" panose="02110004020202020204"/>
         <a:ea typeface=""/>
         <a:cs typeface=""/>
         <a:font script="Jpan" typeface="游ゴシック Light"/>
@@ -7914,7 +9368,7 @@
         <a:font script="Tfng" typeface="Ebrima"/>
       </a:majorFont>
       <a:minorFont>
-        <a:latin typeface="Calibri" panose="020F0502020204030204"/>
+        <a:latin typeface="Aptos" panose="02110004020202020204"/>
         <a:ea typeface=""/>
         <a:cs typeface=""/>
         <a:font script="Jpan" typeface="游ゴシック"/>
@@ -8025,13 +9479,6 @@
         </a:gradFill>
       </a:fillStyleLst>
       <a:lnStyleLst>
-        <a:ln w="6350" cap="flat" cmpd="sng" algn="ctr">
-          <a:solidFill>
-            <a:schemeClr val="phClr"/>
-          </a:solidFill>
-          <a:prstDash val="solid"/>
-          <a:miter lim="800000"/>
-        </a:ln>
         <a:ln w="12700" cap="flat" cmpd="sng" algn="ctr">
           <a:solidFill>
             <a:schemeClr val="phClr"/>
@@ -8040,6 +9487,13 @@
           <a:miter lim="800000"/>
         </a:ln>
         <a:ln w="19050" cap="flat" cmpd="sng" algn="ctr">
+          <a:solidFill>
+            <a:schemeClr val="phClr"/>
+          </a:solidFill>
+          <a:prstDash val="solid"/>
+          <a:miter lim="800000"/>
+        </a:ln>
+        <a:ln w="25400" cap="flat" cmpd="sng" algn="ctr">
           <a:solidFill>
             <a:schemeClr val="phClr"/>
           </a:solidFill>
@@ -8104,11 +9558,31 @@
       </a:bgFillStyleLst>
     </a:fmtScheme>
   </a:themeElements>
-  <a:objectDefaults/>
+  <a:objectDefaults>
+    <a:lnDef>
+      <a:spPr/>
+      <a:bodyPr/>
+      <a:lstStyle/>
+      <a:style>
+        <a:lnRef idx="2">
+          <a:schemeClr val="accent1"/>
+        </a:lnRef>
+        <a:fillRef idx="0">
+          <a:schemeClr val="accent1"/>
+        </a:fillRef>
+        <a:effectRef idx="1">
+          <a:schemeClr val="accent1"/>
+        </a:effectRef>
+        <a:fontRef idx="minor">
+          <a:schemeClr val="tx1"/>
+        </a:fontRef>
+      </a:style>
+    </a:lnDef>
+  </a:objectDefaults>
   <a:extraClrSchemeLst/>
   <a:extLst>
     <a:ext uri="{05A4C25C-085E-4340-85A3-A5531E510DB2}">
-      <thm15:themeFamily xmlns:thm15="http://schemas.microsoft.com/office/thememl/2012/main" name="Office Theme" id="{62F939B6-93AF-4DB8-9C6B-D6C7DFDC589F}" vid="{4A3C46E8-61CC-4603-A589-7422A47A8E4A}"/>
+      <thm15:themeFamily xmlns:thm15="http://schemas.microsoft.com/office/thememl/2012/main" name="Presentation1" id="{DAD0D162-FE0C-45E1-B287-70A400F0FB2D}" vid="{0F85589E-3A92-4CE5-8C4F-6CD4A008415E}"/>
     </a:ext>
   </a:extLst>
 </a:theme>
